--- a/Presentations/Adjustment_Factors.pptx
+++ b/Presentations/Adjustment_Factors.pptx
@@ -7,6 +7,13 @@
   <p:sldIdLst>
     <p:sldId id="256" r:id="rId2"/>
     <p:sldId id="257" r:id="rId3"/>
+    <p:sldId id="258" r:id="rId4"/>
+    <p:sldId id="259" r:id="rId5"/>
+    <p:sldId id="260" r:id="rId6"/>
+    <p:sldId id="261" r:id="rId7"/>
+    <p:sldId id="262" r:id="rId8"/>
+    <p:sldId id="263" r:id="rId9"/>
+    <p:sldId id="264" r:id="rId10"/>
   </p:sldIdLst>
   <p:sldSz cx="12192000" cy="6858000"/>
   <p:notesSz cx="6858000" cy="9144000"/>
@@ -105,6 +112,11 @@
       </a:defRPr>
     </a:lvl9pPr>
   </p:defaultTextStyle>
+  <p:extLst>
+    <p:ext uri="{EFAFB233-063F-42B5-8137-9DF3F51BA10A}">
+      <p15:sldGuideLst xmlns:p15="http://schemas.microsoft.com/office/powerpoint/2012/main"/>
+    </p:ext>
+  </p:extLst>
 </p:presentation>
 </file>
 
@@ -278,7 +290,7 @@
           <a:p>
             <a:fld id="{2B48E2E9-A25B-CF49-8A46-969EC21E09EB}" type="datetimeFigureOut">
               <a:rPr lang="en-US" smtClean="0"/>
-              <a:t>8/23/22</a:t>
+              <a:t>8/29/22</a:t>
             </a:fld>
             <a:endParaRPr lang="en-US"/>
           </a:p>
@@ -545,7 +557,7 @@
           <a:p>
             <a:fld id="{2B48E2E9-A25B-CF49-8A46-969EC21E09EB}" type="datetimeFigureOut">
               <a:rPr lang="en-US" smtClean="0"/>
-              <a:t>8/23/22</a:t>
+              <a:t>8/29/22</a:t>
             </a:fld>
             <a:endParaRPr lang="en-US"/>
           </a:p>
@@ -776,7 +788,7 @@
           <a:p>
             <a:fld id="{2B48E2E9-A25B-CF49-8A46-969EC21E09EB}" type="datetimeFigureOut">
               <a:rPr lang="en-US" smtClean="0"/>
-              <a:t>8/23/22</a:t>
+              <a:t>8/29/22</a:t>
             </a:fld>
             <a:endParaRPr lang="en-US"/>
           </a:p>
@@ -1086,7 +1098,7 @@
           <a:p>
             <a:fld id="{2B48E2E9-A25B-CF49-8A46-969EC21E09EB}" type="datetimeFigureOut">
               <a:rPr lang="en-US" smtClean="0"/>
-              <a:t>8/23/22</a:t>
+              <a:t>8/29/22</a:t>
             </a:fld>
             <a:endParaRPr lang="en-US"/>
           </a:p>
@@ -1559,7 +1571,7 @@
           <a:p>
             <a:fld id="{2B48E2E9-A25B-CF49-8A46-969EC21E09EB}" type="datetimeFigureOut">
               <a:rPr lang="en-US" smtClean="0"/>
-              <a:t>8/23/22</a:t>
+              <a:t>8/29/22</a:t>
             </a:fld>
             <a:endParaRPr lang="en-US"/>
           </a:p>
@@ -2106,7 +2118,7 @@
           <a:p>
             <a:fld id="{2B48E2E9-A25B-CF49-8A46-969EC21E09EB}" type="datetimeFigureOut">
               <a:rPr lang="en-US" smtClean="0"/>
-              <a:t>8/23/22</a:t>
+              <a:t>8/29/22</a:t>
             </a:fld>
             <a:endParaRPr lang="en-US"/>
           </a:p>
@@ -2880,7 +2892,7 @@
           <a:p>
             <a:fld id="{2B48E2E9-A25B-CF49-8A46-969EC21E09EB}" type="datetimeFigureOut">
               <a:rPr lang="en-US" smtClean="0"/>
-              <a:t>8/23/22</a:t>
+              <a:t>8/29/22</a:t>
             </a:fld>
             <a:endParaRPr lang="en-US"/>
           </a:p>
@@ -3055,7 +3067,7 @@
           <a:p>
             <a:fld id="{2B48E2E9-A25B-CF49-8A46-969EC21E09EB}" type="datetimeFigureOut">
               <a:rPr lang="en-US" smtClean="0"/>
-              <a:t>8/23/22</a:t>
+              <a:t>8/29/22</a:t>
             </a:fld>
             <a:endParaRPr lang="en-US"/>
           </a:p>
@@ -3278,7 +3290,7 @@
           <a:p>
             <a:fld id="{2B48E2E9-A25B-CF49-8A46-969EC21E09EB}" type="datetimeFigureOut">
               <a:rPr lang="en-US" smtClean="0"/>
-              <a:t>8/23/22</a:t>
+              <a:t>8/29/22</a:t>
             </a:fld>
             <a:endParaRPr lang="en-US"/>
           </a:p>
@@ -3458,7 +3470,7 @@
           <a:p>
             <a:fld id="{2B48E2E9-A25B-CF49-8A46-969EC21E09EB}" type="datetimeFigureOut">
               <a:rPr lang="en-US" smtClean="0"/>
-              <a:t>8/23/22</a:t>
+              <a:t>8/29/22</a:t>
             </a:fld>
             <a:endParaRPr lang="en-US"/>
           </a:p>
@@ -3747,7 +3759,7 @@
           <a:p>
             <a:fld id="{2B48E2E9-A25B-CF49-8A46-969EC21E09EB}" type="datetimeFigureOut">
               <a:rPr lang="en-US" smtClean="0"/>
-              <a:t>8/23/22</a:t>
+              <a:t>8/29/22</a:t>
             </a:fld>
             <a:endParaRPr lang="en-US"/>
           </a:p>
@@ -3989,7 +4001,7 @@
           <a:p>
             <a:fld id="{2B48E2E9-A25B-CF49-8A46-969EC21E09EB}" type="datetimeFigureOut">
               <a:rPr lang="en-US" smtClean="0"/>
-              <a:t>8/23/22</a:t>
+              <a:t>8/29/22</a:t>
             </a:fld>
             <a:endParaRPr lang="en-US"/>
           </a:p>
@@ -4368,7 +4380,7 @@
           <a:p>
             <a:fld id="{2B48E2E9-A25B-CF49-8A46-969EC21E09EB}" type="datetimeFigureOut">
               <a:rPr lang="en-US" smtClean="0"/>
-              <a:t>8/23/22</a:t>
+              <a:t>8/29/22</a:t>
             </a:fld>
             <a:endParaRPr lang="en-US"/>
           </a:p>
@@ -4486,7 +4498,7 @@
           <a:p>
             <a:fld id="{2B48E2E9-A25B-CF49-8A46-969EC21E09EB}" type="datetimeFigureOut">
               <a:rPr lang="en-US" smtClean="0"/>
-              <a:t>8/23/22</a:t>
+              <a:t>8/29/22</a:t>
             </a:fld>
             <a:endParaRPr lang="en-US"/>
           </a:p>
@@ -4581,7 +4593,7 @@
           <a:p>
             <a:fld id="{2B48E2E9-A25B-CF49-8A46-969EC21E09EB}" type="datetimeFigureOut">
               <a:rPr lang="en-US" smtClean="0"/>
-              <a:t>8/23/22</a:t>
+              <a:t>8/29/22</a:t>
             </a:fld>
             <a:endParaRPr lang="en-US"/>
           </a:p>
@@ -4830,7 +4842,7 @@
           <a:p>
             <a:fld id="{2B48E2E9-A25B-CF49-8A46-969EC21E09EB}" type="datetimeFigureOut">
               <a:rPr lang="en-US" smtClean="0"/>
-              <a:t>8/23/22</a:t>
+              <a:t>8/29/22</a:t>
             </a:fld>
             <a:endParaRPr lang="en-US"/>
           </a:p>
@@ -5087,7 +5099,7 @@
           <a:p>
             <a:fld id="{2B48E2E9-A25B-CF49-8A46-969EC21E09EB}" type="datetimeFigureOut">
               <a:rPr lang="en-US" smtClean="0"/>
-              <a:t>8/23/22</a:t>
+              <a:t>8/29/22</a:t>
             </a:fld>
             <a:endParaRPr lang="en-US"/>
           </a:p>
@@ -5330,7 +5342,7 @@
           <a:p>
             <a:fld id="{2B48E2E9-A25B-CF49-8A46-969EC21E09EB}" type="datetimeFigureOut">
               <a:rPr lang="en-US" smtClean="0"/>
-              <a:t>8/23/22</a:t>
+              <a:t>8/29/22</a:t>
             </a:fld>
             <a:endParaRPr lang="en-US"/>
           </a:p>
@@ -5891,14 +5903,1076 @@
           <a:bodyPr/>
           <a:lstStyle/>
           <a:p>
-            <a:endParaRPr lang="en-US"/>
-          </a:p>
-        </p:txBody>
-      </p:sp>
+            <a:r>
+              <a:rPr lang="en-US" dirty="0"/>
+              <a:t>Initially, we wanted to match the backfire rate of spread in the simulation to the observed backfire rate of spread</a:t>
+            </a:r>
+          </a:p>
+          <a:p>
+            <a:r>
+              <a:rPr lang="en-US" dirty="0"/>
+              <a:t>To calculate the observed backfire rate of spread, I used videos of the burn and google earth to calculate the backfire rate of spread</a:t>
+            </a:r>
+          </a:p>
+          <a:p>
+            <a:r>
+              <a:rPr lang="en-US" dirty="0"/>
+              <a:t>A more in depth explanation of how this was calculated can be found on </a:t>
+            </a:r>
+            <a:r>
+              <a:rPr lang="en-US" dirty="0" err="1"/>
+              <a:t>youtube</a:t>
+            </a:r>
+            <a:r>
+              <a:rPr lang="en-US" dirty="0"/>
+              <a:t> at: INSERT LINK HERE</a:t>
+            </a:r>
+          </a:p>
+          <a:p>
+            <a:r>
+              <a:rPr lang="en-US" dirty="0"/>
+              <a:t>As an attempt to match the simulations to the observed backfire rate of spread, we added in an adjr0 adjustment factor to the </a:t>
+            </a:r>
+            <a:r>
+              <a:rPr lang="en-US" dirty="0" err="1"/>
+              <a:t>namelist.fire</a:t>
+            </a:r>
+            <a:r>
+              <a:rPr lang="en-US" dirty="0"/>
+              <a:t> to slow down the simulation</a:t>
+            </a:r>
+          </a:p>
+          <a:p>
+            <a:endParaRPr lang="en-US" dirty="0"/>
+          </a:p>
+          <a:p>
+            <a:pPr marL="0" indent="0">
+              <a:buNone/>
+            </a:pPr>
+            <a:endParaRPr lang="en-US" dirty="0"/>
+          </a:p>
+          <a:p>
+            <a:pPr marL="0" indent="0">
+              <a:buNone/>
+            </a:pPr>
+            <a:endParaRPr lang="en-US" dirty="0"/>
+          </a:p>
+          <a:p>
+            <a:pPr marL="0" indent="0">
+              <a:buNone/>
+            </a:pPr>
+            <a:endParaRPr lang="en-US" dirty="0"/>
+          </a:p>
+        </p:txBody>
+      </p:sp>
+      <p:pic>
+        <p:nvPicPr>
+          <p:cNvPr id="4" name="Picture 3">
+            <a:extLst>
+              <a:ext uri="{FF2B5EF4-FFF2-40B4-BE49-F238E27FC236}">
+                <a16:creationId xmlns:a16="http://schemas.microsoft.com/office/drawing/2014/main" id="{D1C84B33-0E69-F116-92BA-B219569D37C6}"/>
+              </a:ext>
+            </a:extLst>
+          </p:cNvPr>
+          <p:cNvPicPr>
+            <a:picLocks noChangeAspect="1"/>
+          </p:cNvPicPr>
+          <p:nvPr/>
+        </p:nvPicPr>
+        <p:blipFill>
+          <a:blip r:embed="rId2"/>
+          <a:stretch>
+            <a:fillRect/>
+          </a:stretch>
+        </p:blipFill>
+        <p:spPr>
+          <a:xfrm>
+            <a:off x="768131" y="5689855"/>
+            <a:ext cx="3403600" cy="406400"/>
+          </a:xfrm>
+          <a:prstGeom prst="rect">
+            <a:avLst/>
+          </a:prstGeom>
+        </p:spPr>
+      </p:pic>
     </p:spTree>
     <p:extLst>
       <p:ext uri="{BB962C8B-B14F-4D97-AF65-F5344CB8AC3E}">
         <p14:creationId xmlns:p14="http://schemas.microsoft.com/office/powerpoint/2010/main" val="3178772796"/>
+      </p:ext>
+    </p:extLst>
+  </p:cSld>
+  <p:clrMapOvr>
+    <a:masterClrMapping/>
+  </p:clrMapOvr>
+</p:sld>
+</file>
+
+<file path=ppt/slides/slide3.xml><?xml version="1.0" encoding="utf-8"?>
+<p:sld xmlns:a="http://schemas.openxmlformats.org/drawingml/2006/main" xmlns:r="http://schemas.openxmlformats.org/officeDocument/2006/relationships" xmlns:p="http://schemas.openxmlformats.org/presentationml/2006/main">
+  <p:cSld>
+    <p:spTree>
+      <p:nvGrpSpPr>
+        <p:cNvPr id="1" name=""/>
+        <p:cNvGrpSpPr/>
+        <p:nvPr/>
+      </p:nvGrpSpPr>
+      <p:grpSpPr>
+        <a:xfrm>
+          <a:off x="0" y="0"/>
+          <a:ext cx="0" cy="0"/>
+          <a:chOff x="0" y="0"/>
+          <a:chExt cx="0" cy="0"/>
+        </a:xfrm>
+      </p:grpSpPr>
+      <p:sp>
+        <p:nvSpPr>
+          <p:cNvPr id="2" name="Title 1">
+            <a:extLst>
+              <a:ext uri="{FF2B5EF4-FFF2-40B4-BE49-F238E27FC236}">
+                <a16:creationId xmlns:a16="http://schemas.microsoft.com/office/drawing/2014/main" id="{90E0E0DE-DDE0-D901-F03F-DB18775955BF}"/>
+              </a:ext>
+            </a:extLst>
+          </p:cNvPr>
+          <p:cNvSpPr>
+            <a:spLocks noGrp="1"/>
+          </p:cNvSpPr>
+          <p:nvPr>
+            <p:ph type="title"/>
+          </p:nvPr>
+        </p:nvSpPr>
+        <p:spPr/>
+        <p:txBody>
+          <a:bodyPr/>
+          <a:lstStyle/>
+          <a:p>
+            <a:r>
+              <a:rPr lang="en-US" dirty="0"/>
+              <a:t>ADjr0 adjustments in </a:t>
+            </a:r>
+            <a:r>
+              <a:rPr lang="en-US" dirty="0" err="1"/>
+              <a:t>wrf-sfire</a:t>
+            </a:r>
+            <a:endParaRPr lang="en-US" dirty="0"/>
+          </a:p>
+        </p:txBody>
+      </p:sp>
+      <p:sp>
+        <p:nvSpPr>
+          <p:cNvPr id="3" name="Content Placeholder 2">
+            <a:extLst>
+              <a:ext uri="{FF2B5EF4-FFF2-40B4-BE49-F238E27FC236}">
+                <a16:creationId xmlns:a16="http://schemas.microsoft.com/office/drawing/2014/main" id="{72F6BC60-8D5D-CE47-D699-B2F4DC234159}"/>
+              </a:ext>
+            </a:extLst>
+          </p:cNvPr>
+          <p:cNvSpPr>
+            <a:spLocks noGrp="1"/>
+          </p:cNvSpPr>
+          <p:nvPr>
+            <p:ph idx="1"/>
+          </p:nvPr>
+        </p:nvSpPr>
+        <p:spPr/>
+        <p:txBody>
+          <a:bodyPr/>
+          <a:lstStyle/>
+          <a:p>
+            <a:r>
+              <a:rPr lang="en-US" dirty="0"/>
+              <a:t>The observed backfire ROS was about 0.02m/s, and the simulation was at 0.021 m/s</a:t>
+            </a:r>
+          </a:p>
+          <a:p>
+            <a:r>
+              <a:rPr lang="en-US" dirty="0"/>
+              <a:t>In an attempt to slow the simulation down, an adjustment factor was added to the simulation </a:t>
+            </a:r>
+          </a:p>
+          <a:p>
+            <a:pPr lvl="1"/>
+            <a:r>
+              <a:rPr lang="en-US" dirty="0"/>
+              <a:t>The adjustment factor used in the initial run is 0.90</a:t>
+            </a:r>
+          </a:p>
+          <a:p>
+            <a:r>
+              <a:rPr lang="en-US" dirty="0"/>
+              <a:t>With this adjustment factor, we were expecting the backfire ROS to be closer to 0.02, but instead the new backfire ROS was calculated to be 0.015m/s</a:t>
+            </a:r>
+          </a:p>
+          <a:p>
+            <a:r>
+              <a:rPr lang="en-US" dirty="0"/>
+              <a:t>To try to better correct the model, another run was performed this time with a different adjustment factor of 0.93</a:t>
+            </a:r>
+          </a:p>
+          <a:p>
+            <a:r>
+              <a:rPr lang="en-US" dirty="0"/>
+              <a:t>This did increase the backfire ROS, but not as much as we had hoped</a:t>
+            </a:r>
+          </a:p>
+          <a:p>
+            <a:pPr lvl="1"/>
+            <a:r>
+              <a:rPr lang="en-US" dirty="0"/>
+              <a:t>The new backfire ROS was 0.016</a:t>
+            </a:r>
+          </a:p>
+          <a:p>
+            <a:pPr marL="0" indent="0">
+              <a:buNone/>
+            </a:pPr>
+            <a:endParaRPr lang="en-US" dirty="0"/>
+          </a:p>
+        </p:txBody>
+      </p:sp>
+    </p:spTree>
+    <p:extLst>
+      <p:ext uri="{BB962C8B-B14F-4D97-AF65-F5344CB8AC3E}">
+        <p14:creationId xmlns:p14="http://schemas.microsoft.com/office/powerpoint/2010/main" val="198818901"/>
+      </p:ext>
+    </p:extLst>
+  </p:cSld>
+  <p:clrMapOvr>
+    <a:masterClrMapping/>
+  </p:clrMapOvr>
+</p:sld>
+</file>
+
+<file path=ppt/slides/slide4.xml><?xml version="1.0" encoding="utf-8"?>
+<p:sld xmlns:a="http://schemas.openxmlformats.org/drawingml/2006/main" xmlns:r="http://schemas.openxmlformats.org/officeDocument/2006/relationships" xmlns:p="http://schemas.openxmlformats.org/presentationml/2006/main">
+  <p:cSld>
+    <p:spTree>
+      <p:nvGrpSpPr>
+        <p:cNvPr id="1" name=""/>
+        <p:cNvGrpSpPr/>
+        <p:nvPr/>
+      </p:nvGrpSpPr>
+      <p:grpSpPr>
+        <a:xfrm>
+          <a:off x="0" y="0"/>
+          <a:ext cx="0" cy="0"/>
+          <a:chOff x="0" y="0"/>
+          <a:chExt cx="0" cy="0"/>
+        </a:xfrm>
+      </p:grpSpPr>
+      <p:sp>
+        <p:nvSpPr>
+          <p:cNvPr id="2" name="Title 1">
+            <a:extLst>
+              <a:ext uri="{FF2B5EF4-FFF2-40B4-BE49-F238E27FC236}">
+                <a16:creationId xmlns:a16="http://schemas.microsoft.com/office/drawing/2014/main" id="{90E0E0DE-DDE0-D901-F03F-DB18775955BF}"/>
+              </a:ext>
+            </a:extLst>
+          </p:cNvPr>
+          <p:cNvSpPr>
+            <a:spLocks noGrp="1"/>
+          </p:cNvSpPr>
+          <p:nvPr>
+            <p:ph type="title"/>
+          </p:nvPr>
+        </p:nvSpPr>
+        <p:spPr/>
+        <p:txBody>
+          <a:bodyPr/>
+          <a:lstStyle/>
+          <a:p>
+            <a:r>
+              <a:rPr lang="en-US" dirty="0"/>
+              <a:t>ADjr0 adjustments in </a:t>
+            </a:r>
+            <a:r>
+              <a:rPr lang="en-US" dirty="0" err="1"/>
+              <a:t>wrf-sfire</a:t>
+            </a:r>
+            <a:endParaRPr lang="en-US" dirty="0"/>
+          </a:p>
+        </p:txBody>
+      </p:sp>
+      <p:sp>
+        <p:nvSpPr>
+          <p:cNvPr id="3" name="Content Placeholder 2">
+            <a:extLst>
+              <a:ext uri="{FF2B5EF4-FFF2-40B4-BE49-F238E27FC236}">
+                <a16:creationId xmlns:a16="http://schemas.microsoft.com/office/drawing/2014/main" id="{72F6BC60-8D5D-CE47-D699-B2F4DC234159}"/>
+              </a:ext>
+            </a:extLst>
+          </p:cNvPr>
+          <p:cNvSpPr>
+            <a:spLocks noGrp="1"/>
+          </p:cNvSpPr>
+          <p:nvPr>
+            <p:ph idx="1"/>
+          </p:nvPr>
+        </p:nvSpPr>
+        <p:spPr/>
+        <p:txBody>
+          <a:bodyPr/>
+          <a:lstStyle/>
+          <a:p>
+            <a:r>
+              <a:rPr lang="en-US" dirty="0"/>
+              <a:t>We ran many more simulations to try to match the observed backfire ROS, but nothing was close  </a:t>
+            </a:r>
+          </a:p>
+          <a:p>
+            <a:pPr lvl="1"/>
+            <a:r>
+              <a:rPr lang="en-US" dirty="0"/>
+              <a:t>With an adjr0 of 0.999, that yielded a backfire ROS of 0.018m/s</a:t>
+            </a:r>
+          </a:p>
+          <a:p>
+            <a:r>
+              <a:rPr lang="en-US" dirty="0"/>
+              <a:t>After looking in the WRF-SFIRE, it appears that the adjr0 is multiplied over and over again in the code, meaning any small adjustment factor will be amplified </a:t>
+            </a:r>
+          </a:p>
+        </p:txBody>
+      </p:sp>
+    </p:spTree>
+    <p:extLst>
+      <p:ext uri="{BB962C8B-B14F-4D97-AF65-F5344CB8AC3E}">
+        <p14:creationId xmlns:p14="http://schemas.microsoft.com/office/powerpoint/2010/main" val="273752130"/>
+      </p:ext>
+    </p:extLst>
+  </p:cSld>
+  <p:clrMapOvr>
+    <a:masterClrMapping/>
+  </p:clrMapOvr>
+</p:sld>
+</file>
+
+<file path=ppt/slides/slide5.xml><?xml version="1.0" encoding="utf-8"?>
+<p:sld xmlns:a="http://schemas.openxmlformats.org/drawingml/2006/main" xmlns:r="http://schemas.openxmlformats.org/officeDocument/2006/relationships" xmlns:p="http://schemas.openxmlformats.org/presentationml/2006/main">
+  <p:cSld>
+    <p:spTree>
+      <p:nvGrpSpPr>
+        <p:cNvPr id="1" name=""/>
+        <p:cNvGrpSpPr/>
+        <p:nvPr/>
+      </p:nvGrpSpPr>
+      <p:grpSpPr>
+        <a:xfrm>
+          <a:off x="0" y="0"/>
+          <a:ext cx="0" cy="0"/>
+          <a:chOff x="0" y="0"/>
+          <a:chExt cx="0" cy="0"/>
+        </a:xfrm>
+      </p:grpSpPr>
+      <p:sp>
+        <p:nvSpPr>
+          <p:cNvPr id="2" name="Title 1">
+            <a:extLst>
+              <a:ext uri="{FF2B5EF4-FFF2-40B4-BE49-F238E27FC236}">
+                <a16:creationId xmlns:a16="http://schemas.microsoft.com/office/drawing/2014/main" id="{F052C21C-EBF6-D051-12BA-2E2A89C53989}"/>
+              </a:ext>
+            </a:extLst>
+          </p:cNvPr>
+          <p:cNvSpPr>
+            <a:spLocks noGrp="1"/>
+          </p:cNvSpPr>
+          <p:nvPr>
+            <p:ph type="title"/>
+          </p:nvPr>
+        </p:nvSpPr>
+        <p:spPr/>
+        <p:txBody>
+          <a:bodyPr/>
+          <a:lstStyle/>
+          <a:p>
+            <a:r>
+              <a:rPr lang="en-US" dirty="0"/>
+              <a:t>How was the backfire ROS calculated?</a:t>
+            </a:r>
+          </a:p>
+        </p:txBody>
+      </p:sp>
+      <p:sp>
+        <p:nvSpPr>
+          <p:cNvPr id="3" name="Content Placeholder 2">
+            <a:extLst>
+              <a:ext uri="{FF2B5EF4-FFF2-40B4-BE49-F238E27FC236}">
+                <a16:creationId xmlns:a16="http://schemas.microsoft.com/office/drawing/2014/main" id="{DB396AF7-FAE5-CCF5-A4D2-6EF8D779F919}"/>
+              </a:ext>
+            </a:extLst>
+          </p:cNvPr>
+          <p:cNvSpPr>
+            <a:spLocks noGrp="1"/>
+          </p:cNvSpPr>
+          <p:nvPr>
+            <p:ph idx="1"/>
+          </p:nvPr>
+        </p:nvSpPr>
+        <p:spPr/>
+        <p:txBody>
+          <a:bodyPr/>
+          <a:lstStyle/>
+          <a:p>
+            <a:r>
+              <a:rPr lang="en-US" dirty="0"/>
+              <a:t>To calculate the backfire ROS, I picked a time in simulation where all the initial ran to (about 850 seconds into the simulation)</a:t>
+            </a:r>
+          </a:p>
+          <a:p>
+            <a:r>
+              <a:rPr lang="en-US" dirty="0"/>
+              <a:t>Then I found a point where the </a:t>
+            </a:r>
+            <a:r>
+              <a:rPr lang="en-US" dirty="0" err="1"/>
+              <a:t>fire_area</a:t>
+            </a:r>
+            <a:r>
+              <a:rPr lang="en-US" dirty="0"/>
+              <a:t> had just touched the grid cell but had not fully engulfed it (</a:t>
+            </a:r>
+            <a:r>
+              <a:rPr lang="en-US" dirty="0" err="1"/>
+              <a:t>fire_area</a:t>
+            </a:r>
+            <a:r>
+              <a:rPr lang="en-US" dirty="0"/>
+              <a:t> &lt; 1)</a:t>
+            </a:r>
+          </a:p>
+          <a:p>
+            <a:r>
+              <a:rPr lang="en-US" dirty="0"/>
+              <a:t>With this location, I calculated the distance to the point using the </a:t>
+            </a:r>
+            <a:r>
+              <a:rPr lang="en-US" dirty="0" err="1"/>
+              <a:t>xlat</a:t>
+            </a:r>
+            <a:r>
+              <a:rPr lang="en-US" dirty="0"/>
+              <a:t> and </a:t>
+            </a:r>
+            <a:r>
+              <a:rPr lang="en-US" dirty="0" err="1"/>
+              <a:t>xlong</a:t>
+            </a:r>
+            <a:r>
+              <a:rPr lang="en-US" dirty="0"/>
+              <a:t> location, and the location of the ignition point since that is specified on the grid</a:t>
+            </a:r>
+          </a:p>
+          <a:p>
+            <a:r>
+              <a:rPr lang="en-US" dirty="0"/>
+              <a:t>With the time and distance, I then calculated the backfire ROS</a:t>
+            </a:r>
+          </a:p>
+        </p:txBody>
+      </p:sp>
+    </p:spTree>
+    <p:extLst>
+      <p:ext uri="{BB962C8B-B14F-4D97-AF65-F5344CB8AC3E}">
+        <p14:creationId xmlns:p14="http://schemas.microsoft.com/office/powerpoint/2010/main" val="4070047842"/>
+      </p:ext>
+    </p:extLst>
+  </p:cSld>
+  <p:clrMapOvr>
+    <a:masterClrMapping/>
+  </p:clrMapOvr>
+</p:sld>
+</file>
+
+<file path=ppt/slides/slide6.xml><?xml version="1.0" encoding="utf-8"?>
+<p:sld xmlns:a="http://schemas.openxmlformats.org/drawingml/2006/main" xmlns:r="http://schemas.openxmlformats.org/officeDocument/2006/relationships" xmlns:p="http://schemas.openxmlformats.org/presentationml/2006/main">
+  <p:cSld>
+    <p:spTree>
+      <p:nvGrpSpPr>
+        <p:cNvPr id="1" name=""/>
+        <p:cNvGrpSpPr/>
+        <p:nvPr/>
+      </p:nvGrpSpPr>
+      <p:grpSpPr>
+        <a:xfrm>
+          <a:off x="0" y="0"/>
+          <a:ext cx="0" cy="0"/>
+          <a:chOff x="0" y="0"/>
+          <a:chExt cx="0" cy="0"/>
+        </a:xfrm>
+      </p:grpSpPr>
+      <p:sp>
+        <p:nvSpPr>
+          <p:cNvPr id="2" name="Title 1">
+            <a:extLst>
+              <a:ext uri="{FF2B5EF4-FFF2-40B4-BE49-F238E27FC236}">
+                <a16:creationId xmlns:a16="http://schemas.microsoft.com/office/drawing/2014/main" id="{8C309094-8A11-4B0E-55CF-ABA779E85CB6}"/>
+              </a:ext>
+            </a:extLst>
+          </p:cNvPr>
+          <p:cNvSpPr>
+            <a:spLocks noGrp="1"/>
+          </p:cNvSpPr>
+          <p:nvPr>
+            <p:ph type="title"/>
+          </p:nvPr>
+        </p:nvSpPr>
+        <p:spPr>
+          <a:xfrm>
+            <a:off x="1608083" y="764373"/>
+            <a:ext cx="9898117" cy="1293028"/>
+          </a:xfrm>
+        </p:spPr>
+        <p:txBody>
+          <a:bodyPr/>
+          <a:lstStyle/>
+          <a:p>
+            <a:r>
+              <a:rPr lang="en-US" dirty="0"/>
+              <a:t>Adjustment factors in </a:t>
+            </a:r>
+            <a:r>
+              <a:rPr lang="en-US" dirty="0" err="1"/>
+              <a:t>wrf-sfire</a:t>
+            </a:r>
+            <a:endParaRPr lang="en-US" dirty="0"/>
+          </a:p>
+        </p:txBody>
+      </p:sp>
+      <p:sp>
+        <p:nvSpPr>
+          <p:cNvPr id="3" name="Content Placeholder 2">
+            <a:extLst>
+              <a:ext uri="{FF2B5EF4-FFF2-40B4-BE49-F238E27FC236}">
+                <a16:creationId xmlns:a16="http://schemas.microsoft.com/office/drawing/2014/main" id="{DF36A171-686B-410D-3DFB-6EE6C2EB8E5A}"/>
+              </a:ext>
+            </a:extLst>
+          </p:cNvPr>
+          <p:cNvSpPr>
+            <a:spLocks noGrp="1"/>
+          </p:cNvSpPr>
+          <p:nvPr>
+            <p:ph idx="1"/>
+          </p:nvPr>
+        </p:nvSpPr>
+        <p:spPr/>
+        <p:txBody>
+          <a:bodyPr/>
+          <a:lstStyle/>
+          <a:p>
+            <a:r>
+              <a:rPr lang="en-US" dirty="0"/>
+              <a:t>To further test the adjustment factors in WRF-SFIRE, I tested the adjustment factors on the small hill case</a:t>
+            </a:r>
+          </a:p>
+          <a:p>
+            <a:pPr lvl="1"/>
+            <a:r>
+              <a:rPr lang="en-US" dirty="0"/>
+              <a:t>This simulation was picked since it had a slope, and it was small enough to be able to run in a couple minutes</a:t>
+            </a:r>
+          </a:p>
+          <a:p>
+            <a:r>
+              <a:rPr lang="en-US" dirty="0"/>
+              <a:t>There were 21 simulations run</a:t>
+            </a:r>
+          </a:p>
+          <a:p>
+            <a:pPr lvl="1"/>
+            <a:r>
+              <a:rPr lang="en-US" dirty="0"/>
+              <a:t>1 simulation was done with no adjustment factors, and the other 20 had different adjustments factors applied in the </a:t>
+            </a:r>
+            <a:r>
+              <a:rPr lang="en-US" dirty="0" err="1"/>
+              <a:t>namelist.fire</a:t>
+            </a:r>
+            <a:endParaRPr lang="en-US" dirty="0"/>
+          </a:p>
+          <a:p>
+            <a:r>
+              <a:rPr lang="en-US" dirty="0"/>
+              <a:t>Example of one of the runs:</a:t>
+            </a:r>
+          </a:p>
+          <a:p>
+            <a:pPr lvl="1"/>
+            <a:endParaRPr lang="en-US" dirty="0"/>
+          </a:p>
+        </p:txBody>
+      </p:sp>
+      <p:pic>
+        <p:nvPicPr>
+          <p:cNvPr id="5" name="Picture 4">
+            <a:extLst>
+              <a:ext uri="{FF2B5EF4-FFF2-40B4-BE49-F238E27FC236}">
+                <a16:creationId xmlns:a16="http://schemas.microsoft.com/office/drawing/2014/main" id="{D9CE0C2E-E035-2BCE-FF70-02B7C362E9F2}"/>
+              </a:ext>
+            </a:extLst>
+          </p:cNvPr>
+          <p:cNvPicPr>
+            <a:picLocks noChangeAspect="1"/>
+          </p:cNvPicPr>
+          <p:nvPr/>
+        </p:nvPicPr>
+        <p:blipFill>
+          <a:blip r:embed="rId2"/>
+          <a:stretch>
+            <a:fillRect/>
+          </a:stretch>
+        </p:blipFill>
+        <p:spPr>
+          <a:xfrm>
+            <a:off x="1075558" y="5250944"/>
+            <a:ext cx="3251200" cy="1104900"/>
+          </a:xfrm>
+          <a:prstGeom prst="rect">
+            <a:avLst/>
+          </a:prstGeom>
+        </p:spPr>
+      </p:pic>
+    </p:spTree>
+    <p:extLst>
+      <p:ext uri="{BB962C8B-B14F-4D97-AF65-F5344CB8AC3E}">
+        <p14:creationId xmlns:p14="http://schemas.microsoft.com/office/powerpoint/2010/main" val="154999995"/>
+      </p:ext>
+    </p:extLst>
+  </p:cSld>
+  <p:clrMapOvr>
+    <a:masterClrMapping/>
+  </p:clrMapOvr>
+</p:sld>
+</file>
+
+<file path=ppt/slides/slide7.xml><?xml version="1.0" encoding="utf-8"?>
+<p:sld xmlns:a="http://schemas.openxmlformats.org/drawingml/2006/main" xmlns:r="http://schemas.openxmlformats.org/officeDocument/2006/relationships" xmlns:p="http://schemas.openxmlformats.org/presentationml/2006/main">
+  <p:cSld>
+    <p:spTree>
+      <p:nvGrpSpPr>
+        <p:cNvPr id="1" name=""/>
+        <p:cNvGrpSpPr/>
+        <p:nvPr/>
+      </p:nvGrpSpPr>
+      <p:grpSpPr>
+        <a:xfrm>
+          <a:off x="0" y="0"/>
+          <a:ext cx="0" cy="0"/>
+          <a:chOff x="0" y="0"/>
+          <a:chExt cx="0" cy="0"/>
+        </a:xfrm>
+      </p:grpSpPr>
+      <p:sp>
+        <p:nvSpPr>
+          <p:cNvPr id="2" name="Title 1">
+            <a:extLst>
+              <a:ext uri="{FF2B5EF4-FFF2-40B4-BE49-F238E27FC236}">
+                <a16:creationId xmlns:a16="http://schemas.microsoft.com/office/drawing/2014/main" id="{0FCCDF40-742E-A389-0A63-74E09DE39F2B}"/>
+              </a:ext>
+            </a:extLst>
+          </p:cNvPr>
+          <p:cNvSpPr>
+            <a:spLocks noGrp="1"/>
+          </p:cNvSpPr>
+          <p:nvPr>
+            <p:ph type="title"/>
+          </p:nvPr>
+        </p:nvSpPr>
+        <p:spPr>
+          <a:xfrm>
+            <a:off x="2070538" y="764373"/>
+            <a:ext cx="9435662" cy="1293028"/>
+          </a:xfrm>
+        </p:spPr>
+        <p:txBody>
+          <a:bodyPr/>
+          <a:lstStyle/>
+          <a:p>
+            <a:r>
+              <a:rPr lang="en-US" dirty="0"/>
+              <a:t>Adjustment factors in </a:t>
+            </a:r>
+            <a:r>
+              <a:rPr lang="en-US" dirty="0" err="1"/>
+              <a:t>wrf-sfire</a:t>
+            </a:r>
+            <a:endParaRPr lang="en-US" dirty="0"/>
+          </a:p>
+        </p:txBody>
+      </p:sp>
+      <p:sp>
+        <p:nvSpPr>
+          <p:cNvPr id="3" name="Content Placeholder 2">
+            <a:extLst>
+              <a:ext uri="{FF2B5EF4-FFF2-40B4-BE49-F238E27FC236}">
+                <a16:creationId xmlns:a16="http://schemas.microsoft.com/office/drawing/2014/main" id="{66506C67-273E-6025-F91B-A7C38B5A3D14}"/>
+              </a:ext>
+            </a:extLst>
+          </p:cNvPr>
+          <p:cNvSpPr>
+            <a:spLocks noGrp="1"/>
+          </p:cNvSpPr>
+          <p:nvPr>
+            <p:ph idx="1"/>
+          </p:nvPr>
+        </p:nvSpPr>
+        <p:spPr/>
+        <p:txBody>
+          <a:bodyPr>
+            <a:normAutofit/>
+          </a:bodyPr>
+          <a:lstStyle/>
+          <a:p>
+            <a:r>
+              <a:rPr lang="en-US" dirty="0"/>
+              <a:t>To see how the rate of spread was impacted, I found three points along the burn plot</a:t>
+            </a:r>
+          </a:p>
+          <a:p>
+            <a:pPr lvl="1"/>
+            <a:r>
+              <a:rPr lang="en-US" dirty="0"/>
+              <a:t>Centre of the hill</a:t>
+            </a:r>
+          </a:p>
+          <a:p>
+            <a:pPr lvl="1"/>
+            <a:r>
+              <a:rPr lang="en-US" dirty="0"/>
+              <a:t>North East part of the hill</a:t>
+            </a:r>
+          </a:p>
+          <a:p>
+            <a:pPr lvl="1"/>
+            <a:r>
+              <a:rPr lang="en-US" dirty="0"/>
+              <a:t>South west part of the hill</a:t>
+            </a:r>
+          </a:p>
+          <a:p>
+            <a:r>
+              <a:rPr lang="en-US" dirty="0"/>
+              <a:t>With these points, I found where the </a:t>
+            </a:r>
+            <a:r>
+              <a:rPr lang="en-US" dirty="0" err="1"/>
+              <a:t>fire_area</a:t>
+            </a:r>
+            <a:r>
+              <a:rPr lang="en-US" dirty="0"/>
+              <a:t> was greater than 0 and the time this occurred</a:t>
+            </a:r>
+          </a:p>
+          <a:p>
+            <a:r>
+              <a:rPr lang="en-US" dirty="0"/>
+              <a:t>Then I found the wind speed at those points at the time the fire reached those points</a:t>
+            </a:r>
+          </a:p>
+          <a:p>
+            <a:r>
+              <a:rPr lang="en-US" dirty="0"/>
+              <a:t>To calculate the distance, I took the ignition point and found the distance from there to those locations</a:t>
+            </a:r>
+          </a:p>
+          <a:p>
+            <a:endParaRPr lang="en-US" dirty="0"/>
+          </a:p>
+        </p:txBody>
+      </p:sp>
+    </p:spTree>
+    <p:extLst>
+      <p:ext uri="{BB962C8B-B14F-4D97-AF65-F5344CB8AC3E}">
+        <p14:creationId xmlns:p14="http://schemas.microsoft.com/office/powerpoint/2010/main" val="2970464427"/>
+      </p:ext>
+    </p:extLst>
+  </p:cSld>
+  <p:clrMapOvr>
+    <a:masterClrMapping/>
+  </p:clrMapOvr>
+</p:sld>
+</file>
+
+<file path=ppt/slides/slide8.xml><?xml version="1.0" encoding="utf-8"?>
+<p:sld xmlns:a="http://schemas.openxmlformats.org/drawingml/2006/main" xmlns:r="http://schemas.openxmlformats.org/officeDocument/2006/relationships" xmlns:p="http://schemas.openxmlformats.org/presentationml/2006/main">
+  <p:cSld>
+    <p:spTree>
+      <p:nvGrpSpPr>
+        <p:cNvPr id="1" name=""/>
+        <p:cNvGrpSpPr/>
+        <p:nvPr/>
+      </p:nvGrpSpPr>
+      <p:grpSpPr>
+        <a:xfrm>
+          <a:off x="0" y="0"/>
+          <a:ext cx="0" cy="0"/>
+          <a:chOff x="0" y="0"/>
+          <a:chExt cx="0" cy="0"/>
+        </a:xfrm>
+      </p:grpSpPr>
+      <p:sp>
+        <p:nvSpPr>
+          <p:cNvPr id="2" name="Title 1">
+            <a:extLst>
+              <a:ext uri="{FF2B5EF4-FFF2-40B4-BE49-F238E27FC236}">
+                <a16:creationId xmlns:a16="http://schemas.microsoft.com/office/drawing/2014/main" id="{FEC91CC5-164D-D3A4-A9ED-A97352F38D77}"/>
+              </a:ext>
+            </a:extLst>
+          </p:cNvPr>
+          <p:cNvSpPr>
+            <a:spLocks noGrp="1"/>
+          </p:cNvSpPr>
+          <p:nvPr>
+            <p:ph type="title"/>
+          </p:nvPr>
+        </p:nvSpPr>
+        <p:spPr/>
+        <p:txBody>
+          <a:bodyPr/>
+          <a:lstStyle/>
+          <a:p>
+            <a:r>
+              <a:rPr lang="en-US" dirty="0"/>
+              <a:t>Adjustment factors results </a:t>
+            </a:r>
+          </a:p>
+        </p:txBody>
+      </p:sp>
+      <p:pic>
+        <p:nvPicPr>
+          <p:cNvPr id="4" name="Picture 3">
+            <a:extLst>
+              <a:ext uri="{FF2B5EF4-FFF2-40B4-BE49-F238E27FC236}">
+                <a16:creationId xmlns:a16="http://schemas.microsoft.com/office/drawing/2014/main" id="{067370A0-C040-EAF7-6E99-9E5295CFC5C5}"/>
+              </a:ext>
+            </a:extLst>
+          </p:cNvPr>
+          <p:cNvPicPr>
+            <a:picLocks noChangeAspect="1"/>
+          </p:cNvPicPr>
+          <p:nvPr/>
+        </p:nvPicPr>
+        <p:blipFill>
+          <a:blip r:embed="rId2"/>
+          <a:stretch>
+            <a:fillRect/>
+          </a:stretch>
+        </p:blipFill>
+        <p:spPr>
+          <a:xfrm>
+            <a:off x="15409" y="3429000"/>
+            <a:ext cx="12161181" cy="1861857"/>
+          </a:xfrm>
+          <a:prstGeom prst="rect">
+            <a:avLst/>
+          </a:prstGeom>
+        </p:spPr>
+      </p:pic>
+      <p:sp>
+        <p:nvSpPr>
+          <p:cNvPr id="5" name="TextBox 4">
+            <a:extLst>
+              <a:ext uri="{FF2B5EF4-FFF2-40B4-BE49-F238E27FC236}">
+                <a16:creationId xmlns:a16="http://schemas.microsoft.com/office/drawing/2014/main" id="{FCFEE05A-93EC-9AAD-43DC-99B8BA0D79BD}"/>
+              </a:ext>
+            </a:extLst>
+          </p:cNvPr>
+          <p:cNvSpPr txBox="1"/>
+          <p:nvPr/>
+        </p:nvSpPr>
+        <p:spPr>
+          <a:xfrm>
+            <a:off x="405353" y="2262433"/>
+            <a:ext cx="5995447" cy="923330"/>
+          </a:xfrm>
+          <a:prstGeom prst="rect">
+            <a:avLst/>
+          </a:prstGeom>
+          <a:noFill/>
+        </p:spPr>
+        <p:txBody>
+          <a:bodyPr wrap="square" rtlCol="0">
+            <a:spAutoFit/>
+          </a:bodyPr>
+          <a:lstStyle/>
+          <a:p>
+            <a:r>
+              <a:rPr lang="en-US" dirty="0"/>
+              <a:t>This excel sheet can be found on my </a:t>
+            </a:r>
+            <a:r>
+              <a:rPr lang="en-US" dirty="0" err="1"/>
+              <a:t>github</a:t>
+            </a:r>
+            <a:r>
+              <a:rPr lang="en-US" dirty="0"/>
+              <a:t> at: </a:t>
+            </a:r>
+          </a:p>
+          <a:p>
+            <a:r>
+              <a:rPr lang="en-US" dirty="0"/>
+              <a:t>The </a:t>
+            </a:r>
+            <a:r>
+              <a:rPr lang="en-US" dirty="0" err="1"/>
+              <a:t>Rothermel</a:t>
+            </a:r>
+            <a:r>
+              <a:rPr lang="en-US" dirty="0"/>
+              <a:t> codes can be found at: </a:t>
+            </a:r>
+          </a:p>
+          <a:p>
+            <a:r>
+              <a:rPr lang="en-US" dirty="0"/>
+              <a:t>The modified fuel code can be found at: </a:t>
+            </a:r>
+          </a:p>
+        </p:txBody>
+      </p:sp>
+    </p:spTree>
+    <p:extLst>
+      <p:ext uri="{BB962C8B-B14F-4D97-AF65-F5344CB8AC3E}">
+        <p14:creationId xmlns:p14="http://schemas.microsoft.com/office/powerpoint/2010/main" val="3891197934"/>
+      </p:ext>
+    </p:extLst>
+  </p:cSld>
+  <p:clrMapOvr>
+    <a:masterClrMapping/>
+  </p:clrMapOvr>
+</p:sld>
+</file>
+
+<file path=ppt/slides/slide9.xml><?xml version="1.0" encoding="utf-8"?>
+<p:sld xmlns:a="http://schemas.openxmlformats.org/drawingml/2006/main" xmlns:r="http://schemas.openxmlformats.org/officeDocument/2006/relationships" xmlns:p="http://schemas.openxmlformats.org/presentationml/2006/main">
+  <p:cSld>
+    <p:spTree>
+      <p:nvGrpSpPr>
+        <p:cNvPr id="1" name=""/>
+        <p:cNvGrpSpPr/>
+        <p:nvPr/>
+      </p:nvGrpSpPr>
+      <p:grpSpPr>
+        <a:xfrm>
+          <a:off x="0" y="0"/>
+          <a:ext cx="0" cy="0"/>
+          <a:chOff x="0" y="0"/>
+          <a:chExt cx="0" cy="0"/>
+        </a:xfrm>
+      </p:grpSpPr>
+      <p:sp>
+        <p:nvSpPr>
+          <p:cNvPr id="2" name="Title 1">
+            <a:extLst>
+              <a:ext uri="{FF2B5EF4-FFF2-40B4-BE49-F238E27FC236}">
+                <a16:creationId xmlns:a16="http://schemas.microsoft.com/office/drawing/2014/main" id="{0FCCDF40-742E-A389-0A63-74E09DE39F2B}"/>
+              </a:ext>
+            </a:extLst>
+          </p:cNvPr>
+          <p:cNvSpPr>
+            <a:spLocks noGrp="1"/>
+          </p:cNvSpPr>
+          <p:nvPr>
+            <p:ph type="title"/>
+          </p:nvPr>
+        </p:nvSpPr>
+        <p:spPr>
+          <a:xfrm>
+            <a:off x="2070538" y="764373"/>
+            <a:ext cx="9435662" cy="1293028"/>
+          </a:xfrm>
+        </p:spPr>
+        <p:txBody>
+          <a:bodyPr/>
+          <a:lstStyle/>
+          <a:p>
+            <a:r>
+              <a:rPr lang="en-US" dirty="0"/>
+              <a:t>Adjustment factors in </a:t>
+            </a:r>
+            <a:r>
+              <a:rPr lang="en-US" dirty="0" err="1"/>
+              <a:t>wrf-sfire</a:t>
+            </a:r>
+            <a:endParaRPr lang="en-US" dirty="0"/>
+          </a:p>
+        </p:txBody>
+      </p:sp>
+      <p:sp>
+        <p:nvSpPr>
+          <p:cNvPr id="3" name="Content Placeholder 2">
+            <a:extLst>
+              <a:ext uri="{FF2B5EF4-FFF2-40B4-BE49-F238E27FC236}">
+                <a16:creationId xmlns:a16="http://schemas.microsoft.com/office/drawing/2014/main" id="{66506C67-273E-6025-F91B-A7C38B5A3D14}"/>
+              </a:ext>
+            </a:extLst>
+          </p:cNvPr>
+          <p:cNvSpPr>
+            <a:spLocks noGrp="1"/>
+          </p:cNvSpPr>
+          <p:nvPr>
+            <p:ph idx="1"/>
+          </p:nvPr>
+        </p:nvSpPr>
+        <p:spPr/>
+        <p:txBody>
+          <a:bodyPr>
+            <a:normAutofit/>
+          </a:bodyPr>
+          <a:lstStyle/>
+          <a:p>
+            <a:r>
+              <a:rPr lang="en-US" dirty="0"/>
+              <a:t>For comparison, I have the ”original” </a:t>
+            </a:r>
+            <a:r>
+              <a:rPr lang="en-US" dirty="0" err="1"/>
+              <a:t>Rothermel</a:t>
+            </a:r>
+            <a:r>
+              <a:rPr lang="en-US" dirty="0"/>
+              <a:t> code (all that was changed is the model doesn’t max out at 6m/s) and the ROS variable from the model to see how the modified </a:t>
+            </a:r>
+            <a:r>
+              <a:rPr lang="en-US" dirty="0" err="1"/>
+              <a:t>Rothermel</a:t>
+            </a:r>
+            <a:r>
+              <a:rPr lang="en-US" dirty="0"/>
+              <a:t> model compares</a:t>
+            </a:r>
+          </a:p>
+          <a:p>
+            <a:pPr lvl="1"/>
+            <a:r>
+              <a:rPr lang="en-US" dirty="0"/>
+              <a:t>The modified </a:t>
+            </a:r>
+            <a:r>
+              <a:rPr lang="en-US" dirty="0" err="1"/>
+              <a:t>Rothermel</a:t>
+            </a:r>
+            <a:r>
+              <a:rPr lang="en-US" dirty="0"/>
+              <a:t> code takes the adjustment factors as an inputs, and is integrated in the code during the rate of spread calculation</a:t>
+            </a:r>
+          </a:p>
+          <a:p>
+            <a:pPr lvl="1"/>
+            <a:r>
+              <a:rPr lang="en-US" dirty="0"/>
+              <a:t>Please note: the columns that do not have any data are because the simulation never reached those locations on the burn plot</a:t>
+            </a:r>
+          </a:p>
+          <a:p>
+            <a:endParaRPr lang="en-US" dirty="0"/>
+          </a:p>
+        </p:txBody>
+      </p:sp>
+    </p:spTree>
+    <p:extLst>
+      <p:ext uri="{BB962C8B-B14F-4D97-AF65-F5344CB8AC3E}">
+        <p14:creationId xmlns:p14="http://schemas.microsoft.com/office/powerpoint/2010/main" val="2195374168"/>
       </p:ext>
     </p:extLst>
   </p:cSld>

--- a/Presentations/Adjustment_Factors.pptx
+++ b/Presentations/Adjustment_Factors.pptx
@@ -10,10 +10,11 @@
     <p:sldId id="258" r:id="rId4"/>
     <p:sldId id="259" r:id="rId5"/>
     <p:sldId id="260" r:id="rId6"/>
-    <p:sldId id="261" r:id="rId7"/>
-    <p:sldId id="262" r:id="rId8"/>
-    <p:sldId id="263" r:id="rId9"/>
-    <p:sldId id="264" r:id="rId10"/>
+    <p:sldId id="265" r:id="rId7"/>
+    <p:sldId id="261" r:id="rId8"/>
+    <p:sldId id="262" r:id="rId9"/>
+    <p:sldId id="263" r:id="rId10"/>
+    <p:sldId id="264" r:id="rId11"/>
   </p:sldIdLst>
   <p:sldSz cx="12192000" cy="6858000"/>
   <p:notesSz cx="6858000" cy="9144000"/>
@@ -5832,6 +5833,145 @@
 </p:sld>
 </file>
 
+<file path=ppt/slides/slide10.xml><?xml version="1.0" encoding="utf-8"?>
+<p:sld xmlns:a="http://schemas.openxmlformats.org/drawingml/2006/main" xmlns:r="http://schemas.openxmlformats.org/officeDocument/2006/relationships" xmlns:p="http://schemas.openxmlformats.org/presentationml/2006/main">
+  <p:cSld>
+    <p:spTree>
+      <p:nvGrpSpPr>
+        <p:cNvPr id="1" name=""/>
+        <p:cNvGrpSpPr/>
+        <p:nvPr/>
+      </p:nvGrpSpPr>
+      <p:grpSpPr>
+        <a:xfrm>
+          <a:off x="0" y="0"/>
+          <a:ext cx="0" cy="0"/>
+          <a:chOff x="0" y="0"/>
+          <a:chExt cx="0" cy="0"/>
+        </a:xfrm>
+      </p:grpSpPr>
+      <p:sp>
+        <p:nvSpPr>
+          <p:cNvPr id="2" name="Title 1">
+            <a:extLst>
+              <a:ext uri="{FF2B5EF4-FFF2-40B4-BE49-F238E27FC236}">
+                <a16:creationId xmlns:a16="http://schemas.microsoft.com/office/drawing/2014/main" id="{0FCCDF40-742E-A389-0A63-74E09DE39F2B}"/>
+              </a:ext>
+            </a:extLst>
+          </p:cNvPr>
+          <p:cNvSpPr>
+            <a:spLocks noGrp="1"/>
+          </p:cNvSpPr>
+          <p:nvPr>
+            <p:ph type="title"/>
+          </p:nvPr>
+        </p:nvSpPr>
+        <p:spPr>
+          <a:xfrm>
+            <a:off x="2070538" y="764373"/>
+            <a:ext cx="9435662" cy="1293028"/>
+          </a:xfrm>
+        </p:spPr>
+        <p:txBody>
+          <a:bodyPr/>
+          <a:lstStyle/>
+          <a:p>
+            <a:r>
+              <a:rPr lang="en-US" dirty="0"/>
+              <a:t>Adjustment factors in </a:t>
+            </a:r>
+            <a:r>
+              <a:rPr lang="en-US" dirty="0" err="1"/>
+              <a:t>wrf-sfire</a:t>
+            </a:r>
+            <a:endParaRPr lang="en-US" dirty="0"/>
+          </a:p>
+        </p:txBody>
+      </p:sp>
+      <p:sp>
+        <p:nvSpPr>
+          <p:cNvPr id="3" name="Content Placeholder 2">
+            <a:extLst>
+              <a:ext uri="{FF2B5EF4-FFF2-40B4-BE49-F238E27FC236}">
+                <a16:creationId xmlns:a16="http://schemas.microsoft.com/office/drawing/2014/main" id="{66506C67-273E-6025-F91B-A7C38B5A3D14}"/>
+              </a:ext>
+            </a:extLst>
+          </p:cNvPr>
+          <p:cNvSpPr>
+            <a:spLocks noGrp="1"/>
+          </p:cNvSpPr>
+          <p:nvPr>
+            <p:ph idx="1"/>
+          </p:nvPr>
+        </p:nvSpPr>
+        <p:spPr/>
+        <p:txBody>
+          <a:bodyPr>
+            <a:normAutofit/>
+          </a:bodyPr>
+          <a:lstStyle/>
+          <a:p>
+            <a:r>
+              <a:rPr lang="en-US" dirty="0"/>
+              <a:t>For comparison, I have the ”original” </a:t>
+            </a:r>
+            <a:r>
+              <a:rPr lang="en-US" dirty="0" err="1"/>
+              <a:t>Rothermel</a:t>
+            </a:r>
+            <a:r>
+              <a:rPr lang="en-US" dirty="0"/>
+              <a:t> code (all that was changed is the model doesn’t max out at 6m/s) and the ROS variable from the model to see how the modified </a:t>
+            </a:r>
+            <a:r>
+              <a:rPr lang="en-US" dirty="0" err="1"/>
+              <a:t>Rothermel</a:t>
+            </a:r>
+            <a:r>
+              <a:rPr lang="en-US" dirty="0"/>
+              <a:t> model compares</a:t>
+            </a:r>
+          </a:p>
+          <a:p>
+            <a:pPr lvl="1"/>
+            <a:r>
+              <a:rPr lang="en-US" dirty="0"/>
+              <a:t>The modified </a:t>
+            </a:r>
+            <a:r>
+              <a:rPr lang="en-US" dirty="0" err="1"/>
+              <a:t>Rothermel</a:t>
+            </a:r>
+            <a:r>
+              <a:rPr lang="en-US" dirty="0"/>
+              <a:t> code takes the adjustment factors as an input, and is integrated in the code during the rate of spread calculation</a:t>
+            </a:r>
+          </a:p>
+          <a:p>
+            <a:pPr lvl="1"/>
+            <a:r>
+              <a:rPr lang="en-US" dirty="0"/>
+              <a:t>Please note: the columns that do not have any data are because the simulation never reached those locations on the burn plot</a:t>
+            </a:r>
+          </a:p>
+          <a:p>
+            <a:endParaRPr lang="en-US" dirty="0"/>
+          </a:p>
+        </p:txBody>
+      </p:sp>
+    </p:spTree>
+    <p:extLst>
+      <p:ext uri="{BB962C8B-B14F-4D97-AF65-F5344CB8AC3E}">
+        <p14:creationId xmlns:p14="http://schemas.microsoft.com/office/powerpoint/2010/main" val="2195374168"/>
+      </p:ext>
+    </p:extLst>
+  </p:cSld>
+  <p:clrMapOvr>
+    <a:masterClrMapping/>
+  </p:clrMapOvr>
+</p:sld>
+</file>
+
 <file path=ppt/slides/slide2.xml><?xml version="1.0" encoding="utf-8"?>
 <p:sld xmlns:a="http://schemas.openxmlformats.org/drawingml/2006/main" xmlns:r="http://schemas.openxmlformats.org/officeDocument/2006/relationships" xmlns:p="http://schemas.openxmlformats.org/presentationml/2006/main">
   <p:cSld>
@@ -5917,15 +6057,23 @@
           <a:p>
             <a:r>
               <a:rPr lang="en-US" dirty="0"/>
-              <a:t>A more in depth explanation of how this was calculated can be found on </a:t>
+              <a:t>A more in depth explanation of how this was calculated can be found on YouTube at: https://</a:t>
             </a:r>
             <a:r>
               <a:rPr lang="en-US" dirty="0" err="1"/>
-              <a:t>youtube</a:t>
+              <a:t>www.youtube.com</a:t>
             </a:r>
             <a:r>
               <a:rPr lang="en-US" dirty="0"/>
-              <a:t> at: INSERT LINK HERE</a:t>
+              <a:t>/</a:t>
+            </a:r>
+            <a:r>
+              <a:rPr lang="en-US" dirty="0" err="1"/>
+              <a:t>watch?v</a:t>
+            </a:r>
+            <a:r>
+              <a:rPr lang="en-US" dirty="0"/>
+              <a:t>=nI3wS8YHofM</a:t>
             </a:r>
           </a:p>
           <a:p>
@@ -5979,22 +6127,61 @@
           </p:cNvPicPr>
           <p:nvPr/>
         </p:nvPicPr>
-        <p:blipFill>
+        <p:blipFill rotWithShape="1">
           <a:blip r:embed="rId2"/>
-          <a:stretch>
-            <a:fillRect/>
-          </a:stretch>
+          <a:srcRect t="12937"/>
+          <a:stretch/>
         </p:blipFill>
         <p:spPr>
           <a:xfrm>
-            <a:off x="768131" y="5689855"/>
-            <a:ext cx="3403600" cy="406400"/>
+            <a:off x="749843" y="6002021"/>
+            <a:ext cx="3403600" cy="353823"/>
           </a:xfrm>
           <a:prstGeom prst="rect">
             <a:avLst/>
           </a:prstGeom>
         </p:spPr>
       </p:pic>
+      <p:sp>
+        <p:nvSpPr>
+          <p:cNvPr id="5" name="TextBox 4">
+            <a:extLst>
+              <a:ext uri="{FF2B5EF4-FFF2-40B4-BE49-F238E27FC236}">
+                <a16:creationId xmlns:a16="http://schemas.microsoft.com/office/drawing/2014/main" id="{937E9B00-DFCD-6B99-E91E-2C43F6395805}"/>
+              </a:ext>
+            </a:extLst>
+          </p:cNvPr>
+          <p:cNvSpPr txBox="1"/>
+          <p:nvPr/>
+        </p:nvSpPr>
+        <p:spPr>
+          <a:xfrm>
+            <a:off x="118872" y="5632689"/>
+            <a:ext cx="6227064" cy="369332"/>
+          </a:xfrm>
+          <a:prstGeom prst="rect">
+            <a:avLst/>
+          </a:prstGeom>
+          <a:noFill/>
+        </p:spPr>
+        <p:txBody>
+          <a:bodyPr wrap="square" rtlCol="0">
+            <a:spAutoFit/>
+          </a:bodyPr>
+          <a:lstStyle/>
+          <a:p>
+            <a:r>
+              <a:rPr lang="en-US" dirty="0"/>
+              <a:t>Example of the adjustment factors in the </a:t>
+            </a:r>
+            <a:r>
+              <a:rPr lang="en-US" dirty="0" err="1"/>
+              <a:t>namelist.fire</a:t>
+            </a:r>
+            <a:endParaRPr lang="en-US" dirty="0"/>
+          </a:p>
+        </p:txBody>
+      </p:sp>
     </p:spTree>
     <p:extLst>
       <p:ext uri="{BB962C8B-B14F-4D97-AF65-F5344CB8AC3E}">
@@ -6094,7 +6281,7 @@
             <a:pPr lvl="1"/>
             <a:r>
               <a:rPr lang="en-US" dirty="0"/>
-              <a:t>The adjustment factor used in the initial run is 0.90</a:t>
+              <a:t>The adjustment factor used in the initial run is 0.90677</a:t>
             </a:r>
           </a:p>
           <a:p>
@@ -6121,6 +6308,10 @@
               <a:rPr lang="en-US" dirty="0"/>
               <a:t>The new backfire ROS was 0.016</a:t>
             </a:r>
+          </a:p>
+          <a:p>
+            <a:pPr lvl="1"/>
+            <a:endParaRPr lang="en-US" dirty="0"/>
           </a:p>
           <a:p>
             <a:pPr marL="0" indent="0">
@@ -6223,7 +6414,7 @@
             <a:pPr lvl="1"/>
             <a:r>
               <a:rPr lang="en-US" dirty="0"/>
-              <a:t>With an adjr0 of 0.999, that yielded a backfire ROS of 0.018m/s</a:t>
+              <a:t>With an adjr0 of 0.9999, that yielded a backfire ROS of 0.018m/s</a:t>
             </a:r>
           </a:p>
           <a:p>
@@ -6315,7 +6506,7 @@
           <a:p>
             <a:r>
               <a:rPr lang="en-US" dirty="0"/>
-              <a:t>To calculate the backfire ROS, I picked a time in simulation where all the initial ran to (about 850 seconds into the simulation)</a:t>
+              <a:t>To calculate the backfire ROS, I picked a time in simulation where all the initial ran to (about 900 seconds into the simulation)</a:t>
             </a:r>
           </a:p>
           <a:p>
@@ -6347,7 +6538,7 @@
             </a:r>
             <a:r>
               <a:rPr lang="en-US" dirty="0" err="1"/>
-              <a:t>xlat</a:t>
+              <a:t>fxlat</a:t>
             </a:r>
             <a:r>
               <a:rPr lang="en-US" dirty="0"/>
@@ -6355,7 +6546,7 @@
             </a:r>
             <a:r>
               <a:rPr lang="en-US" dirty="0" err="1"/>
-              <a:t>xlong</a:t>
+              <a:t>fxlong</a:t>
             </a:r>
             <a:r>
               <a:rPr lang="en-US" dirty="0"/>
@@ -6405,7 +6596,7 @@
           <p:cNvPr id="2" name="Title 1">
             <a:extLst>
               <a:ext uri="{FF2B5EF4-FFF2-40B4-BE49-F238E27FC236}">
-                <a16:creationId xmlns:a16="http://schemas.microsoft.com/office/drawing/2014/main" id="{8C309094-8A11-4B0E-55CF-ABA779E85CB6}"/>
+                <a16:creationId xmlns:a16="http://schemas.microsoft.com/office/drawing/2014/main" id="{89EC5454-BCED-6B9C-2CB8-E3B9EA31ED4E}"/>
               </a:ext>
             </a:extLst>
           </p:cNvPr>
@@ -6416,25 +6607,15 @@
             <p:ph type="title"/>
           </p:nvPr>
         </p:nvSpPr>
-        <p:spPr>
-          <a:xfrm>
-            <a:off x="1608083" y="764373"/>
-            <a:ext cx="9898117" cy="1293028"/>
-          </a:xfrm>
-        </p:spPr>
+        <p:spPr/>
         <p:txBody>
           <a:bodyPr/>
           <a:lstStyle/>
           <a:p>
             <a:r>
               <a:rPr lang="en-US" dirty="0"/>
-              <a:t>Adjustment factors in </a:t>
-            </a:r>
-            <a:r>
-              <a:rPr lang="en-US" dirty="0" err="1"/>
-              <a:t>wrf-sfire</a:t>
-            </a:r>
-            <a:endParaRPr lang="en-US" dirty="0"/>
+              <a:t>results</a:t>
+            </a:r>
           </a:p>
         </p:txBody>
       </p:sp>
@@ -6443,7 +6624,7 @@
           <p:cNvPr id="3" name="Content Placeholder 2">
             <a:extLst>
               <a:ext uri="{FF2B5EF4-FFF2-40B4-BE49-F238E27FC236}">
-                <a16:creationId xmlns:a16="http://schemas.microsoft.com/office/drawing/2014/main" id="{DF36A171-686B-410D-3DFB-6EE6C2EB8E5A}"/>
+                <a16:creationId xmlns:a16="http://schemas.microsoft.com/office/drawing/2014/main" id="{96813BD5-8089-DB91-69A3-E44302675AB8}"/>
               </a:ext>
             </a:extLst>
           </p:cNvPr>
@@ -6461,52 +6642,53 @@
           <a:p>
             <a:r>
               <a:rPr lang="en-US" dirty="0"/>
-              <a:t>To further test the adjustment factors in WRF-SFIRE, I tested the adjustment factors on the small hill case</a:t>
-            </a:r>
-          </a:p>
-          <a:p>
-            <a:pPr lvl="1"/>
+              <a:t>run 1 Backfire ROS was 0.015989734039574453</a:t>
+            </a:r>
+          </a:p>
+          <a:p>
             <a:r>
               <a:rPr lang="en-US" dirty="0"/>
-              <a:t>This simulation was picked since it had a slope, and it was small enough to be able to run in a couple minutes</a:t>
+              <a:t>run 2 Backfire ROS was 0.016798221788879665</a:t>
             </a:r>
           </a:p>
           <a:p>
             <a:r>
               <a:rPr lang="en-US" dirty="0"/>
-              <a:t>There were 21 simulations run</a:t>
-            </a:r>
-          </a:p>
-          <a:p>
-            <a:pPr lvl="1"/>
+              <a:t>run 3 Backfire ROS was 0.01709021600282394</a:t>
+            </a:r>
+          </a:p>
+          <a:p>
             <a:r>
               <a:rPr lang="en-US" dirty="0"/>
-              <a:t>1 simulation was done with no adjustment factors, and the other 20 had different adjustments factors applied in the </a:t>
-            </a:r>
-            <a:r>
-              <a:rPr lang="en-US" dirty="0" err="1"/>
-              <a:t>namelist.fire</a:t>
-            </a:r>
-            <a:endParaRPr lang="en-US" dirty="0"/>
+              <a:t>run 4 Backfire ROS was 0.01720178385015444</a:t>
+            </a:r>
           </a:p>
           <a:p>
             <a:r>
               <a:rPr lang="en-US" dirty="0"/>
-              <a:t>Example of one of the runs:</a:t>
-            </a:r>
-          </a:p>
-          <a:p>
-            <a:pPr lvl="1"/>
-            <a:endParaRPr lang="en-US" dirty="0"/>
+              <a:t>run 5 Backfire ROS was 0.01767115575900313</a:t>
+            </a:r>
+          </a:p>
+          <a:p>
+            <a:r>
+              <a:rPr lang="en-US" dirty="0"/>
+              <a:t>run 6 Backfire ROS was 0.017712621441470035</a:t>
+            </a:r>
+          </a:p>
+          <a:p>
+            <a:r>
+              <a:rPr lang="en-US" dirty="0"/>
+              <a:t>run 7 Backfire ROS was 0.017739540319040657</a:t>
+            </a:r>
           </a:p>
         </p:txBody>
       </p:sp>
       <p:pic>
         <p:nvPicPr>
-          <p:cNvPr id="5" name="Picture 4">
+          <p:cNvPr id="4" name="Picture 3">
             <a:extLst>
               <a:ext uri="{FF2B5EF4-FFF2-40B4-BE49-F238E27FC236}">
-                <a16:creationId xmlns:a16="http://schemas.microsoft.com/office/drawing/2014/main" id="{D9CE0C2E-E035-2BCE-FF70-02B7C362E9F2}"/>
+                <a16:creationId xmlns:a16="http://schemas.microsoft.com/office/drawing/2014/main" id="{0BBB63E1-54EE-B455-081C-A458E7DC44FB}"/>
               </a:ext>
             </a:extLst>
           </p:cNvPr>
@@ -6523,8 +6705,8 @@
         </p:blipFill>
         <p:spPr>
           <a:xfrm>
-            <a:off x="1075558" y="5250944"/>
-            <a:ext cx="3251200" cy="1104900"/>
+            <a:off x="8662595" y="2487168"/>
+            <a:ext cx="2843605" cy="2231136"/>
           </a:xfrm>
           <a:prstGeom prst="rect">
             <a:avLst/>
@@ -6534,7 +6716,7 @@
     </p:spTree>
     <p:extLst>
       <p:ext uri="{BB962C8B-B14F-4D97-AF65-F5344CB8AC3E}">
-        <p14:creationId xmlns:p14="http://schemas.microsoft.com/office/powerpoint/2010/main" val="154999995"/>
+        <p14:creationId xmlns:p14="http://schemas.microsoft.com/office/powerpoint/2010/main" val="3236940953"/>
       </p:ext>
     </p:extLst>
   </p:cSld>
@@ -6566,7 +6748,7 @@
           <p:cNvPr id="2" name="Title 1">
             <a:extLst>
               <a:ext uri="{FF2B5EF4-FFF2-40B4-BE49-F238E27FC236}">
-                <a16:creationId xmlns:a16="http://schemas.microsoft.com/office/drawing/2014/main" id="{0FCCDF40-742E-A389-0A63-74E09DE39F2B}"/>
+                <a16:creationId xmlns:a16="http://schemas.microsoft.com/office/drawing/2014/main" id="{8C309094-8A11-4B0E-55CF-ABA779E85CB6}"/>
               </a:ext>
             </a:extLst>
           </p:cNvPr>
@@ -6579,8 +6761,8 @@
         </p:nvSpPr>
         <p:spPr>
           <a:xfrm>
-            <a:off x="2070538" y="764373"/>
-            <a:ext cx="9435662" cy="1293028"/>
+            <a:off x="1608083" y="764373"/>
+            <a:ext cx="9898117" cy="1293028"/>
           </a:xfrm>
         </p:spPr>
         <p:txBody>
@@ -6604,7 +6786,7 @@
           <p:cNvPr id="3" name="Content Placeholder 2">
             <a:extLst>
               <a:ext uri="{FF2B5EF4-FFF2-40B4-BE49-F238E27FC236}">
-                <a16:creationId xmlns:a16="http://schemas.microsoft.com/office/drawing/2014/main" id="{66506C67-273E-6025-F91B-A7C38B5A3D14}"/>
+                <a16:creationId xmlns:a16="http://schemas.microsoft.com/office/drawing/2014/main" id="{DF36A171-686B-410D-3DFB-6EE6C2EB8E5A}"/>
               </a:ext>
             </a:extLst>
           </p:cNvPr>
@@ -6617,72 +6799,85 @@
         </p:nvSpPr>
         <p:spPr/>
         <p:txBody>
-          <a:bodyPr>
-            <a:normAutofit/>
-          </a:bodyPr>
+          <a:bodyPr/>
           <a:lstStyle/>
           <a:p>
             <a:r>
               <a:rPr lang="en-US" dirty="0"/>
-              <a:t>To see how the rate of spread was impacted, I found three points along the burn plot</a:t>
+              <a:t>To further test the adjustment factors in WRF-SFIRE, I tested the adjustment factors on the small hill case</a:t>
             </a:r>
           </a:p>
           <a:p>
             <a:pPr lvl="1"/>
             <a:r>
               <a:rPr lang="en-US" dirty="0"/>
-              <a:t>Centre of the hill</a:t>
+              <a:t>This simulation was picked since it had a slope, and it was small enough to be able to run in a couple minutes</a:t>
+            </a:r>
+          </a:p>
+          <a:p>
+            <a:r>
+              <a:rPr lang="en-US" dirty="0"/>
+              <a:t>There were 21 simulations run</a:t>
             </a:r>
           </a:p>
           <a:p>
             <a:pPr lvl="1"/>
             <a:r>
               <a:rPr lang="en-US" dirty="0"/>
-              <a:t>North East part of the hill</a:t>
+              <a:t>1 simulation was done with no adjustment factors, and the other 20 had different adjustments factors applied in the </a:t>
+            </a:r>
+            <a:r>
+              <a:rPr lang="en-US" dirty="0" err="1"/>
+              <a:t>namelist.fire</a:t>
+            </a:r>
+            <a:endParaRPr lang="en-US" dirty="0"/>
+          </a:p>
+          <a:p>
+            <a:r>
+              <a:rPr lang="en-US" dirty="0"/>
+              <a:t>Example of one of the runs:</a:t>
             </a:r>
           </a:p>
           <a:p>
             <a:pPr lvl="1"/>
-            <a:r>
-              <a:rPr lang="en-US" dirty="0"/>
-              <a:t>South west part of the hill</a:t>
-            </a:r>
-          </a:p>
-          <a:p>
-            <a:r>
-              <a:rPr lang="en-US" dirty="0"/>
-              <a:t>With these points, I found where the </a:t>
-            </a:r>
-            <a:r>
-              <a:rPr lang="en-US" dirty="0" err="1"/>
-              <a:t>fire_area</a:t>
-            </a:r>
-            <a:r>
-              <a:rPr lang="en-US" dirty="0"/>
-              <a:t> was greater than 0 and the time this occurred</a:t>
-            </a:r>
-          </a:p>
-          <a:p>
-            <a:r>
-              <a:rPr lang="en-US" dirty="0"/>
-              <a:t>Then I found the wind speed at those points at the time the fire reached those points</a:t>
-            </a:r>
-          </a:p>
-          <a:p>
-            <a:r>
-              <a:rPr lang="en-US" dirty="0"/>
-              <a:t>To calculate the distance, I took the ignition point and found the distance from there to those locations</a:t>
-            </a:r>
-          </a:p>
-          <a:p>
             <a:endParaRPr lang="en-US" dirty="0"/>
           </a:p>
         </p:txBody>
       </p:sp>
+      <p:pic>
+        <p:nvPicPr>
+          <p:cNvPr id="5" name="Picture 4">
+            <a:extLst>
+              <a:ext uri="{FF2B5EF4-FFF2-40B4-BE49-F238E27FC236}">
+                <a16:creationId xmlns:a16="http://schemas.microsoft.com/office/drawing/2014/main" id="{D9CE0C2E-E035-2BCE-FF70-02B7C362E9F2}"/>
+              </a:ext>
+            </a:extLst>
+          </p:cNvPr>
+          <p:cNvPicPr>
+            <a:picLocks noChangeAspect="1"/>
+          </p:cNvPicPr>
+          <p:nvPr/>
+        </p:nvPicPr>
+        <p:blipFill>
+          <a:blip r:embed="rId2"/>
+          <a:stretch>
+            <a:fillRect/>
+          </a:stretch>
+        </p:blipFill>
+        <p:spPr>
+          <a:xfrm>
+            <a:off x="1075558" y="5250944"/>
+            <a:ext cx="3251200" cy="1104900"/>
+          </a:xfrm>
+          <a:prstGeom prst="rect">
+            <a:avLst/>
+          </a:prstGeom>
+        </p:spPr>
+      </p:pic>
     </p:spTree>
     <p:extLst>
       <p:ext uri="{BB962C8B-B14F-4D97-AF65-F5344CB8AC3E}">
-        <p14:creationId xmlns:p14="http://schemas.microsoft.com/office/powerpoint/2010/main" val="2970464427"/>
+        <p14:creationId xmlns:p14="http://schemas.microsoft.com/office/powerpoint/2010/main" val="154999995"/>
       </p:ext>
     </p:extLst>
   </p:cSld>
@@ -6714,7 +6909,7 @@
           <p:cNvPr id="2" name="Title 1">
             <a:extLst>
               <a:ext uri="{FF2B5EF4-FFF2-40B4-BE49-F238E27FC236}">
-                <a16:creationId xmlns:a16="http://schemas.microsoft.com/office/drawing/2014/main" id="{FEC91CC5-164D-D3A4-A9ED-A97352F38D77}"/>
+                <a16:creationId xmlns:a16="http://schemas.microsoft.com/office/drawing/2014/main" id="{0FCCDF40-742E-A389-0A63-74E09DE39F2B}"/>
               </a:ext>
             </a:extLst>
           </p:cNvPr>
@@ -6725,115 +6920,112 @@
             <p:ph type="title"/>
           </p:nvPr>
         </p:nvSpPr>
-        <p:spPr/>
+        <p:spPr>
+          <a:xfrm>
+            <a:off x="2070538" y="764373"/>
+            <a:ext cx="9435662" cy="1293028"/>
+          </a:xfrm>
+        </p:spPr>
         <p:txBody>
           <a:bodyPr/>
           <a:lstStyle/>
           <a:p>
             <a:r>
               <a:rPr lang="en-US" dirty="0"/>
-              <a:t>Adjustment factors results </a:t>
-            </a:r>
-          </a:p>
-        </p:txBody>
-      </p:sp>
-      <p:pic>
-        <p:nvPicPr>
-          <p:cNvPr id="4" name="Picture 3">
+              <a:t>Adjustment factors in </a:t>
+            </a:r>
+            <a:r>
+              <a:rPr lang="en-US" dirty="0" err="1"/>
+              <a:t>wrf-sfire</a:t>
+            </a:r>
+            <a:endParaRPr lang="en-US" dirty="0"/>
+          </a:p>
+        </p:txBody>
+      </p:sp>
+      <p:sp>
+        <p:nvSpPr>
+          <p:cNvPr id="3" name="Content Placeholder 2">
             <a:extLst>
               <a:ext uri="{FF2B5EF4-FFF2-40B4-BE49-F238E27FC236}">
-                <a16:creationId xmlns:a16="http://schemas.microsoft.com/office/drawing/2014/main" id="{067370A0-C040-EAF7-6E99-9E5295CFC5C5}"/>
+                <a16:creationId xmlns:a16="http://schemas.microsoft.com/office/drawing/2014/main" id="{66506C67-273E-6025-F91B-A7C38B5A3D14}"/>
               </a:ext>
             </a:extLst>
           </p:cNvPr>
-          <p:cNvPicPr>
-            <a:picLocks noChangeAspect="1"/>
-          </p:cNvPicPr>
-          <p:nvPr/>
-        </p:nvPicPr>
-        <p:blipFill>
-          <a:blip r:embed="rId2"/>
-          <a:stretch>
-            <a:fillRect/>
-          </a:stretch>
-        </p:blipFill>
-        <p:spPr>
-          <a:xfrm>
-            <a:off x="15409" y="3429000"/>
-            <a:ext cx="12161181" cy="1861857"/>
-          </a:xfrm>
-          <a:prstGeom prst="rect">
-            <a:avLst/>
-          </a:prstGeom>
-        </p:spPr>
-      </p:pic>
-      <p:sp>
-        <p:nvSpPr>
-          <p:cNvPr id="5" name="TextBox 4">
-            <a:extLst>
-              <a:ext uri="{FF2B5EF4-FFF2-40B4-BE49-F238E27FC236}">
-                <a16:creationId xmlns:a16="http://schemas.microsoft.com/office/drawing/2014/main" id="{FCFEE05A-93EC-9AAD-43DC-99B8BA0D79BD}"/>
-              </a:ext>
-            </a:extLst>
-          </p:cNvPr>
-          <p:cNvSpPr txBox="1"/>
-          <p:nvPr/>
-        </p:nvSpPr>
-        <p:spPr>
-          <a:xfrm>
-            <a:off x="405353" y="2262433"/>
-            <a:ext cx="5995447" cy="923330"/>
-          </a:xfrm>
-          <a:prstGeom prst="rect">
-            <a:avLst/>
-          </a:prstGeom>
-          <a:noFill/>
-        </p:spPr>
-        <p:txBody>
-          <a:bodyPr wrap="square" rtlCol="0">
-            <a:spAutoFit/>
+          <p:cNvSpPr>
+            <a:spLocks noGrp="1"/>
+          </p:cNvSpPr>
+          <p:nvPr>
+            <p:ph idx="1"/>
+          </p:nvPr>
+        </p:nvSpPr>
+        <p:spPr/>
+        <p:txBody>
+          <a:bodyPr>
+            <a:normAutofit/>
           </a:bodyPr>
           <a:lstStyle/>
           <a:p>
             <a:r>
               <a:rPr lang="en-US" dirty="0"/>
-              <a:t>This excel sheet can be found on my </a:t>
+              <a:t>To see how the rate of spread was impacted, I found three points along the burn plot</a:t>
+            </a:r>
+          </a:p>
+          <a:p>
+            <a:pPr lvl="1"/>
+            <a:r>
+              <a:rPr lang="en-US" dirty="0"/>
+              <a:t>Centre of the hill</a:t>
+            </a:r>
+          </a:p>
+          <a:p>
+            <a:pPr lvl="1"/>
+            <a:r>
+              <a:rPr lang="en-US" dirty="0"/>
+              <a:t>North East part of the hill</a:t>
+            </a:r>
+          </a:p>
+          <a:p>
+            <a:pPr lvl="1"/>
+            <a:r>
+              <a:rPr lang="en-US" dirty="0"/>
+              <a:t>South west part of the hill</a:t>
+            </a:r>
+          </a:p>
+          <a:p>
+            <a:r>
+              <a:rPr lang="en-US" dirty="0"/>
+              <a:t>With these points, I found where the </a:t>
             </a:r>
             <a:r>
               <a:rPr lang="en-US" dirty="0" err="1"/>
-              <a:t>github</a:t>
+              <a:t>fire_area</a:t>
             </a:r>
             <a:r>
               <a:rPr lang="en-US" dirty="0"/>
-              <a:t> at: </a:t>
+              <a:t> was greater than 0 and the time this occurred</a:t>
             </a:r>
           </a:p>
           <a:p>
             <a:r>
               <a:rPr lang="en-US" dirty="0"/>
-              <a:t>The </a:t>
-            </a:r>
-            <a:r>
-              <a:rPr lang="en-US" dirty="0" err="1"/>
-              <a:t>Rothermel</a:t>
-            </a:r>
+              <a:t>Then I found the wind speed at those points at the time the fire reached those points</a:t>
+            </a:r>
+          </a:p>
+          <a:p>
             <a:r>
               <a:rPr lang="en-US" dirty="0"/>
-              <a:t> codes can be found at: </a:t>
-            </a:r>
-          </a:p>
-          <a:p>
-            <a:r>
-              <a:rPr lang="en-US" dirty="0"/>
-              <a:t>The modified fuel code can be found at: </a:t>
-            </a:r>
+              <a:t>To calculate the distance, I took the ignition point and found the distance from there to those locations</a:t>
+            </a:r>
+          </a:p>
+          <a:p>
+            <a:endParaRPr lang="en-US" dirty="0"/>
           </a:p>
         </p:txBody>
       </p:sp>
     </p:spTree>
     <p:extLst>
       <p:ext uri="{BB962C8B-B14F-4D97-AF65-F5344CB8AC3E}">
-        <p14:creationId xmlns:p14="http://schemas.microsoft.com/office/powerpoint/2010/main" val="3891197934"/>
+        <p14:creationId xmlns:p14="http://schemas.microsoft.com/office/powerpoint/2010/main" val="2970464427"/>
       </p:ext>
     </p:extLst>
   </p:cSld>
@@ -6865,7 +7057,7 @@
           <p:cNvPr id="2" name="Title 1">
             <a:extLst>
               <a:ext uri="{FF2B5EF4-FFF2-40B4-BE49-F238E27FC236}">
-                <a16:creationId xmlns:a16="http://schemas.microsoft.com/office/drawing/2014/main" id="{0FCCDF40-742E-A389-0A63-74E09DE39F2B}"/>
+                <a16:creationId xmlns:a16="http://schemas.microsoft.com/office/drawing/2014/main" id="{FEC91CC5-164D-D3A4-A9ED-A97352F38D77}"/>
               </a:ext>
             </a:extLst>
           </p:cNvPr>
@@ -6876,54 +7068,103 @@
             <p:ph type="title"/>
           </p:nvPr>
         </p:nvSpPr>
-        <p:spPr>
-          <a:xfrm>
-            <a:off x="2070538" y="764373"/>
-            <a:ext cx="9435662" cy="1293028"/>
-          </a:xfrm>
-        </p:spPr>
+        <p:spPr/>
         <p:txBody>
           <a:bodyPr/>
           <a:lstStyle/>
           <a:p>
             <a:r>
               <a:rPr lang="en-US" dirty="0"/>
-              <a:t>Adjustment factors in </a:t>
-            </a:r>
-            <a:r>
-              <a:rPr lang="en-US" dirty="0" err="1"/>
-              <a:t>wrf-sfire</a:t>
-            </a:r>
-            <a:endParaRPr lang="en-US" dirty="0"/>
-          </a:p>
-        </p:txBody>
-      </p:sp>
-      <p:sp>
-        <p:nvSpPr>
-          <p:cNvPr id="3" name="Content Placeholder 2">
+              <a:t>Adjustment factors results </a:t>
+            </a:r>
+          </a:p>
+        </p:txBody>
+      </p:sp>
+      <p:pic>
+        <p:nvPicPr>
+          <p:cNvPr id="4" name="Picture 3">
             <a:extLst>
               <a:ext uri="{FF2B5EF4-FFF2-40B4-BE49-F238E27FC236}">
-                <a16:creationId xmlns:a16="http://schemas.microsoft.com/office/drawing/2014/main" id="{66506C67-273E-6025-F91B-A7C38B5A3D14}"/>
+                <a16:creationId xmlns:a16="http://schemas.microsoft.com/office/drawing/2014/main" id="{067370A0-C040-EAF7-6E99-9E5295CFC5C5}"/>
               </a:ext>
             </a:extLst>
           </p:cNvPr>
-          <p:cNvSpPr>
-            <a:spLocks noGrp="1"/>
-          </p:cNvSpPr>
-          <p:nvPr>
-            <p:ph idx="1"/>
-          </p:nvPr>
-        </p:nvSpPr>
-        <p:spPr/>
-        <p:txBody>
-          <a:bodyPr>
-            <a:normAutofit/>
+          <p:cNvPicPr>
+            <a:picLocks noChangeAspect="1"/>
+          </p:cNvPicPr>
+          <p:nvPr/>
+        </p:nvPicPr>
+        <p:blipFill>
+          <a:blip r:embed="rId2"/>
+          <a:stretch>
+            <a:fillRect/>
+          </a:stretch>
+        </p:blipFill>
+        <p:spPr>
+          <a:xfrm>
+            <a:off x="0" y="4727448"/>
+            <a:ext cx="12161181" cy="1861857"/>
+          </a:xfrm>
+          <a:prstGeom prst="rect">
+            <a:avLst/>
+          </a:prstGeom>
+        </p:spPr>
+      </p:pic>
+      <p:sp>
+        <p:nvSpPr>
+          <p:cNvPr id="5" name="TextBox 4">
+            <a:extLst>
+              <a:ext uri="{FF2B5EF4-FFF2-40B4-BE49-F238E27FC236}">
+                <a16:creationId xmlns:a16="http://schemas.microsoft.com/office/drawing/2014/main" id="{FCFEE05A-93EC-9AAD-43DC-99B8BA0D79BD}"/>
+              </a:ext>
+            </a:extLst>
+          </p:cNvPr>
+          <p:cNvSpPr txBox="1"/>
+          <p:nvPr/>
+        </p:nvSpPr>
+        <p:spPr>
+          <a:xfrm>
+            <a:off x="405353" y="2262433"/>
+            <a:ext cx="10942351" cy="2585323"/>
+          </a:xfrm>
+          <a:prstGeom prst="rect">
+            <a:avLst/>
+          </a:prstGeom>
+          <a:noFill/>
+        </p:spPr>
+        <p:txBody>
+          <a:bodyPr wrap="square" rtlCol="0">
+            <a:spAutoFit/>
           </a:bodyPr>
           <a:lstStyle/>
           <a:p>
             <a:r>
               <a:rPr lang="en-US" dirty="0"/>
-              <a:t>For comparison, I have the ”original” </a:t>
+              <a:t>This excel sheet can be found on my </a:t>
+            </a:r>
+            <a:r>
+              <a:rPr lang="en-US" dirty="0" err="1"/>
+              <a:t>github</a:t>
+            </a:r>
+            <a:r>
+              <a:rPr lang="en-US" dirty="0"/>
+              <a:t> at: </a:t>
+            </a:r>
+            <a:r>
+              <a:rPr lang="en-US" dirty="0">
+                <a:hlinkClick r:id="rId3"/>
+              </a:rPr>
+              <a:t>https://github.com/Jeremy-Benik/Hill_Runs/blob/main/ROS_calculations.xlsx</a:t>
+            </a:r>
+            <a:endParaRPr lang="en-US" dirty="0"/>
+          </a:p>
+          <a:p>
+            <a:endParaRPr lang="en-US" dirty="0"/>
+          </a:p>
+          <a:p>
+            <a:r>
+              <a:rPr lang="en-US" dirty="0"/>
+              <a:t>The </a:t>
             </a:r>
             <a:r>
               <a:rPr lang="en-US" dirty="0" err="1"/>
@@ -6931,38 +7172,31 @@
             </a:r>
             <a:r>
               <a:rPr lang="en-US" dirty="0"/>
-              <a:t> code (all that was changed is the model doesn’t max out at 6m/s) and the ROS variable from the model to see how the modified </a:t>
-            </a:r>
-            <a:r>
-              <a:rPr lang="en-US" dirty="0" err="1"/>
-              <a:t>Rothermel</a:t>
-            </a:r>
+              <a:t> codes can be found at: </a:t>
+            </a:r>
+            <a:r>
+              <a:rPr lang="en-US" dirty="0">
+                <a:hlinkClick r:id="rId4"/>
+              </a:rPr>
+              <a:t>https://github.com/Jeremy-Benik/Hill_Runs/blob/main/Codes/</a:t>
+            </a:r>
+            <a:endParaRPr lang="en-US" dirty="0"/>
+          </a:p>
+          <a:p>
+            <a:endParaRPr lang="en-US" dirty="0"/>
+          </a:p>
+          <a:p>
             <a:r>
               <a:rPr lang="en-US" dirty="0"/>
-              <a:t> model compares</a:t>
-            </a:r>
-          </a:p>
-          <a:p>
-            <a:pPr lvl="1"/>
-            <a:r>
-              <a:rPr lang="en-US" dirty="0"/>
-              <a:t>The modified </a:t>
-            </a:r>
-            <a:r>
-              <a:rPr lang="en-US" dirty="0" err="1"/>
-              <a:t>Rothermel</a:t>
-            </a:r>
-            <a:r>
-              <a:rPr lang="en-US" dirty="0"/>
-              <a:t> code takes the adjustment factors as an inputs, and is integrated in the code during the rate of spread calculation</a:t>
-            </a:r>
-          </a:p>
-          <a:p>
-            <a:pPr lvl="1"/>
-            <a:r>
-              <a:rPr lang="en-US" dirty="0"/>
-              <a:t>Please note: the columns that do not have any data are because the simulation never reached those locations on the burn plot</a:t>
-            </a:r>
+              <a:t>The modified fuel code can be found at: </a:t>
+            </a:r>
+            <a:r>
+              <a:rPr lang="en-US" dirty="0">
+                <a:hlinkClick r:id="rId5"/>
+              </a:rPr>
+              <a:t>https://github.com/Jeremy-Benik/Hill_Runs/blob/main/Codes/fuels.m</a:t>
+            </a:r>
+            <a:endParaRPr lang="en-US" dirty="0"/>
           </a:p>
           <a:p>
             <a:endParaRPr lang="en-US" dirty="0"/>
@@ -6972,7 +7206,7 @@
     </p:spTree>
     <p:extLst>
       <p:ext uri="{BB962C8B-B14F-4D97-AF65-F5344CB8AC3E}">
-        <p14:creationId xmlns:p14="http://schemas.microsoft.com/office/powerpoint/2010/main" val="2195374168"/>
+        <p14:creationId xmlns:p14="http://schemas.microsoft.com/office/powerpoint/2010/main" val="3891197934"/>
       </p:ext>
     </p:extLst>
   </p:cSld>

--- a/Presentations/Adjustment_Factors.pptx
+++ b/Presentations/Adjustment_Factors.pptx
@@ -7,14 +7,16 @@
   <p:sldIdLst>
     <p:sldId id="256" r:id="rId2"/>
     <p:sldId id="257" r:id="rId3"/>
-    <p:sldId id="258" r:id="rId4"/>
-    <p:sldId id="259" r:id="rId5"/>
-    <p:sldId id="260" r:id="rId6"/>
-    <p:sldId id="265" r:id="rId7"/>
-    <p:sldId id="261" r:id="rId8"/>
-    <p:sldId id="262" r:id="rId9"/>
-    <p:sldId id="263" r:id="rId10"/>
-    <p:sldId id="264" r:id="rId11"/>
+    <p:sldId id="266" r:id="rId4"/>
+    <p:sldId id="258" r:id="rId5"/>
+    <p:sldId id="267" r:id="rId6"/>
+    <p:sldId id="259" r:id="rId7"/>
+    <p:sldId id="260" r:id="rId8"/>
+    <p:sldId id="265" r:id="rId9"/>
+    <p:sldId id="261" r:id="rId10"/>
+    <p:sldId id="262" r:id="rId11"/>
+    <p:sldId id="263" r:id="rId12"/>
+    <p:sldId id="264" r:id="rId13"/>
   </p:sldIdLst>
   <p:sldSz cx="12192000" cy="6858000"/>
   <p:notesSz cx="6858000" cy="9144000"/>
@@ -291,7 +293,7 @@
           <a:p>
             <a:fld id="{2B48E2E9-A25B-CF49-8A46-969EC21E09EB}" type="datetimeFigureOut">
               <a:rPr lang="en-US" smtClean="0"/>
-              <a:t>8/29/22</a:t>
+              <a:t>9/3/22</a:t>
             </a:fld>
             <a:endParaRPr lang="en-US"/>
           </a:p>
@@ -558,7 +560,7 @@
           <a:p>
             <a:fld id="{2B48E2E9-A25B-CF49-8A46-969EC21E09EB}" type="datetimeFigureOut">
               <a:rPr lang="en-US" smtClean="0"/>
-              <a:t>8/29/22</a:t>
+              <a:t>9/3/22</a:t>
             </a:fld>
             <a:endParaRPr lang="en-US"/>
           </a:p>
@@ -789,7 +791,7 @@
           <a:p>
             <a:fld id="{2B48E2E9-A25B-CF49-8A46-969EC21E09EB}" type="datetimeFigureOut">
               <a:rPr lang="en-US" smtClean="0"/>
-              <a:t>8/29/22</a:t>
+              <a:t>9/3/22</a:t>
             </a:fld>
             <a:endParaRPr lang="en-US"/>
           </a:p>
@@ -1099,7 +1101,7 @@
           <a:p>
             <a:fld id="{2B48E2E9-A25B-CF49-8A46-969EC21E09EB}" type="datetimeFigureOut">
               <a:rPr lang="en-US" smtClean="0"/>
-              <a:t>8/29/22</a:t>
+              <a:t>9/3/22</a:t>
             </a:fld>
             <a:endParaRPr lang="en-US"/>
           </a:p>
@@ -1572,7 +1574,7 @@
           <a:p>
             <a:fld id="{2B48E2E9-A25B-CF49-8A46-969EC21E09EB}" type="datetimeFigureOut">
               <a:rPr lang="en-US" smtClean="0"/>
-              <a:t>8/29/22</a:t>
+              <a:t>9/3/22</a:t>
             </a:fld>
             <a:endParaRPr lang="en-US"/>
           </a:p>
@@ -2119,7 +2121,7 @@
           <a:p>
             <a:fld id="{2B48E2E9-A25B-CF49-8A46-969EC21E09EB}" type="datetimeFigureOut">
               <a:rPr lang="en-US" smtClean="0"/>
-              <a:t>8/29/22</a:t>
+              <a:t>9/3/22</a:t>
             </a:fld>
             <a:endParaRPr lang="en-US"/>
           </a:p>
@@ -2893,7 +2895,7 @@
           <a:p>
             <a:fld id="{2B48E2E9-A25B-CF49-8A46-969EC21E09EB}" type="datetimeFigureOut">
               <a:rPr lang="en-US" smtClean="0"/>
-              <a:t>8/29/22</a:t>
+              <a:t>9/3/22</a:t>
             </a:fld>
             <a:endParaRPr lang="en-US"/>
           </a:p>
@@ -3068,7 +3070,7 @@
           <a:p>
             <a:fld id="{2B48E2E9-A25B-CF49-8A46-969EC21E09EB}" type="datetimeFigureOut">
               <a:rPr lang="en-US" smtClean="0"/>
-              <a:t>8/29/22</a:t>
+              <a:t>9/3/22</a:t>
             </a:fld>
             <a:endParaRPr lang="en-US"/>
           </a:p>
@@ -3291,7 +3293,7 @@
           <a:p>
             <a:fld id="{2B48E2E9-A25B-CF49-8A46-969EC21E09EB}" type="datetimeFigureOut">
               <a:rPr lang="en-US" smtClean="0"/>
-              <a:t>8/29/22</a:t>
+              <a:t>9/3/22</a:t>
             </a:fld>
             <a:endParaRPr lang="en-US"/>
           </a:p>
@@ -3471,7 +3473,7 @@
           <a:p>
             <a:fld id="{2B48E2E9-A25B-CF49-8A46-969EC21E09EB}" type="datetimeFigureOut">
               <a:rPr lang="en-US" smtClean="0"/>
-              <a:t>8/29/22</a:t>
+              <a:t>9/3/22</a:t>
             </a:fld>
             <a:endParaRPr lang="en-US"/>
           </a:p>
@@ -3760,7 +3762,7 @@
           <a:p>
             <a:fld id="{2B48E2E9-A25B-CF49-8A46-969EC21E09EB}" type="datetimeFigureOut">
               <a:rPr lang="en-US" smtClean="0"/>
-              <a:t>8/29/22</a:t>
+              <a:t>9/3/22</a:t>
             </a:fld>
             <a:endParaRPr lang="en-US"/>
           </a:p>
@@ -4002,7 +4004,7 @@
           <a:p>
             <a:fld id="{2B48E2E9-A25B-CF49-8A46-969EC21E09EB}" type="datetimeFigureOut">
               <a:rPr lang="en-US" smtClean="0"/>
-              <a:t>8/29/22</a:t>
+              <a:t>9/3/22</a:t>
             </a:fld>
             <a:endParaRPr lang="en-US"/>
           </a:p>
@@ -4381,7 +4383,7 @@
           <a:p>
             <a:fld id="{2B48E2E9-A25B-CF49-8A46-969EC21E09EB}" type="datetimeFigureOut">
               <a:rPr lang="en-US" smtClean="0"/>
-              <a:t>8/29/22</a:t>
+              <a:t>9/3/22</a:t>
             </a:fld>
             <a:endParaRPr lang="en-US"/>
           </a:p>
@@ -4499,7 +4501,7 @@
           <a:p>
             <a:fld id="{2B48E2E9-A25B-CF49-8A46-969EC21E09EB}" type="datetimeFigureOut">
               <a:rPr lang="en-US" smtClean="0"/>
-              <a:t>8/29/22</a:t>
+              <a:t>9/3/22</a:t>
             </a:fld>
             <a:endParaRPr lang="en-US"/>
           </a:p>
@@ -4594,7 +4596,7 @@
           <a:p>
             <a:fld id="{2B48E2E9-A25B-CF49-8A46-969EC21E09EB}" type="datetimeFigureOut">
               <a:rPr lang="en-US" smtClean="0"/>
-              <a:t>8/29/22</a:t>
+              <a:t>9/3/22</a:t>
             </a:fld>
             <a:endParaRPr lang="en-US"/>
           </a:p>
@@ -4843,7 +4845,7 @@
           <a:p>
             <a:fld id="{2B48E2E9-A25B-CF49-8A46-969EC21E09EB}" type="datetimeFigureOut">
               <a:rPr lang="en-US" smtClean="0"/>
-              <a:t>8/29/22</a:t>
+              <a:t>9/3/22</a:t>
             </a:fld>
             <a:endParaRPr lang="en-US"/>
           </a:p>
@@ -5100,7 +5102,7 @@
           <a:p>
             <a:fld id="{2B48E2E9-A25B-CF49-8A46-969EC21E09EB}" type="datetimeFigureOut">
               <a:rPr lang="en-US" smtClean="0"/>
-              <a:t>8/29/22</a:t>
+              <a:t>9/3/22</a:t>
             </a:fld>
             <a:endParaRPr lang="en-US"/>
           </a:p>
@@ -5343,7 +5345,7 @@
           <a:p>
             <a:fld id="{2B48E2E9-A25B-CF49-8A46-969EC21E09EB}" type="datetimeFigureOut">
               <a:rPr lang="en-US" smtClean="0"/>
-              <a:t>8/29/22</a:t>
+              <a:t>9/3/22</a:t>
             </a:fld>
             <a:endParaRPr lang="en-US"/>
           </a:p>
@@ -5884,6 +5886,338 @@
               <a:rPr lang="en-US" dirty="0" err="1"/>
               <a:t>wrf-sfire</a:t>
             </a:r>
+            <a:r>
+              <a:rPr lang="en-US" dirty="0"/>
+              <a:t> using the small hill runs</a:t>
+            </a:r>
+          </a:p>
+        </p:txBody>
+      </p:sp>
+      <p:sp>
+        <p:nvSpPr>
+          <p:cNvPr id="3" name="Content Placeholder 2">
+            <a:extLst>
+              <a:ext uri="{FF2B5EF4-FFF2-40B4-BE49-F238E27FC236}">
+                <a16:creationId xmlns:a16="http://schemas.microsoft.com/office/drawing/2014/main" id="{66506C67-273E-6025-F91B-A7C38B5A3D14}"/>
+              </a:ext>
+            </a:extLst>
+          </p:cNvPr>
+          <p:cNvSpPr>
+            <a:spLocks noGrp="1"/>
+          </p:cNvSpPr>
+          <p:nvPr>
+            <p:ph idx="1"/>
+          </p:nvPr>
+        </p:nvSpPr>
+        <p:spPr/>
+        <p:txBody>
+          <a:bodyPr>
+            <a:normAutofit/>
+          </a:bodyPr>
+          <a:lstStyle/>
+          <a:p>
+            <a:r>
+              <a:rPr lang="en-US" dirty="0"/>
+              <a:t>To see how the rate of spread was impacted, I found three points along the burn plot</a:t>
+            </a:r>
+          </a:p>
+          <a:p>
+            <a:pPr lvl="1"/>
+            <a:r>
+              <a:rPr lang="en-US" dirty="0"/>
+              <a:t>Centre of the hill</a:t>
+            </a:r>
+          </a:p>
+          <a:p>
+            <a:pPr lvl="1"/>
+            <a:r>
+              <a:rPr lang="en-US" dirty="0"/>
+              <a:t>North East part of the hill</a:t>
+            </a:r>
+          </a:p>
+          <a:p>
+            <a:pPr lvl="1"/>
+            <a:r>
+              <a:rPr lang="en-US" dirty="0"/>
+              <a:t>South west part of the hill</a:t>
+            </a:r>
+          </a:p>
+          <a:p>
+            <a:r>
+              <a:rPr lang="en-US" dirty="0"/>
+              <a:t>With these points, I found where the </a:t>
+            </a:r>
+            <a:r>
+              <a:rPr lang="en-US" dirty="0" err="1"/>
+              <a:t>fire_area</a:t>
+            </a:r>
+            <a:r>
+              <a:rPr lang="en-US" dirty="0"/>
+              <a:t> was greater than 0 and the time this occurred</a:t>
+            </a:r>
+          </a:p>
+          <a:p>
+            <a:r>
+              <a:rPr lang="en-US" dirty="0"/>
+              <a:t>Then I found the wind speed at those points at the time the fire reached those points</a:t>
+            </a:r>
+          </a:p>
+          <a:p>
+            <a:r>
+              <a:rPr lang="en-US" dirty="0"/>
+              <a:t>To calculate the distance, I took the ignition point and found the distance from there to those locations</a:t>
+            </a:r>
+          </a:p>
+          <a:p>
+            <a:endParaRPr lang="en-US" dirty="0"/>
+          </a:p>
+        </p:txBody>
+      </p:sp>
+    </p:spTree>
+    <p:extLst>
+      <p:ext uri="{BB962C8B-B14F-4D97-AF65-F5344CB8AC3E}">
+        <p14:creationId xmlns:p14="http://schemas.microsoft.com/office/powerpoint/2010/main" val="2970464427"/>
+      </p:ext>
+    </p:extLst>
+  </p:cSld>
+  <p:clrMapOvr>
+    <a:masterClrMapping/>
+  </p:clrMapOvr>
+</p:sld>
+</file>
+
+<file path=ppt/slides/slide11.xml><?xml version="1.0" encoding="utf-8"?>
+<p:sld xmlns:a="http://schemas.openxmlformats.org/drawingml/2006/main" xmlns:r="http://schemas.openxmlformats.org/officeDocument/2006/relationships" xmlns:p="http://schemas.openxmlformats.org/presentationml/2006/main">
+  <p:cSld>
+    <p:spTree>
+      <p:nvGrpSpPr>
+        <p:cNvPr id="1" name=""/>
+        <p:cNvGrpSpPr/>
+        <p:nvPr/>
+      </p:nvGrpSpPr>
+      <p:grpSpPr>
+        <a:xfrm>
+          <a:off x="0" y="0"/>
+          <a:ext cx="0" cy="0"/>
+          <a:chOff x="0" y="0"/>
+          <a:chExt cx="0" cy="0"/>
+        </a:xfrm>
+      </p:grpSpPr>
+      <p:sp>
+        <p:nvSpPr>
+          <p:cNvPr id="2" name="Title 1">
+            <a:extLst>
+              <a:ext uri="{FF2B5EF4-FFF2-40B4-BE49-F238E27FC236}">
+                <a16:creationId xmlns:a16="http://schemas.microsoft.com/office/drawing/2014/main" id="{FEC91CC5-164D-D3A4-A9ED-A97352F38D77}"/>
+              </a:ext>
+            </a:extLst>
+          </p:cNvPr>
+          <p:cNvSpPr>
+            <a:spLocks noGrp="1"/>
+          </p:cNvSpPr>
+          <p:nvPr>
+            <p:ph type="title"/>
+          </p:nvPr>
+        </p:nvSpPr>
+        <p:spPr/>
+        <p:txBody>
+          <a:bodyPr/>
+          <a:lstStyle/>
+          <a:p>
+            <a:r>
+              <a:rPr lang="en-US" dirty="0"/>
+              <a:t>Adjustment factors results </a:t>
+            </a:r>
+          </a:p>
+        </p:txBody>
+      </p:sp>
+      <p:pic>
+        <p:nvPicPr>
+          <p:cNvPr id="4" name="Picture 3">
+            <a:extLst>
+              <a:ext uri="{FF2B5EF4-FFF2-40B4-BE49-F238E27FC236}">
+                <a16:creationId xmlns:a16="http://schemas.microsoft.com/office/drawing/2014/main" id="{067370A0-C040-EAF7-6E99-9E5295CFC5C5}"/>
+              </a:ext>
+            </a:extLst>
+          </p:cNvPr>
+          <p:cNvPicPr>
+            <a:picLocks noChangeAspect="1"/>
+          </p:cNvPicPr>
+          <p:nvPr/>
+        </p:nvPicPr>
+        <p:blipFill>
+          <a:blip r:embed="rId2"/>
+          <a:stretch>
+            <a:fillRect/>
+          </a:stretch>
+        </p:blipFill>
+        <p:spPr>
+          <a:xfrm>
+            <a:off x="0" y="4727448"/>
+            <a:ext cx="12161181" cy="1861857"/>
+          </a:xfrm>
+          <a:prstGeom prst="rect">
+            <a:avLst/>
+          </a:prstGeom>
+        </p:spPr>
+      </p:pic>
+      <p:sp>
+        <p:nvSpPr>
+          <p:cNvPr id="5" name="TextBox 4">
+            <a:extLst>
+              <a:ext uri="{FF2B5EF4-FFF2-40B4-BE49-F238E27FC236}">
+                <a16:creationId xmlns:a16="http://schemas.microsoft.com/office/drawing/2014/main" id="{FCFEE05A-93EC-9AAD-43DC-99B8BA0D79BD}"/>
+              </a:ext>
+            </a:extLst>
+          </p:cNvPr>
+          <p:cNvSpPr txBox="1"/>
+          <p:nvPr/>
+        </p:nvSpPr>
+        <p:spPr>
+          <a:xfrm>
+            <a:off x="405353" y="2262433"/>
+            <a:ext cx="10942351" cy="2585323"/>
+          </a:xfrm>
+          <a:prstGeom prst="rect">
+            <a:avLst/>
+          </a:prstGeom>
+          <a:noFill/>
+        </p:spPr>
+        <p:txBody>
+          <a:bodyPr wrap="square" rtlCol="0">
+            <a:spAutoFit/>
+          </a:bodyPr>
+          <a:lstStyle/>
+          <a:p>
+            <a:r>
+              <a:rPr lang="en-US" dirty="0"/>
+              <a:t>This excel sheet can be found on my </a:t>
+            </a:r>
+            <a:r>
+              <a:rPr lang="en-US" dirty="0" err="1"/>
+              <a:t>github</a:t>
+            </a:r>
+            <a:r>
+              <a:rPr lang="en-US" dirty="0"/>
+              <a:t> at: </a:t>
+            </a:r>
+            <a:r>
+              <a:rPr lang="en-US" dirty="0">
+                <a:hlinkClick r:id="rId3"/>
+              </a:rPr>
+              <a:t>https://github.com/Jeremy-Benik/Hill_Runs/blob/main/ROS_calculations.xlsx</a:t>
+            </a:r>
+            <a:endParaRPr lang="en-US" dirty="0"/>
+          </a:p>
+          <a:p>
+            <a:endParaRPr lang="en-US" dirty="0"/>
+          </a:p>
+          <a:p>
+            <a:r>
+              <a:rPr lang="en-US" dirty="0"/>
+              <a:t>The </a:t>
+            </a:r>
+            <a:r>
+              <a:rPr lang="en-US" dirty="0" err="1"/>
+              <a:t>Rothermel</a:t>
+            </a:r>
+            <a:r>
+              <a:rPr lang="en-US" dirty="0"/>
+              <a:t> codes can be found at: </a:t>
+            </a:r>
+            <a:r>
+              <a:rPr lang="en-US" dirty="0">
+                <a:hlinkClick r:id="rId4"/>
+              </a:rPr>
+              <a:t>https://github.com/Jeremy-Benik/Hill_Runs/blob/main/Codes/</a:t>
+            </a:r>
+            <a:endParaRPr lang="en-US" dirty="0"/>
+          </a:p>
+          <a:p>
+            <a:endParaRPr lang="en-US" dirty="0"/>
+          </a:p>
+          <a:p>
+            <a:r>
+              <a:rPr lang="en-US" dirty="0"/>
+              <a:t>The modified fuel code can be found at: </a:t>
+            </a:r>
+            <a:r>
+              <a:rPr lang="en-US" dirty="0">
+                <a:hlinkClick r:id="rId5"/>
+              </a:rPr>
+              <a:t>https://github.com/Jeremy-Benik/Hill_Runs/blob/main/Codes/fuels.m</a:t>
+            </a:r>
+            <a:endParaRPr lang="en-US" dirty="0"/>
+          </a:p>
+          <a:p>
+            <a:endParaRPr lang="en-US" dirty="0"/>
+          </a:p>
+        </p:txBody>
+      </p:sp>
+    </p:spTree>
+    <p:extLst>
+      <p:ext uri="{BB962C8B-B14F-4D97-AF65-F5344CB8AC3E}">
+        <p14:creationId xmlns:p14="http://schemas.microsoft.com/office/powerpoint/2010/main" val="3891197934"/>
+      </p:ext>
+    </p:extLst>
+  </p:cSld>
+  <p:clrMapOvr>
+    <a:masterClrMapping/>
+  </p:clrMapOvr>
+</p:sld>
+</file>
+
+<file path=ppt/slides/slide12.xml><?xml version="1.0" encoding="utf-8"?>
+<p:sld xmlns:a="http://schemas.openxmlformats.org/drawingml/2006/main" xmlns:r="http://schemas.openxmlformats.org/officeDocument/2006/relationships" xmlns:p="http://schemas.openxmlformats.org/presentationml/2006/main">
+  <p:cSld>
+    <p:spTree>
+      <p:nvGrpSpPr>
+        <p:cNvPr id="1" name=""/>
+        <p:cNvGrpSpPr/>
+        <p:nvPr/>
+      </p:nvGrpSpPr>
+      <p:grpSpPr>
+        <a:xfrm>
+          <a:off x="0" y="0"/>
+          <a:ext cx="0" cy="0"/>
+          <a:chOff x="0" y="0"/>
+          <a:chExt cx="0" cy="0"/>
+        </a:xfrm>
+      </p:grpSpPr>
+      <p:sp>
+        <p:nvSpPr>
+          <p:cNvPr id="2" name="Title 1">
+            <a:extLst>
+              <a:ext uri="{FF2B5EF4-FFF2-40B4-BE49-F238E27FC236}">
+                <a16:creationId xmlns:a16="http://schemas.microsoft.com/office/drawing/2014/main" id="{0FCCDF40-742E-A389-0A63-74E09DE39F2B}"/>
+              </a:ext>
+            </a:extLst>
+          </p:cNvPr>
+          <p:cNvSpPr>
+            <a:spLocks noGrp="1"/>
+          </p:cNvSpPr>
+          <p:nvPr>
+            <p:ph type="title"/>
+          </p:nvPr>
+        </p:nvSpPr>
+        <p:spPr>
+          <a:xfrm>
+            <a:off x="2070538" y="764373"/>
+            <a:ext cx="9435662" cy="1293028"/>
+          </a:xfrm>
+        </p:spPr>
+        <p:txBody>
+          <a:bodyPr/>
+          <a:lstStyle/>
+          <a:p>
+            <a:r>
+              <a:rPr lang="en-US" dirty="0"/>
+              <a:t>Adjustment factors in </a:t>
+            </a:r>
+            <a:r>
+              <a:rPr lang="en-US" dirty="0" err="1"/>
+              <a:t>wrf-sfire</a:t>
+            </a:r>
             <a:endParaRPr lang="en-US" dirty="0"/>
           </a:p>
         </p:txBody>
@@ -6045,14 +6379,20 @@
           <a:p>
             <a:r>
               <a:rPr lang="en-US" dirty="0"/>
-              <a:t>Initially, we wanted to match the backfire rate of spread in the simulation to the observed backfire rate of spread</a:t>
-            </a:r>
+              <a:t>Initially, we wanted to match the backfire rate of spread in the simulation to the observed backfire rate of spread in the FireFlux2 experimental burn</a:t>
+            </a:r>
+          </a:p>
+          <a:p>
+            <a:endParaRPr lang="en-US" dirty="0"/>
           </a:p>
           <a:p>
             <a:r>
               <a:rPr lang="en-US" dirty="0"/>
-              <a:t>To calculate the observed backfire rate of spread, I used videos of the burn and google earth to calculate the backfire rate of spread</a:t>
-            </a:r>
+              <a:t>To calculate the observed backfire rate of spread, I used videos of the burn and google earth</a:t>
+            </a:r>
+          </a:p>
+          <a:p>
+            <a:endParaRPr lang="en-US" dirty="0"/>
           </a:p>
           <a:p>
             <a:r>
@@ -6077,23 +6417,6 @@
             </a:r>
           </a:p>
           <a:p>
-            <a:r>
-              <a:rPr lang="en-US" dirty="0"/>
-              <a:t>As an attempt to match the simulations to the observed backfire rate of spread, we added in an adjr0 adjustment factor to the </a:t>
-            </a:r>
-            <a:r>
-              <a:rPr lang="en-US" dirty="0" err="1"/>
-              <a:t>namelist.fire</a:t>
-            </a:r>
-            <a:r>
-              <a:rPr lang="en-US" dirty="0"/>
-              <a:t> to slow down the simulation</a:t>
-            </a:r>
-          </a:p>
-          <a:p>
-            <a:endParaRPr lang="en-US" dirty="0"/>
-          </a:p>
-          <a:p>
             <a:pPr marL="0" indent="0">
               <a:buNone/>
             </a:pPr>
@@ -6111,73 +6434,10 @@
             </a:pPr>
             <a:endParaRPr lang="en-US" dirty="0"/>
           </a:p>
-        </p:txBody>
-      </p:sp>
-      <p:pic>
-        <p:nvPicPr>
-          <p:cNvPr id="4" name="Picture 3">
-            <a:extLst>
-              <a:ext uri="{FF2B5EF4-FFF2-40B4-BE49-F238E27FC236}">
-                <a16:creationId xmlns:a16="http://schemas.microsoft.com/office/drawing/2014/main" id="{D1C84B33-0E69-F116-92BA-B219569D37C6}"/>
-              </a:ext>
-            </a:extLst>
-          </p:cNvPr>
-          <p:cNvPicPr>
-            <a:picLocks noChangeAspect="1"/>
-          </p:cNvPicPr>
-          <p:nvPr/>
-        </p:nvPicPr>
-        <p:blipFill rotWithShape="1">
-          <a:blip r:embed="rId2"/>
-          <a:srcRect t="12937"/>
-          <a:stretch/>
-        </p:blipFill>
-        <p:spPr>
-          <a:xfrm>
-            <a:off x="749843" y="6002021"/>
-            <a:ext cx="3403600" cy="353823"/>
-          </a:xfrm>
-          <a:prstGeom prst="rect">
-            <a:avLst/>
-          </a:prstGeom>
-        </p:spPr>
-      </p:pic>
-      <p:sp>
-        <p:nvSpPr>
-          <p:cNvPr id="5" name="TextBox 4">
-            <a:extLst>
-              <a:ext uri="{FF2B5EF4-FFF2-40B4-BE49-F238E27FC236}">
-                <a16:creationId xmlns:a16="http://schemas.microsoft.com/office/drawing/2014/main" id="{937E9B00-DFCD-6B99-E91E-2C43F6395805}"/>
-              </a:ext>
-            </a:extLst>
-          </p:cNvPr>
-          <p:cNvSpPr txBox="1"/>
-          <p:nvPr/>
-        </p:nvSpPr>
-        <p:spPr>
-          <a:xfrm>
-            <a:off x="118872" y="5632689"/>
-            <a:ext cx="6227064" cy="369332"/>
-          </a:xfrm>
-          <a:prstGeom prst="rect">
-            <a:avLst/>
-          </a:prstGeom>
-          <a:noFill/>
-        </p:spPr>
-        <p:txBody>
-          <a:bodyPr wrap="square" rtlCol="0">
-            <a:spAutoFit/>
-          </a:bodyPr>
-          <a:lstStyle/>
-          <a:p>
-            <a:r>
-              <a:rPr lang="en-US" dirty="0"/>
-              <a:t>Example of the adjustment factors in the </a:t>
-            </a:r>
-            <a:r>
-              <a:rPr lang="en-US" dirty="0" err="1"/>
-              <a:t>namelist.fire</a:t>
-            </a:r>
+          <a:p>
+            <a:pPr marL="0" indent="0">
+              <a:buNone/>
+            </a:pPr>
             <a:endParaRPr lang="en-US" dirty="0"/>
           </a:p>
         </p:txBody>
@@ -6266,57 +6526,119 @@
           <a:bodyPr/>
           <a:lstStyle/>
           <a:p>
+            <a:pPr marL="0" indent="0">
+              <a:buNone/>
+            </a:pPr>
+            <a:endParaRPr lang="en-US" dirty="0"/>
+          </a:p>
+          <a:p>
             <a:r>
               <a:rPr lang="en-US" dirty="0"/>
-              <a:t>The observed backfire ROS was about 0.02m/s, and the simulation was at 0.021 m/s</a:t>
-            </a:r>
-          </a:p>
-          <a:p>
+              <a:t>As an attempt to match the simulations to the observed backfire rate of spread, we added in an adjr0 adjustment factor to the </a:t>
+            </a:r>
+            <a:r>
+              <a:rPr lang="en-US" dirty="0" err="1"/>
+              <a:t>namelist.fire</a:t>
+            </a:r>
             <a:r>
               <a:rPr lang="en-US" dirty="0"/>
-              <a:t>In an attempt to slow the simulation down, an adjustment factor was added to the simulation </a:t>
-            </a:r>
-          </a:p>
-          <a:p>
-            <a:pPr lvl="1"/>
+              <a:t> to slow down the simulation</a:t>
+            </a:r>
+          </a:p>
+          <a:p>
             <a:r>
               <a:rPr lang="en-US" dirty="0"/>
-              <a:t>The adjustment factor used in the initial run is 0.90677</a:t>
-            </a:r>
-          </a:p>
+              <a:t>In this experiment, fuel category 3 was the only one used (tall grass)</a:t>
+            </a:r>
+          </a:p>
+          <a:p>
+            <a:endParaRPr lang="en-US" dirty="0"/>
+          </a:p>
+          <a:p>
+            <a:pPr marL="0" indent="0">
+              <a:buNone/>
+            </a:pPr>
+            <a:endParaRPr lang="en-US" dirty="0"/>
+          </a:p>
+          <a:p>
+            <a:pPr marL="0" indent="0">
+              <a:buNone/>
+            </a:pPr>
+            <a:endParaRPr lang="en-US" dirty="0"/>
+          </a:p>
+          <a:p>
+            <a:pPr marL="0" indent="0">
+              <a:buNone/>
+            </a:pPr>
+            <a:endParaRPr lang="en-US" dirty="0"/>
+          </a:p>
+        </p:txBody>
+      </p:sp>
+      <p:pic>
+        <p:nvPicPr>
+          <p:cNvPr id="4" name="Picture 3">
+            <a:extLst>
+              <a:ext uri="{FF2B5EF4-FFF2-40B4-BE49-F238E27FC236}">
+                <a16:creationId xmlns:a16="http://schemas.microsoft.com/office/drawing/2014/main" id="{D1C84B33-0E69-F116-92BA-B219569D37C6}"/>
+              </a:ext>
+            </a:extLst>
+          </p:cNvPr>
+          <p:cNvPicPr>
+            <a:picLocks noChangeAspect="1"/>
+          </p:cNvPicPr>
+          <p:nvPr/>
+        </p:nvPicPr>
+        <p:blipFill rotWithShape="1">
+          <a:blip r:embed="rId2"/>
+          <a:srcRect t="12937"/>
+          <a:stretch/>
+        </p:blipFill>
+        <p:spPr>
+          <a:xfrm>
+            <a:off x="3797300" y="4713113"/>
+            <a:ext cx="3403600" cy="353823"/>
+          </a:xfrm>
+          <a:prstGeom prst="rect">
+            <a:avLst/>
+          </a:prstGeom>
+        </p:spPr>
+      </p:pic>
+      <p:sp>
+        <p:nvSpPr>
+          <p:cNvPr id="5" name="TextBox 4">
+            <a:extLst>
+              <a:ext uri="{FF2B5EF4-FFF2-40B4-BE49-F238E27FC236}">
+                <a16:creationId xmlns:a16="http://schemas.microsoft.com/office/drawing/2014/main" id="{937E9B00-DFCD-6B99-E91E-2C43F6395805}"/>
+              </a:ext>
+            </a:extLst>
+          </p:cNvPr>
+          <p:cNvSpPr txBox="1"/>
+          <p:nvPr/>
+        </p:nvSpPr>
+        <p:spPr>
+          <a:xfrm>
+            <a:off x="2451643" y="4206622"/>
+            <a:ext cx="6227064" cy="369332"/>
+          </a:xfrm>
+          <a:prstGeom prst="rect">
+            <a:avLst/>
+          </a:prstGeom>
+          <a:noFill/>
+        </p:spPr>
+        <p:txBody>
+          <a:bodyPr wrap="square" rtlCol="0">
+            <a:spAutoFit/>
+          </a:bodyPr>
+          <a:lstStyle/>
           <a:p>
             <a:r>
               <a:rPr lang="en-US" dirty="0"/>
-              <a:t>With this adjustment factor, we were expecting the backfire ROS to be closer to 0.02, but instead the new backfire ROS was calculated to be 0.015m/s</a:t>
-            </a:r>
-          </a:p>
-          <a:p>
-            <a:r>
-              <a:rPr lang="en-US" dirty="0"/>
-              <a:t>To try to better correct the model, another run was performed this time with a different adjustment factor of 0.93</a:t>
-            </a:r>
-          </a:p>
-          <a:p>
-            <a:r>
-              <a:rPr lang="en-US" dirty="0"/>
-              <a:t>This did increase the backfire ROS, but not as much as we had hoped</a:t>
-            </a:r>
-          </a:p>
-          <a:p>
-            <a:pPr lvl="1"/>
-            <a:r>
-              <a:rPr lang="en-US" dirty="0"/>
-              <a:t>The new backfire ROS was 0.016</a:t>
-            </a:r>
-          </a:p>
-          <a:p>
-            <a:pPr lvl="1"/>
-            <a:endParaRPr lang="en-US" dirty="0"/>
-          </a:p>
-          <a:p>
-            <a:pPr marL="0" indent="0">
-              <a:buNone/>
-            </a:pPr>
+              <a:t>Example of the adjustment factors in the </a:t>
+            </a:r>
+            <a:r>
+              <a:rPr lang="en-US" dirty="0" err="1"/>
+              <a:t>namelist.fire</a:t>
+            </a:r>
             <a:endParaRPr lang="en-US" dirty="0"/>
           </a:p>
         </p:txBody>
@@ -6324,7 +6646,7 @@
     </p:spTree>
     <p:extLst>
       <p:ext uri="{BB962C8B-B14F-4D97-AF65-F5344CB8AC3E}">
-        <p14:creationId xmlns:p14="http://schemas.microsoft.com/office/powerpoint/2010/main" val="198818901"/>
+        <p14:creationId xmlns:p14="http://schemas.microsoft.com/office/powerpoint/2010/main" val="2970269477"/>
       </p:ext>
     </p:extLst>
   </p:cSld>
@@ -6367,20 +6689,20 @@
             <p:ph type="title"/>
           </p:nvPr>
         </p:nvSpPr>
-        <p:spPr/>
+        <p:spPr>
+          <a:xfrm>
+            <a:off x="804672" y="764373"/>
+            <a:ext cx="10701528" cy="1293028"/>
+          </a:xfrm>
+        </p:spPr>
         <p:txBody>
           <a:bodyPr/>
           <a:lstStyle/>
           <a:p>
             <a:r>
               <a:rPr lang="en-US" dirty="0"/>
-              <a:t>ADjr0 adjustments in </a:t>
-            </a:r>
-            <a:r>
-              <a:rPr lang="en-US" dirty="0" err="1"/>
-              <a:t>wrf-sfire</a:t>
-            </a:r>
-            <a:endParaRPr lang="en-US" dirty="0"/>
+              <a:t>Attempting to match observations</a:t>
+            </a:r>
           </a:p>
         </p:txBody>
       </p:sp>
@@ -6407,28 +6729,63 @@
           <a:p>
             <a:r>
               <a:rPr lang="en-US" dirty="0"/>
-              <a:t>We ran many more simulations to try to match the observed backfire ROS, but nothing was close  </a:t>
+              <a:t>The observed backfire ROS was about 0.02m/s, and the simulation was at 0.021 m/s</a:t>
+            </a:r>
+          </a:p>
+          <a:p>
+            <a:r>
+              <a:rPr lang="en-US" dirty="0"/>
+              <a:t>In an attempt to slow the rate of spread of the simulation down, an adjustment factor was added to the simulation </a:t>
             </a:r>
           </a:p>
           <a:p>
             <a:pPr lvl="1"/>
             <a:r>
               <a:rPr lang="en-US" dirty="0"/>
-              <a:t>With an adjr0 of 0.9999, that yielded a backfire ROS of 0.018m/s</a:t>
+              <a:t>The adjustment factor used in the initial run is 0.90677</a:t>
             </a:r>
           </a:p>
           <a:p>
             <a:r>
               <a:rPr lang="en-US" dirty="0"/>
-              <a:t>After looking in the WRF-SFIRE, it appears that the adjr0 is multiplied over and over again in the code, meaning any small adjustment factor will be amplified </a:t>
-            </a:r>
+              <a:t>With this adjustment factor, we were expecting the backfire ROS to be closer to 0.02, but instead the new backfire ROS was calculated to be 0.015m/s</a:t>
+            </a:r>
+          </a:p>
+          <a:p>
+            <a:r>
+              <a:rPr lang="en-US" dirty="0"/>
+              <a:t>To try to better correct the model, another run was performed this time with a different adjustment factor of 0.93</a:t>
+            </a:r>
+          </a:p>
+          <a:p>
+            <a:r>
+              <a:rPr lang="en-US" dirty="0"/>
+              <a:t>This did increase the backfire ROS, but not as much as we had hoped</a:t>
+            </a:r>
+          </a:p>
+          <a:p>
+            <a:pPr lvl="1"/>
+            <a:r>
+              <a:rPr lang="en-US" dirty="0"/>
+              <a:t>The new backfire ROS was 0.016</a:t>
+            </a:r>
+          </a:p>
+          <a:p>
+            <a:pPr lvl="1"/>
+            <a:endParaRPr lang="en-US" dirty="0"/>
+          </a:p>
+          <a:p>
+            <a:pPr marL="0" indent="0">
+              <a:buNone/>
+            </a:pPr>
+            <a:endParaRPr lang="en-US" dirty="0"/>
           </a:p>
         </p:txBody>
       </p:sp>
     </p:spTree>
     <p:extLst>
       <p:ext uri="{BB962C8B-B14F-4D97-AF65-F5344CB8AC3E}">
-        <p14:creationId xmlns:p14="http://schemas.microsoft.com/office/powerpoint/2010/main" val="273752130"/>
+        <p14:creationId xmlns:p14="http://schemas.microsoft.com/office/powerpoint/2010/main" val="198818901"/>
       </p:ext>
     </p:extLst>
   </p:cSld>
@@ -6457,10 +6814,10 @@
       </p:grpSpPr>
       <p:sp>
         <p:nvSpPr>
-          <p:cNvPr id="2" name="Title 1">
+          <p:cNvPr id="3" name="Content Placeholder 2">
             <a:extLst>
               <a:ext uri="{FF2B5EF4-FFF2-40B4-BE49-F238E27FC236}">
-                <a16:creationId xmlns:a16="http://schemas.microsoft.com/office/drawing/2014/main" id="{F052C21C-EBF6-D051-12BA-2E2A89C53989}"/>
+                <a16:creationId xmlns:a16="http://schemas.microsoft.com/office/drawing/2014/main" id="{72F6BC60-8D5D-CE47-D699-B2F4DC234159}"/>
               </a:ext>
             </a:extLst>
           </p:cNvPr>
@@ -6468,7 +6825,7 @@
             <a:spLocks noGrp="1"/>
           </p:cNvSpPr>
           <p:nvPr>
-            <p:ph type="title"/>
+            <p:ph idx="1"/>
           </p:nvPr>
         </p:nvSpPr>
         <p:spPr/>
@@ -6478,17 +6835,66 @@
           <a:p>
             <a:r>
               <a:rPr lang="en-US" dirty="0"/>
-              <a:t>How was the backfire ROS calculated?</a:t>
-            </a:r>
-          </a:p>
-        </p:txBody>
-      </p:sp>
-      <p:sp>
-        <p:nvSpPr>
-          <p:cNvPr id="3" name="Content Placeholder 2">
+              <a:t>To try to better correct the model, another run was performed this time with a different adjustment factor of 0.93</a:t>
+            </a:r>
+          </a:p>
+          <a:p>
+            <a:endParaRPr lang="en-US" dirty="0"/>
+          </a:p>
+          <a:p>
+            <a:r>
+              <a:rPr lang="en-US" dirty="0"/>
+              <a:t>This did increase the backfire ROS, but not as much as we had hoped</a:t>
+            </a:r>
+          </a:p>
+          <a:p>
+            <a:pPr lvl="1"/>
+            <a:r>
+              <a:rPr lang="en-US" dirty="0"/>
+              <a:t>The new backfire ROS was 0.016</a:t>
+            </a:r>
+          </a:p>
+          <a:p>
+            <a:pPr lvl="1"/>
+            <a:endParaRPr lang="en-US" dirty="0"/>
+          </a:p>
+          <a:p>
+            <a:r>
+              <a:rPr lang="en-US" dirty="0"/>
+              <a:t>We ran many more simulations to try to match the observed backfire ROS, but nothing was close  </a:t>
+            </a:r>
+          </a:p>
+          <a:p>
+            <a:pPr lvl="1"/>
+            <a:r>
+              <a:rPr lang="en-US" dirty="0"/>
+              <a:t>With an adjr0 of 0.9999, that yielded a backfire ROS of 0.018m/s</a:t>
+            </a:r>
+          </a:p>
+          <a:p>
+            <a:pPr marL="457200" lvl="1" indent="0">
+              <a:buNone/>
+            </a:pPr>
+            <a:endParaRPr lang="en-US" dirty="0"/>
+          </a:p>
+          <a:p>
+            <a:pPr lvl="1"/>
+            <a:endParaRPr lang="en-US" dirty="0"/>
+          </a:p>
+          <a:p>
+            <a:pPr marL="0" indent="0">
+              <a:buNone/>
+            </a:pPr>
+            <a:endParaRPr lang="en-US" dirty="0"/>
+          </a:p>
+        </p:txBody>
+      </p:sp>
+      <p:sp>
+        <p:nvSpPr>
+          <p:cNvPr id="7" name="Title 1">
             <a:extLst>
               <a:ext uri="{FF2B5EF4-FFF2-40B4-BE49-F238E27FC236}">
-                <a16:creationId xmlns:a16="http://schemas.microsoft.com/office/drawing/2014/main" id="{DB396AF7-FAE5-CCF5-A4D2-6EF8D779F919}"/>
+                <a16:creationId xmlns:a16="http://schemas.microsoft.com/office/drawing/2014/main" id="{CA7C315C-B949-ED5F-E6DB-61EE0A4DC0AE}"/>
               </a:ext>
             </a:extLst>
           </p:cNvPr>
@@ -6496,67 +6902,22 @@
             <a:spLocks noGrp="1"/>
           </p:cNvSpPr>
           <p:nvPr>
-            <p:ph idx="1"/>
-          </p:nvPr>
-        </p:nvSpPr>
-        <p:spPr/>
+            <p:ph type="title"/>
+          </p:nvPr>
+        </p:nvSpPr>
+        <p:spPr>
+          <a:xfrm>
+            <a:off x="795528" y="764373"/>
+            <a:ext cx="10710672" cy="1293028"/>
+          </a:xfrm>
+        </p:spPr>
         <p:txBody>
           <a:bodyPr/>
           <a:lstStyle/>
           <a:p>
             <a:r>
               <a:rPr lang="en-US" dirty="0"/>
-              <a:t>To calculate the backfire ROS, I picked a time in simulation where all the initial ran to (about 900 seconds into the simulation)</a:t>
-            </a:r>
-          </a:p>
-          <a:p>
-            <a:r>
-              <a:rPr lang="en-US" dirty="0"/>
-              <a:t>Then I found a point where the </a:t>
-            </a:r>
-            <a:r>
-              <a:rPr lang="en-US" dirty="0" err="1"/>
-              <a:t>fire_area</a:t>
-            </a:r>
-            <a:r>
-              <a:rPr lang="en-US" dirty="0"/>
-              <a:t> had just touched the grid cell but had not fully engulfed it (</a:t>
-            </a:r>
-            <a:r>
-              <a:rPr lang="en-US" dirty="0" err="1"/>
-              <a:t>fire_area</a:t>
-            </a:r>
-            <a:r>
-              <a:rPr lang="en-US" dirty="0"/>
-              <a:t> &lt; 1)</a:t>
-            </a:r>
-          </a:p>
-          <a:p>
-            <a:r>
-              <a:rPr lang="en-US" dirty="0"/>
-              <a:t>With this location, I calculated the distance to the point using the </a:t>
-            </a:r>
-            <a:r>
-              <a:rPr lang="en-US" dirty="0" err="1"/>
-              <a:t>fxlat</a:t>
-            </a:r>
-            <a:r>
-              <a:rPr lang="en-US" dirty="0"/>
-              <a:t> and </a:t>
-            </a:r>
-            <a:r>
-              <a:rPr lang="en-US" dirty="0" err="1"/>
-              <a:t>fxlong</a:t>
-            </a:r>
-            <a:r>
-              <a:rPr lang="en-US" dirty="0"/>
-              <a:t> location, and the location of the ignition point since that is specified on the grid</a:t>
-            </a:r>
-          </a:p>
-          <a:p>
-            <a:r>
-              <a:rPr lang="en-US" dirty="0"/>
-              <a:t>With the time and distance, I then calculated the backfire ROS</a:t>
+              <a:t>Attempting to match observations</a:t>
             </a:r>
           </a:p>
         </p:txBody>
@@ -6564,7 +6925,7 @@
     </p:spTree>
     <p:extLst>
       <p:ext uri="{BB962C8B-B14F-4D97-AF65-F5344CB8AC3E}">
-        <p14:creationId xmlns:p14="http://schemas.microsoft.com/office/powerpoint/2010/main" val="4070047842"/>
+        <p14:creationId xmlns:p14="http://schemas.microsoft.com/office/powerpoint/2010/main" val="3205110830"/>
       </p:ext>
     </p:extLst>
   </p:cSld>
@@ -6596,7 +6957,7 @@
           <p:cNvPr id="2" name="Title 1">
             <a:extLst>
               <a:ext uri="{FF2B5EF4-FFF2-40B4-BE49-F238E27FC236}">
-                <a16:creationId xmlns:a16="http://schemas.microsoft.com/office/drawing/2014/main" id="{89EC5454-BCED-6B9C-2CB8-E3B9EA31ED4E}"/>
+                <a16:creationId xmlns:a16="http://schemas.microsoft.com/office/drawing/2014/main" id="{90E0E0DE-DDE0-D901-F03F-DB18775955BF}"/>
               </a:ext>
             </a:extLst>
           </p:cNvPr>
@@ -6614,7 +6975,7 @@
           <a:p>
             <a:r>
               <a:rPr lang="en-US" dirty="0"/>
-              <a:t>results</a:t>
+              <a:t>Possible issues in the code</a:t>
             </a:r>
           </a:p>
         </p:txBody>
@@ -6624,7 +6985,7 @@
           <p:cNvPr id="3" name="Content Placeholder 2">
             <a:extLst>
               <a:ext uri="{FF2B5EF4-FFF2-40B4-BE49-F238E27FC236}">
-                <a16:creationId xmlns:a16="http://schemas.microsoft.com/office/drawing/2014/main" id="{96813BD5-8089-DB91-69A3-E44302675AB8}"/>
+                <a16:creationId xmlns:a16="http://schemas.microsoft.com/office/drawing/2014/main" id="{72F6BC60-8D5D-CE47-D699-B2F4DC234159}"/>
               </a:ext>
             </a:extLst>
           </p:cNvPr>
@@ -6642,81 +7003,15 @@
           <a:p>
             <a:r>
               <a:rPr lang="en-US" dirty="0"/>
-              <a:t>run 1 Backfire ROS was 0.015989734039574453</a:t>
-            </a:r>
-          </a:p>
-          <a:p>
-            <a:r>
-              <a:rPr lang="en-US" dirty="0"/>
-              <a:t>run 2 Backfire ROS was 0.016798221788879665</a:t>
-            </a:r>
-          </a:p>
-          <a:p>
-            <a:r>
-              <a:rPr lang="en-US" dirty="0"/>
-              <a:t>run 3 Backfire ROS was 0.01709021600282394</a:t>
-            </a:r>
-          </a:p>
-          <a:p>
-            <a:r>
-              <a:rPr lang="en-US" dirty="0"/>
-              <a:t>run 4 Backfire ROS was 0.01720178385015444</a:t>
-            </a:r>
-          </a:p>
-          <a:p>
-            <a:r>
-              <a:rPr lang="en-US" dirty="0"/>
-              <a:t>run 5 Backfire ROS was 0.01767115575900313</a:t>
-            </a:r>
-          </a:p>
-          <a:p>
-            <a:r>
-              <a:rPr lang="en-US" dirty="0"/>
-              <a:t>run 6 Backfire ROS was 0.017712621441470035</a:t>
-            </a:r>
-          </a:p>
-          <a:p>
-            <a:r>
-              <a:rPr lang="en-US" dirty="0"/>
-              <a:t>run 7 Backfire ROS was 0.017739540319040657</a:t>
-            </a:r>
-          </a:p>
-        </p:txBody>
-      </p:sp>
-      <p:pic>
-        <p:nvPicPr>
-          <p:cNvPr id="4" name="Picture 3">
-            <a:extLst>
-              <a:ext uri="{FF2B5EF4-FFF2-40B4-BE49-F238E27FC236}">
-                <a16:creationId xmlns:a16="http://schemas.microsoft.com/office/drawing/2014/main" id="{0BBB63E1-54EE-B455-081C-A458E7DC44FB}"/>
-              </a:ext>
-            </a:extLst>
-          </p:cNvPr>
-          <p:cNvPicPr>
-            <a:picLocks noChangeAspect="1"/>
-          </p:cNvPicPr>
-          <p:nvPr/>
-        </p:nvPicPr>
-        <p:blipFill>
-          <a:blip r:embed="rId2"/>
-          <a:stretch>
-            <a:fillRect/>
-          </a:stretch>
-        </p:blipFill>
-        <p:spPr>
-          <a:xfrm>
-            <a:off x="8662595" y="2487168"/>
-            <a:ext cx="2843605" cy="2231136"/>
-          </a:xfrm>
-          <a:prstGeom prst="rect">
-            <a:avLst/>
-          </a:prstGeom>
-        </p:spPr>
-      </p:pic>
+              <a:t>After looking in the WRF-SFIRE, it appears that the adjr0 is multiplied over and over again in the code, meaning any small adjustment factor will be amplified </a:t>
+            </a:r>
+          </a:p>
+        </p:txBody>
+      </p:sp>
     </p:spTree>
     <p:extLst>
       <p:ext uri="{BB962C8B-B14F-4D97-AF65-F5344CB8AC3E}">
-        <p14:creationId xmlns:p14="http://schemas.microsoft.com/office/powerpoint/2010/main" val="3236940953"/>
+        <p14:creationId xmlns:p14="http://schemas.microsoft.com/office/powerpoint/2010/main" val="273752130"/>
       </p:ext>
     </p:extLst>
   </p:cSld>
@@ -6748,7 +7043,7 @@
           <p:cNvPr id="2" name="Title 1">
             <a:extLst>
               <a:ext uri="{FF2B5EF4-FFF2-40B4-BE49-F238E27FC236}">
-                <a16:creationId xmlns:a16="http://schemas.microsoft.com/office/drawing/2014/main" id="{8C309094-8A11-4B0E-55CF-ABA779E85CB6}"/>
+                <a16:creationId xmlns:a16="http://schemas.microsoft.com/office/drawing/2014/main" id="{F052C21C-EBF6-D051-12BA-2E2A89C53989}"/>
               </a:ext>
             </a:extLst>
           </p:cNvPr>
@@ -6759,25 +7054,15 @@
             <p:ph type="title"/>
           </p:nvPr>
         </p:nvSpPr>
-        <p:spPr>
-          <a:xfrm>
-            <a:off x="1608083" y="764373"/>
-            <a:ext cx="9898117" cy="1293028"/>
-          </a:xfrm>
-        </p:spPr>
+        <p:spPr/>
         <p:txBody>
           <a:bodyPr/>
           <a:lstStyle/>
           <a:p>
             <a:r>
               <a:rPr lang="en-US" dirty="0"/>
-              <a:t>Adjustment factors in </a:t>
-            </a:r>
-            <a:r>
-              <a:rPr lang="en-US" dirty="0" err="1"/>
-              <a:t>wrf-sfire</a:t>
-            </a:r>
-            <a:endParaRPr lang="en-US" dirty="0"/>
+              <a:t>How was the backfire ROS calculated?</a:t>
+            </a:r>
           </a:p>
         </p:txBody>
       </p:sp>
@@ -6786,7 +7071,7 @@
           <p:cNvPr id="3" name="Content Placeholder 2">
             <a:extLst>
               <a:ext uri="{FF2B5EF4-FFF2-40B4-BE49-F238E27FC236}">
-                <a16:creationId xmlns:a16="http://schemas.microsoft.com/office/drawing/2014/main" id="{DF36A171-686B-410D-3DFB-6EE6C2EB8E5A}"/>
+                <a16:creationId xmlns:a16="http://schemas.microsoft.com/office/drawing/2014/main" id="{DB396AF7-FAE5-CCF5-A4D2-6EF8D779F919}"/>
               </a:ext>
             </a:extLst>
           </p:cNvPr>
@@ -6799,85 +7084,81 @@
         </p:nvSpPr>
         <p:spPr/>
         <p:txBody>
-          <a:bodyPr/>
+          <a:bodyPr>
+            <a:normAutofit lnSpcReduction="10000"/>
+          </a:bodyPr>
           <a:lstStyle/>
           <a:p>
             <a:r>
               <a:rPr lang="en-US" dirty="0"/>
-              <a:t>To further test the adjustment factors in WRF-SFIRE, I tested the adjustment factors on the small hill case</a:t>
-            </a:r>
-          </a:p>
-          <a:p>
-            <a:pPr lvl="1"/>
+              <a:t>To calculate the backfire ROS, I picked a time in simulation where all the initial runs made it (all simulations made it about 900 seconds)</a:t>
+            </a:r>
+          </a:p>
+          <a:p>
+            <a:endParaRPr lang="en-US" dirty="0"/>
+          </a:p>
+          <a:p>
             <a:r>
               <a:rPr lang="en-US" dirty="0"/>
-              <a:t>This simulation was picked since it had a slope, and it was small enough to be able to run in a couple minutes</a:t>
-            </a:r>
-          </a:p>
-          <a:p>
+              <a:t>I then found a point where the </a:t>
+            </a:r>
+            <a:r>
+              <a:rPr lang="en-US" dirty="0" err="1"/>
+              <a:t>fire_area</a:t>
+            </a:r>
             <a:r>
               <a:rPr lang="en-US" dirty="0"/>
-              <a:t>There were 21 simulations run</a:t>
-            </a:r>
-          </a:p>
-          <a:p>
-            <a:pPr lvl="1"/>
+              <a:t> had just touched the grid cell but had not fully engulfed it (</a:t>
+            </a:r>
+            <a:r>
+              <a:rPr lang="en-US" dirty="0" err="1"/>
+              <a:t>fire_area</a:t>
+            </a:r>
             <a:r>
               <a:rPr lang="en-US" dirty="0"/>
-              <a:t>1 simulation was done with no adjustment factors, and the other 20 had different adjustments factors applied in the </a:t>
+              <a:t> &lt; 1)</a:t>
+            </a:r>
+          </a:p>
+          <a:p>
+            <a:endParaRPr lang="en-US" dirty="0"/>
+          </a:p>
+          <a:p>
+            <a:r>
+              <a:rPr lang="en-US" dirty="0"/>
+              <a:t>With this location, I calculated the distance to the point using the </a:t>
             </a:r>
             <a:r>
               <a:rPr lang="en-US" dirty="0" err="1"/>
-              <a:t>namelist.fire</a:t>
-            </a:r>
+              <a:t>fxlat</a:t>
+            </a:r>
+            <a:r>
+              <a:rPr lang="en-US" dirty="0"/>
+              <a:t> and </a:t>
+            </a:r>
+            <a:r>
+              <a:rPr lang="en-US" dirty="0" err="1"/>
+              <a:t>fxlong</a:t>
+            </a:r>
+            <a:r>
+              <a:rPr lang="en-US" dirty="0"/>
+              <a:t> location, and the location of the ignition point since that is specified on the grid</a:t>
+            </a:r>
+          </a:p>
+          <a:p>
             <a:endParaRPr lang="en-US" dirty="0"/>
           </a:p>
           <a:p>
             <a:r>
               <a:rPr lang="en-US" dirty="0"/>
-              <a:t>Example of one of the runs:</a:t>
-            </a:r>
-          </a:p>
-          <a:p>
-            <a:pPr lvl="1"/>
-            <a:endParaRPr lang="en-US" dirty="0"/>
-          </a:p>
-        </p:txBody>
-      </p:sp>
-      <p:pic>
-        <p:nvPicPr>
-          <p:cNvPr id="5" name="Picture 4">
-            <a:extLst>
-              <a:ext uri="{FF2B5EF4-FFF2-40B4-BE49-F238E27FC236}">
-                <a16:creationId xmlns:a16="http://schemas.microsoft.com/office/drawing/2014/main" id="{D9CE0C2E-E035-2BCE-FF70-02B7C362E9F2}"/>
-              </a:ext>
-            </a:extLst>
-          </p:cNvPr>
-          <p:cNvPicPr>
-            <a:picLocks noChangeAspect="1"/>
-          </p:cNvPicPr>
-          <p:nvPr/>
-        </p:nvPicPr>
-        <p:blipFill>
-          <a:blip r:embed="rId2"/>
-          <a:stretch>
-            <a:fillRect/>
-          </a:stretch>
-        </p:blipFill>
-        <p:spPr>
-          <a:xfrm>
-            <a:off x="1075558" y="5250944"/>
-            <a:ext cx="3251200" cy="1104900"/>
-          </a:xfrm>
-          <a:prstGeom prst="rect">
-            <a:avLst/>
-          </a:prstGeom>
-        </p:spPr>
-      </p:pic>
+              <a:t>With the time and distance, I then calculated the backfire ROS</a:t>
+            </a:r>
+          </a:p>
+        </p:txBody>
+      </p:sp>
     </p:spTree>
     <p:extLst>
       <p:ext uri="{BB962C8B-B14F-4D97-AF65-F5344CB8AC3E}">
-        <p14:creationId xmlns:p14="http://schemas.microsoft.com/office/powerpoint/2010/main" val="154999995"/>
+        <p14:creationId xmlns:p14="http://schemas.microsoft.com/office/powerpoint/2010/main" val="4070047842"/>
       </p:ext>
     </p:extLst>
   </p:cSld>
@@ -6909,7 +7190,7 @@
           <p:cNvPr id="2" name="Title 1">
             <a:extLst>
               <a:ext uri="{FF2B5EF4-FFF2-40B4-BE49-F238E27FC236}">
-                <a16:creationId xmlns:a16="http://schemas.microsoft.com/office/drawing/2014/main" id="{0FCCDF40-742E-A389-0A63-74E09DE39F2B}"/>
+                <a16:creationId xmlns:a16="http://schemas.microsoft.com/office/drawing/2014/main" id="{89EC5454-BCED-6B9C-2CB8-E3B9EA31ED4E}"/>
               </a:ext>
             </a:extLst>
           </p:cNvPr>
@@ -6920,25 +7201,15 @@
             <p:ph type="title"/>
           </p:nvPr>
         </p:nvSpPr>
-        <p:spPr>
-          <a:xfrm>
-            <a:off x="2070538" y="764373"/>
-            <a:ext cx="9435662" cy="1293028"/>
-          </a:xfrm>
-        </p:spPr>
+        <p:spPr/>
         <p:txBody>
           <a:bodyPr/>
           <a:lstStyle/>
           <a:p>
             <a:r>
               <a:rPr lang="en-US" dirty="0"/>
-              <a:t>Adjustment factors in </a:t>
-            </a:r>
-            <a:r>
-              <a:rPr lang="en-US" dirty="0" err="1"/>
-              <a:t>wrf-sfire</a:t>
-            </a:r>
-            <a:endParaRPr lang="en-US" dirty="0"/>
+              <a:t>results</a:t>
+            </a:r>
           </a:p>
         </p:txBody>
       </p:sp>
@@ -6947,7 +7218,7 @@
           <p:cNvPr id="3" name="Content Placeholder 2">
             <a:extLst>
               <a:ext uri="{FF2B5EF4-FFF2-40B4-BE49-F238E27FC236}">
-                <a16:creationId xmlns:a16="http://schemas.microsoft.com/office/drawing/2014/main" id="{66506C67-273E-6025-F91B-A7C38B5A3D14}"/>
+                <a16:creationId xmlns:a16="http://schemas.microsoft.com/office/drawing/2014/main" id="{96813BD5-8089-DB91-69A3-E44302675AB8}"/>
               </a:ext>
             </a:extLst>
           </p:cNvPr>
@@ -6960,72 +7231,86 @@
         </p:nvSpPr>
         <p:spPr/>
         <p:txBody>
-          <a:bodyPr>
-            <a:normAutofit/>
-          </a:bodyPr>
+          <a:bodyPr/>
           <a:lstStyle/>
           <a:p>
             <a:r>
               <a:rPr lang="en-US" dirty="0"/>
-              <a:t>To see how the rate of spread was impacted, I found three points along the burn plot</a:t>
-            </a:r>
-          </a:p>
-          <a:p>
-            <a:pPr lvl="1"/>
+              <a:t>run 1 Backfire ROS was 0.015989734039574453 m/s</a:t>
+            </a:r>
+          </a:p>
+          <a:p>
             <a:r>
               <a:rPr lang="en-US" dirty="0"/>
-              <a:t>Centre of the hill</a:t>
-            </a:r>
-          </a:p>
-          <a:p>
-            <a:pPr lvl="1"/>
+              <a:t>run 2 Backfire ROS was 0.016798221788879665 m/s</a:t>
+            </a:r>
+          </a:p>
+          <a:p>
             <a:r>
               <a:rPr lang="en-US" dirty="0"/>
-              <a:t>North East part of the hill</a:t>
-            </a:r>
-          </a:p>
-          <a:p>
-            <a:pPr lvl="1"/>
+              <a:t>run 3 Backfire ROS was 0.01709021600282394 m/s</a:t>
+            </a:r>
+          </a:p>
+          <a:p>
             <a:r>
               <a:rPr lang="en-US" dirty="0"/>
-              <a:t>South west part of the hill</a:t>
+              <a:t>run 4 Backfire ROS was 0.01720178385015444 m/s</a:t>
             </a:r>
           </a:p>
           <a:p>
             <a:r>
               <a:rPr lang="en-US" dirty="0"/>
-              <a:t>With these points, I found where the </a:t>
-            </a:r>
-            <a:r>
-              <a:rPr lang="en-US" dirty="0" err="1"/>
-              <a:t>fire_area</a:t>
-            </a:r>
+              <a:t>run 5 Backfire ROS was 0.01767115575900313 m/s</a:t>
+            </a:r>
+          </a:p>
+          <a:p>
             <a:r>
               <a:rPr lang="en-US" dirty="0"/>
-              <a:t> was greater than 0 and the time this occurred</a:t>
+              <a:t>run 6 Backfire ROS was 0.017712621441470035 m/s</a:t>
             </a:r>
           </a:p>
           <a:p>
             <a:r>
               <a:rPr lang="en-US" dirty="0"/>
-              <a:t>Then I found the wind speed at those points at the time the fire reached those points</a:t>
-            </a:r>
-          </a:p>
-          <a:p>
-            <a:r>
-              <a:rPr lang="en-US" dirty="0"/>
-              <a:t>To calculate the distance, I took the ignition point and found the distance from there to those locations</a:t>
-            </a:r>
-          </a:p>
-          <a:p>
-            <a:endParaRPr lang="en-US" dirty="0"/>
-          </a:p>
-        </p:txBody>
-      </p:sp>
+              <a:t>run 7 Backfire ROS was 0.017739540319040657 m/s</a:t>
+            </a:r>
+          </a:p>
+        </p:txBody>
+      </p:sp>
+      <p:pic>
+        <p:nvPicPr>
+          <p:cNvPr id="4" name="Picture 3">
+            <a:extLst>
+              <a:ext uri="{FF2B5EF4-FFF2-40B4-BE49-F238E27FC236}">
+                <a16:creationId xmlns:a16="http://schemas.microsoft.com/office/drawing/2014/main" id="{0BBB63E1-54EE-B455-081C-A458E7DC44FB}"/>
+              </a:ext>
+            </a:extLst>
+          </p:cNvPr>
+          <p:cNvPicPr>
+            <a:picLocks noChangeAspect="1"/>
+          </p:cNvPicPr>
+          <p:nvPr/>
+        </p:nvPicPr>
+        <p:blipFill>
+          <a:blip r:embed="rId2"/>
+          <a:stretch>
+            <a:fillRect/>
+          </a:stretch>
+        </p:blipFill>
+        <p:spPr>
+          <a:xfrm>
+            <a:off x="8662595" y="2487168"/>
+            <a:ext cx="2843605" cy="2231136"/>
+          </a:xfrm>
+          <a:prstGeom prst="rect">
+            <a:avLst/>
+          </a:prstGeom>
+        </p:spPr>
+      </p:pic>
     </p:spTree>
     <p:extLst>
       <p:ext uri="{BB962C8B-B14F-4D97-AF65-F5344CB8AC3E}">
-        <p14:creationId xmlns:p14="http://schemas.microsoft.com/office/powerpoint/2010/main" val="2970464427"/>
+        <p14:creationId xmlns:p14="http://schemas.microsoft.com/office/powerpoint/2010/main" val="3236940953"/>
       </p:ext>
     </p:extLst>
   </p:cSld>
@@ -7057,7 +7342,7 @@
           <p:cNvPr id="2" name="Title 1">
             <a:extLst>
               <a:ext uri="{FF2B5EF4-FFF2-40B4-BE49-F238E27FC236}">
-                <a16:creationId xmlns:a16="http://schemas.microsoft.com/office/drawing/2014/main" id="{FEC91CC5-164D-D3A4-A9ED-A97352F38D77}"/>
+                <a16:creationId xmlns:a16="http://schemas.microsoft.com/office/drawing/2014/main" id="{8C309094-8A11-4B0E-55CF-ABA779E85CB6}"/>
               </a:ext>
             </a:extLst>
           </p:cNvPr>
@@ -7068,6 +7353,44 @@
             <p:ph type="title"/>
           </p:nvPr>
         </p:nvSpPr>
+        <p:spPr>
+          <a:xfrm>
+            <a:off x="1608083" y="764373"/>
+            <a:ext cx="9898117" cy="1293028"/>
+          </a:xfrm>
+        </p:spPr>
+        <p:txBody>
+          <a:bodyPr/>
+          <a:lstStyle/>
+          <a:p>
+            <a:r>
+              <a:rPr lang="en-US" dirty="0"/>
+              <a:t>Adjustment factors in </a:t>
+            </a:r>
+            <a:r>
+              <a:rPr lang="en-US" dirty="0" err="1"/>
+              <a:t>wrf-sfire</a:t>
+            </a:r>
+            <a:endParaRPr lang="en-US" dirty="0"/>
+          </a:p>
+        </p:txBody>
+      </p:sp>
+      <p:sp>
+        <p:nvSpPr>
+          <p:cNvPr id="3" name="Content Placeholder 2">
+            <a:extLst>
+              <a:ext uri="{FF2B5EF4-FFF2-40B4-BE49-F238E27FC236}">
+                <a16:creationId xmlns:a16="http://schemas.microsoft.com/office/drawing/2014/main" id="{DF36A171-686B-410D-3DFB-6EE6C2EB8E5A}"/>
+              </a:ext>
+            </a:extLst>
+          </p:cNvPr>
+          <p:cNvSpPr>
+            <a:spLocks noGrp="1"/>
+          </p:cNvSpPr>
+          <p:nvPr>
+            <p:ph idx="1"/>
+          </p:nvPr>
+        </p:nvSpPr>
         <p:spPr/>
         <p:txBody>
           <a:bodyPr/>
@@ -7075,17 +7398,52 @@
           <a:p>
             <a:r>
               <a:rPr lang="en-US" dirty="0"/>
-              <a:t>Adjustment factors results </a:t>
-            </a:r>
+              <a:t>To further test the adjustment factors in WRF-SFIRE, I tested the adjustment factors on the small hill case</a:t>
+            </a:r>
+          </a:p>
+          <a:p>
+            <a:pPr lvl="1"/>
+            <a:r>
+              <a:rPr lang="en-US" dirty="0"/>
+              <a:t>This simulation was picked since it had a slope, and it was small enough to be able to run in a couple minutes</a:t>
+            </a:r>
+          </a:p>
+          <a:p>
+            <a:r>
+              <a:rPr lang="en-US" dirty="0"/>
+              <a:t>There were 21 simulations run</a:t>
+            </a:r>
+          </a:p>
+          <a:p>
+            <a:pPr lvl="1"/>
+            <a:r>
+              <a:rPr lang="en-US" dirty="0"/>
+              <a:t>1 simulation was done with no adjustment factors, and the other 20 had different adjustments factors applied in the </a:t>
+            </a:r>
+            <a:r>
+              <a:rPr lang="en-US" dirty="0" err="1"/>
+              <a:t>namelist.fire</a:t>
+            </a:r>
+            <a:endParaRPr lang="en-US" dirty="0"/>
+          </a:p>
+          <a:p>
+            <a:r>
+              <a:rPr lang="en-US" dirty="0"/>
+              <a:t>Example of one of the runs:</a:t>
+            </a:r>
+          </a:p>
+          <a:p>
+            <a:pPr lvl="1"/>
+            <a:endParaRPr lang="en-US" dirty="0"/>
           </a:p>
         </p:txBody>
       </p:sp>
       <p:pic>
         <p:nvPicPr>
-          <p:cNvPr id="4" name="Picture 3">
+          <p:cNvPr id="5" name="Picture 4">
             <a:extLst>
               <a:ext uri="{FF2B5EF4-FFF2-40B4-BE49-F238E27FC236}">
-                <a16:creationId xmlns:a16="http://schemas.microsoft.com/office/drawing/2014/main" id="{067370A0-C040-EAF7-6E99-9E5295CFC5C5}"/>
+                <a16:creationId xmlns:a16="http://schemas.microsoft.com/office/drawing/2014/main" id="{D9CE0C2E-E035-2BCE-FF70-02B7C362E9F2}"/>
               </a:ext>
             </a:extLst>
           </p:cNvPr>
@@ -7102,111 +7460,18 @@
         </p:blipFill>
         <p:spPr>
           <a:xfrm>
-            <a:off x="0" y="4727448"/>
-            <a:ext cx="12161181" cy="1861857"/>
+            <a:off x="1075558" y="5250944"/>
+            <a:ext cx="3251200" cy="1104900"/>
           </a:xfrm>
           <a:prstGeom prst="rect">
             <a:avLst/>
           </a:prstGeom>
         </p:spPr>
       </p:pic>
-      <p:sp>
-        <p:nvSpPr>
-          <p:cNvPr id="5" name="TextBox 4">
-            <a:extLst>
-              <a:ext uri="{FF2B5EF4-FFF2-40B4-BE49-F238E27FC236}">
-                <a16:creationId xmlns:a16="http://schemas.microsoft.com/office/drawing/2014/main" id="{FCFEE05A-93EC-9AAD-43DC-99B8BA0D79BD}"/>
-              </a:ext>
-            </a:extLst>
-          </p:cNvPr>
-          <p:cNvSpPr txBox="1"/>
-          <p:nvPr/>
-        </p:nvSpPr>
-        <p:spPr>
-          <a:xfrm>
-            <a:off x="405353" y="2262433"/>
-            <a:ext cx="10942351" cy="2585323"/>
-          </a:xfrm>
-          <a:prstGeom prst="rect">
-            <a:avLst/>
-          </a:prstGeom>
-          <a:noFill/>
-        </p:spPr>
-        <p:txBody>
-          <a:bodyPr wrap="square" rtlCol="0">
-            <a:spAutoFit/>
-          </a:bodyPr>
-          <a:lstStyle/>
-          <a:p>
-            <a:r>
-              <a:rPr lang="en-US" dirty="0"/>
-              <a:t>This excel sheet can be found on my </a:t>
-            </a:r>
-            <a:r>
-              <a:rPr lang="en-US" dirty="0" err="1"/>
-              <a:t>github</a:t>
-            </a:r>
-            <a:r>
-              <a:rPr lang="en-US" dirty="0"/>
-              <a:t> at: </a:t>
-            </a:r>
-            <a:r>
-              <a:rPr lang="en-US" dirty="0">
-                <a:hlinkClick r:id="rId3"/>
-              </a:rPr>
-              <a:t>https://github.com/Jeremy-Benik/Hill_Runs/blob/main/ROS_calculations.xlsx</a:t>
-            </a:r>
-            <a:endParaRPr lang="en-US" dirty="0"/>
-          </a:p>
-          <a:p>
-            <a:endParaRPr lang="en-US" dirty="0"/>
-          </a:p>
-          <a:p>
-            <a:r>
-              <a:rPr lang="en-US" dirty="0"/>
-              <a:t>The </a:t>
-            </a:r>
-            <a:r>
-              <a:rPr lang="en-US" dirty="0" err="1"/>
-              <a:t>Rothermel</a:t>
-            </a:r>
-            <a:r>
-              <a:rPr lang="en-US" dirty="0"/>
-              <a:t> codes can be found at: </a:t>
-            </a:r>
-            <a:r>
-              <a:rPr lang="en-US" dirty="0">
-                <a:hlinkClick r:id="rId4"/>
-              </a:rPr>
-              <a:t>https://github.com/Jeremy-Benik/Hill_Runs/blob/main/Codes/</a:t>
-            </a:r>
-            <a:endParaRPr lang="en-US" dirty="0"/>
-          </a:p>
-          <a:p>
-            <a:endParaRPr lang="en-US" dirty="0"/>
-          </a:p>
-          <a:p>
-            <a:r>
-              <a:rPr lang="en-US" dirty="0"/>
-              <a:t>The modified fuel code can be found at: </a:t>
-            </a:r>
-            <a:r>
-              <a:rPr lang="en-US" dirty="0">
-                <a:hlinkClick r:id="rId5"/>
-              </a:rPr>
-              <a:t>https://github.com/Jeremy-Benik/Hill_Runs/blob/main/Codes/fuels.m</a:t>
-            </a:r>
-            <a:endParaRPr lang="en-US" dirty="0"/>
-          </a:p>
-          <a:p>
-            <a:endParaRPr lang="en-US" dirty="0"/>
-          </a:p>
-        </p:txBody>
-      </p:sp>
     </p:spTree>
     <p:extLst>
       <p:ext uri="{BB962C8B-B14F-4D97-AF65-F5344CB8AC3E}">
-        <p14:creationId xmlns:p14="http://schemas.microsoft.com/office/powerpoint/2010/main" val="3891197934"/>
+        <p14:creationId xmlns:p14="http://schemas.microsoft.com/office/powerpoint/2010/main" val="154999995"/>
       </p:ext>
     </p:extLst>
   </p:cSld>

--- a/Presentations/Adjustment_Factors.pptx
+++ b/Presentations/Adjustment_Factors.pptx
@@ -17,6 +17,8 @@
     <p:sldId id="262" r:id="rId11"/>
     <p:sldId id="263" r:id="rId12"/>
     <p:sldId id="264" r:id="rId13"/>
+    <p:sldId id="268" r:id="rId14"/>
+    <p:sldId id="269" r:id="rId15"/>
   </p:sldIdLst>
   <p:sldSz cx="12192000" cy="6858000"/>
   <p:notesSz cx="6858000" cy="9144000"/>
@@ -293,7 +295,7 @@
           <a:p>
             <a:fld id="{2B48E2E9-A25B-CF49-8A46-969EC21E09EB}" type="datetimeFigureOut">
               <a:rPr lang="en-US" smtClean="0"/>
-              <a:t>9/3/22</a:t>
+              <a:t>9/9/22</a:t>
             </a:fld>
             <a:endParaRPr lang="en-US"/>
           </a:p>
@@ -560,7 +562,7 @@
           <a:p>
             <a:fld id="{2B48E2E9-A25B-CF49-8A46-969EC21E09EB}" type="datetimeFigureOut">
               <a:rPr lang="en-US" smtClean="0"/>
-              <a:t>9/3/22</a:t>
+              <a:t>9/9/22</a:t>
             </a:fld>
             <a:endParaRPr lang="en-US"/>
           </a:p>
@@ -791,7 +793,7 @@
           <a:p>
             <a:fld id="{2B48E2E9-A25B-CF49-8A46-969EC21E09EB}" type="datetimeFigureOut">
               <a:rPr lang="en-US" smtClean="0"/>
-              <a:t>9/3/22</a:t>
+              <a:t>9/9/22</a:t>
             </a:fld>
             <a:endParaRPr lang="en-US"/>
           </a:p>
@@ -1101,7 +1103,7 @@
           <a:p>
             <a:fld id="{2B48E2E9-A25B-CF49-8A46-969EC21E09EB}" type="datetimeFigureOut">
               <a:rPr lang="en-US" smtClean="0"/>
-              <a:t>9/3/22</a:t>
+              <a:t>9/9/22</a:t>
             </a:fld>
             <a:endParaRPr lang="en-US"/>
           </a:p>
@@ -1574,7 +1576,7 @@
           <a:p>
             <a:fld id="{2B48E2E9-A25B-CF49-8A46-969EC21E09EB}" type="datetimeFigureOut">
               <a:rPr lang="en-US" smtClean="0"/>
-              <a:t>9/3/22</a:t>
+              <a:t>9/9/22</a:t>
             </a:fld>
             <a:endParaRPr lang="en-US"/>
           </a:p>
@@ -2121,7 +2123,7 @@
           <a:p>
             <a:fld id="{2B48E2E9-A25B-CF49-8A46-969EC21E09EB}" type="datetimeFigureOut">
               <a:rPr lang="en-US" smtClean="0"/>
-              <a:t>9/3/22</a:t>
+              <a:t>9/9/22</a:t>
             </a:fld>
             <a:endParaRPr lang="en-US"/>
           </a:p>
@@ -2895,7 +2897,7 @@
           <a:p>
             <a:fld id="{2B48E2E9-A25B-CF49-8A46-969EC21E09EB}" type="datetimeFigureOut">
               <a:rPr lang="en-US" smtClean="0"/>
-              <a:t>9/3/22</a:t>
+              <a:t>9/9/22</a:t>
             </a:fld>
             <a:endParaRPr lang="en-US"/>
           </a:p>
@@ -3070,7 +3072,7 @@
           <a:p>
             <a:fld id="{2B48E2E9-A25B-CF49-8A46-969EC21E09EB}" type="datetimeFigureOut">
               <a:rPr lang="en-US" smtClean="0"/>
-              <a:t>9/3/22</a:t>
+              <a:t>9/9/22</a:t>
             </a:fld>
             <a:endParaRPr lang="en-US"/>
           </a:p>
@@ -3293,7 +3295,7 @@
           <a:p>
             <a:fld id="{2B48E2E9-A25B-CF49-8A46-969EC21E09EB}" type="datetimeFigureOut">
               <a:rPr lang="en-US" smtClean="0"/>
-              <a:t>9/3/22</a:t>
+              <a:t>9/9/22</a:t>
             </a:fld>
             <a:endParaRPr lang="en-US"/>
           </a:p>
@@ -3473,7 +3475,7 @@
           <a:p>
             <a:fld id="{2B48E2E9-A25B-CF49-8A46-969EC21E09EB}" type="datetimeFigureOut">
               <a:rPr lang="en-US" smtClean="0"/>
-              <a:t>9/3/22</a:t>
+              <a:t>9/9/22</a:t>
             </a:fld>
             <a:endParaRPr lang="en-US"/>
           </a:p>
@@ -3762,7 +3764,7 @@
           <a:p>
             <a:fld id="{2B48E2E9-A25B-CF49-8A46-969EC21E09EB}" type="datetimeFigureOut">
               <a:rPr lang="en-US" smtClean="0"/>
-              <a:t>9/3/22</a:t>
+              <a:t>9/9/22</a:t>
             </a:fld>
             <a:endParaRPr lang="en-US"/>
           </a:p>
@@ -4004,7 +4006,7 @@
           <a:p>
             <a:fld id="{2B48E2E9-A25B-CF49-8A46-969EC21E09EB}" type="datetimeFigureOut">
               <a:rPr lang="en-US" smtClean="0"/>
-              <a:t>9/3/22</a:t>
+              <a:t>9/9/22</a:t>
             </a:fld>
             <a:endParaRPr lang="en-US"/>
           </a:p>
@@ -4383,7 +4385,7 @@
           <a:p>
             <a:fld id="{2B48E2E9-A25B-CF49-8A46-969EC21E09EB}" type="datetimeFigureOut">
               <a:rPr lang="en-US" smtClean="0"/>
-              <a:t>9/3/22</a:t>
+              <a:t>9/9/22</a:t>
             </a:fld>
             <a:endParaRPr lang="en-US"/>
           </a:p>
@@ -4501,7 +4503,7 @@
           <a:p>
             <a:fld id="{2B48E2E9-A25B-CF49-8A46-969EC21E09EB}" type="datetimeFigureOut">
               <a:rPr lang="en-US" smtClean="0"/>
-              <a:t>9/3/22</a:t>
+              <a:t>9/9/22</a:t>
             </a:fld>
             <a:endParaRPr lang="en-US"/>
           </a:p>
@@ -4596,7 +4598,7 @@
           <a:p>
             <a:fld id="{2B48E2E9-A25B-CF49-8A46-969EC21E09EB}" type="datetimeFigureOut">
               <a:rPr lang="en-US" smtClean="0"/>
-              <a:t>9/3/22</a:t>
+              <a:t>9/9/22</a:t>
             </a:fld>
             <a:endParaRPr lang="en-US"/>
           </a:p>
@@ -4845,7 +4847,7 @@
           <a:p>
             <a:fld id="{2B48E2E9-A25B-CF49-8A46-969EC21E09EB}" type="datetimeFigureOut">
               <a:rPr lang="en-US" smtClean="0"/>
-              <a:t>9/3/22</a:t>
+              <a:t>9/9/22</a:t>
             </a:fld>
             <a:endParaRPr lang="en-US"/>
           </a:p>
@@ -5102,7 +5104,7 @@
           <a:p>
             <a:fld id="{2B48E2E9-A25B-CF49-8A46-969EC21E09EB}" type="datetimeFigureOut">
               <a:rPr lang="en-US" smtClean="0"/>
-              <a:t>9/3/22</a:t>
+              <a:t>9/9/22</a:t>
             </a:fld>
             <a:endParaRPr lang="en-US"/>
           </a:p>
@@ -5345,7 +5347,7 @@
           <a:p>
             <a:fld id="{2B48E2E9-A25B-CF49-8A46-969EC21E09EB}" type="datetimeFigureOut">
               <a:rPr lang="en-US" smtClean="0"/>
-              <a:t>9/3/22</a:t>
+              <a:t>9/9/22</a:t>
             </a:fld>
             <a:endParaRPr lang="en-US"/>
           </a:p>
@@ -6053,7 +6055,7 @@
         </p:blipFill>
         <p:spPr>
           <a:xfrm>
-            <a:off x="0" y="4727448"/>
+            <a:off x="0" y="4996143"/>
             <a:ext cx="12161181" cy="1861857"/>
           </a:xfrm>
           <a:prstGeom prst="rect">
@@ -6075,8 +6077,8 @@
         </p:nvSpPr>
         <p:spPr>
           <a:xfrm>
-            <a:off x="405353" y="2262433"/>
-            <a:ext cx="10942351" cy="2585323"/>
+            <a:off x="396209" y="1818612"/>
+            <a:ext cx="10942351" cy="3416320"/>
           </a:xfrm>
           <a:prstGeom prst="rect">
             <a:avLst/>
@@ -6115,7 +6117,7 @@
           <a:p>
             <a:r>
               <a:rPr lang="en-US" dirty="0"/>
-              <a:t>The </a:t>
+              <a:t>The modified </a:t>
             </a:r>
             <a:r>
               <a:rPr lang="en-US" dirty="0" err="1"/>
@@ -6123,13 +6125,37 @@
             </a:r>
             <a:r>
               <a:rPr lang="en-US" dirty="0"/>
-              <a:t> codes can be found at: </a:t>
+              <a:t> code can be found at: </a:t>
             </a:r>
             <a:r>
               <a:rPr lang="en-US" dirty="0">
                 <a:hlinkClick r:id="rId4"/>
               </a:rPr>
-              <a:t>https://github.com/Jeremy-Benik/Hill_Runs/blob/main/Codes/</a:t>
+              <a:t>https://github.com/Jeremy-Benik/Hill_Runs/blob/main/Codes/ros_rothermel.m</a:t>
+            </a:r>
+            <a:endParaRPr lang="en-US" dirty="0"/>
+          </a:p>
+          <a:p>
+            <a:endParaRPr lang="en-US" dirty="0"/>
+          </a:p>
+          <a:p>
+            <a:r>
+              <a:rPr lang="en-US" dirty="0"/>
+              <a:t>The original </a:t>
+            </a:r>
+            <a:r>
+              <a:rPr lang="en-US" dirty="0" err="1"/>
+              <a:t>Rothermel</a:t>
+            </a:r>
+            <a:r>
+              <a:rPr lang="en-US" dirty="0"/>
+              <a:t> code can be found at: </a:t>
+            </a:r>
+            <a:r>
+              <a:rPr lang="en-US" dirty="0">
+                <a:hlinkClick r:id="rId5"/>
+              </a:rPr>
+              <a:t>https://github.com/Jeremy-Benik/Hill_Runs/blob/main/Codes/ros_rothermel_og.m</a:t>
             </a:r>
             <a:endParaRPr lang="en-US" dirty="0"/>
           </a:p>
@@ -6143,7 +6169,7 @@
             </a:r>
             <a:r>
               <a:rPr lang="en-US" dirty="0">
-                <a:hlinkClick r:id="rId5"/>
+                <a:hlinkClick r:id="rId6"/>
               </a:rPr>
               <a:t>https://github.com/Jeremy-Benik/Hill_Runs/blob/main/Codes/fuels.m</a:t>
             </a:r>
@@ -6306,6 +6332,649 @@
 </p:sld>
 </file>
 
+<file path=ppt/slides/slide13.xml><?xml version="1.0" encoding="utf-8"?>
+<p:sld xmlns:a="http://schemas.openxmlformats.org/drawingml/2006/main" xmlns:r="http://schemas.openxmlformats.org/officeDocument/2006/relationships" xmlns:p="http://schemas.openxmlformats.org/presentationml/2006/main">
+  <p:cSld>
+    <p:spTree>
+      <p:nvGrpSpPr>
+        <p:cNvPr id="1" name=""/>
+        <p:cNvGrpSpPr/>
+        <p:nvPr/>
+      </p:nvGrpSpPr>
+      <p:grpSpPr>
+        <a:xfrm>
+          <a:off x="0" y="0"/>
+          <a:ext cx="0" cy="0"/>
+          <a:chOff x="0" y="0"/>
+          <a:chExt cx="0" cy="0"/>
+        </a:xfrm>
+      </p:grpSpPr>
+      <p:sp>
+        <p:nvSpPr>
+          <p:cNvPr id="4" name="Rectangle 3">
+            <a:extLst>
+              <a:ext uri="{FF2B5EF4-FFF2-40B4-BE49-F238E27FC236}">
+                <a16:creationId xmlns:a16="http://schemas.microsoft.com/office/drawing/2014/main" id="{AE87A3FF-B266-E01B-0C0A-B428F2CF12F0}"/>
+              </a:ext>
+            </a:extLst>
+          </p:cNvPr>
+          <p:cNvSpPr/>
+          <p:nvPr/>
+        </p:nvSpPr>
+        <p:spPr>
+          <a:xfrm>
+            <a:off x="0" y="2057401"/>
+            <a:ext cx="12192000" cy="4800599"/>
+          </a:xfrm>
+          <a:prstGeom prst="rect">
+            <a:avLst/>
+          </a:prstGeom>
+          <a:solidFill>
+            <a:schemeClr val="tx1"/>
+          </a:solidFill>
+          <a:ln>
+            <a:solidFill>
+              <a:schemeClr val="accent1"/>
+            </a:solidFill>
+          </a:ln>
+        </p:spPr>
+        <p:style>
+          <a:lnRef idx="2">
+            <a:schemeClr val="accent1">
+              <a:shade val="50000"/>
+            </a:schemeClr>
+          </a:lnRef>
+          <a:fillRef idx="1">
+            <a:schemeClr val="accent1"/>
+          </a:fillRef>
+          <a:effectRef idx="0">
+            <a:schemeClr val="accent1"/>
+          </a:effectRef>
+          <a:fontRef idx="minor">
+            <a:schemeClr val="lt1"/>
+          </a:fontRef>
+        </p:style>
+        <p:txBody>
+          <a:bodyPr rtlCol="0" anchor="ctr"/>
+          <a:lstStyle/>
+          <a:p>
+            <a:pPr algn="ctr"/>
+            <a:endParaRPr lang="en-US"/>
+          </a:p>
+        </p:txBody>
+      </p:sp>
+      <p:sp>
+        <p:nvSpPr>
+          <p:cNvPr id="2" name="Title 1">
+            <a:extLst>
+              <a:ext uri="{FF2B5EF4-FFF2-40B4-BE49-F238E27FC236}">
+                <a16:creationId xmlns:a16="http://schemas.microsoft.com/office/drawing/2014/main" id="{7DD3D06E-964C-983E-33CA-2550BDC2EA08}"/>
+              </a:ext>
+            </a:extLst>
+          </p:cNvPr>
+          <p:cNvSpPr>
+            <a:spLocks noGrp="1"/>
+          </p:cNvSpPr>
+          <p:nvPr>
+            <p:ph type="title"/>
+          </p:nvPr>
+        </p:nvSpPr>
+        <p:spPr/>
+        <p:txBody>
+          <a:bodyPr/>
+          <a:lstStyle/>
+          <a:p>
+            <a:r>
+              <a:rPr lang="en-US" dirty="0"/>
+              <a:t>Sensitivity analysis</a:t>
+            </a:r>
+          </a:p>
+        </p:txBody>
+      </p:sp>
+      <p:pic>
+        <p:nvPicPr>
+          <p:cNvPr id="3" name="Picture 2">
+            <a:extLst>
+              <a:ext uri="{FF2B5EF4-FFF2-40B4-BE49-F238E27FC236}">
+                <a16:creationId xmlns:a16="http://schemas.microsoft.com/office/drawing/2014/main" id="{54FB21CE-EE87-3DD0-8A67-2F4B5084E58E}"/>
+              </a:ext>
+            </a:extLst>
+          </p:cNvPr>
+          <p:cNvPicPr>
+            <a:picLocks noChangeAspect="1"/>
+          </p:cNvPicPr>
+          <p:nvPr/>
+        </p:nvPicPr>
+        <p:blipFill>
+          <a:blip r:embed="rId2"/>
+          <a:stretch>
+            <a:fillRect/>
+          </a:stretch>
+        </p:blipFill>
+        <p:spPr>
+          <a:xfrm>
+            <a:off x="7112" y="2907792"/>
+            <a:ext cx="4133088" cy="3099816"/>
+          </a:xfrm>
+          <a:prstGeom prst="rect">
+            <a:avLst/>
+          </a:prstGeom>
+        </p:spPr>
+      </p:pic>
+      <p:pic>
+        <p:nvPicPr>
+          <p:cNvPr id="5" name="Picture 4">
+            <a:extLst>
+              <a:ext uri="{FF2B5EF4-FFF2-40B4-BE49-F238E27FC236}">
+                <a16:creationId xmlns:a16="http://schemas.microsoft.com/office/drawing/2014/main" id="{35EAD188-00EF-C6B3-1583-75784CA44099}"/>
+              </a:ext>
+            </a:extLst>
+          </p:cNvPr>
+          <p:cNvPicPr>
+            <a:picLocks noChangeAspect="1"/>
+          </p:cNvPicPr>
+          <p:nvPr/>
+        </p:nvPicPr>
+        <p:blipFill>
+          <a:blip r:embed="rId3"/>
+          <a:stretch>
+            <a:fillRect/>
+          </a:stretch>
+        </p:blipFill>
+        <p:spPr>
+          <a:xfrm>
+            <a:off x="3945634" y="2907792"/>
+            <a:ext cx="4220465" cy="3165349"/>
+          </a:xfrm>
+          <a:prstGeom prst="rect">
+            <a:avLst/>
+          </a:prstGeom>
+        </p:spPr>
+      </p:pic>
+      <p:pic>
+        <p:nvPicPr>
+          <p:cNvPr id="6" name="Picture 5">
+            <a:extLst>
+              <a:ext uri="{FF2B5EF4-FFF2-40B4-BE49-F238E27FC236}">
+                <a16:creationId xmlns:a16="http://schemas.microsoft.com/office/drawing/2014/main" id="{5DCFE102-E390-C927-DEB1-73774C68D0B9}"/>
+              </a:ext>
+            </a:extLst>
+          </p:cNvPr>
+          <p:cNvPicPr>
+            <a:picLocks noChangeAspect="1"/>
+          </p:cNvPicPr>
+          <p:nvPr/>
+        </p:nvPicPr>
+        <p:blipFill>
+          <a:blip r:embed="rId4"/>
+          <a:stretch>
+            <a:fillRect/>
+          </a:stretch>
+        </p:blipFill>
+        <p:spPr>
+          <a:xfrm>
+            <a:off x="8239759" y="2907792"/>
+            <a:ext cx="4133089" cy="3099817"/>
+          </a:xfrm>
+          <a:prstGeom prst="rect">
+            <a:avLst/>
+          </a:prstGeom>
+        </p:spPr>
+      </p:pic>
+    </p:spTree>
+    <p:extLst>
+      <p:ext uri="{BB962C8B-B14F-4D97-AF65-F5344CB8AC3E}">
+        <p14:creationId xmlns:p14="http://schemas.microsoft.com/office/powerpoint/2010/main" val="200348711"/>
+      </p:ext>
+    </p:extLst>
+  </p:cSld>
+  <p:clrMapOvr>
+    <a:masterClrMapping/>
+  </p:clrMapOvr>
+</p:sld>
+</file>
+
+<file path=ppt/slides/slide14.xml><?xml version="1.0" encoding="utf-8"?>
+<p:sld xmlns:a="http://schemas.openxmlformats.org/drawingml/2006/main" xmlns:r="http://schemas.openxmlformats.org/officeDocument/2006/relationships" xmlns:p="http://schemas.openxmlformats.org/presentationml/2006/main">
+  <p:cSld>
+    <p:bg>
+      <p:bgPr>
+        <a:solidFill>
+          <a:schemeClr val="bg1"/>
+        </a:solidFill>
+        <a:effectLst/>
+      </p:bgPr>
+    </p:bg>
+    <p:spTree>
+      <p:nvGrpSpPr>
+        <p:cNvPr id="1" name=""/>
+        <p:cNvGrpSpPr/>
+        <p:nvPr/>
+      </p:nvGrpSpPr>
+      <p:grpSpPr>
+        <a:xfrm>
+          <a:off x="0" y="0"/>
+          <a:ext cx="0" cy="0"/>
+          <a:chOff x="0" y="0"/>
+          <a:chExt cx="0" cy="0"/>
+        </a:xfrm>
+      </p:grpSpPr>
+      <p:pic>
+        <p:nvPicPr>
+          <p:cNvPr id="8" name="Picture 7">
+            <a:extLst>
+              <a:ext uri="{FF2B5EF4-FFF2-40B4-BE49-F238E27FC236}">
+                <a16:creationId xmlns:a16="http://schemas.microsoft.com/office/drawing/2014/main" id="{BDFADFB3-3D44-49A8-AE3B-A87C61607F7E}"/>
+              </a:ext>
+              <a:ext uri="{C183D7F6-B498-43B3-948B-1728B52AA6E4}">
+                <adec:decorative xmlns:adec="http://schemas.microsoft.com/office/drawing/2017/decorative" val="1"/>
+              </a:ext>
+            </a:extLst>
+          </p:cNvPr>
+          <p:cNvPicPr>
+            <a:picLocks noGrp="1" noRot="1" noChangeAspect="1" noMove="1" noResize="1" noEditPoints="1" noAdjustHandles="1" noChangeArrowheads="1" noChangeShapeType="1" noCrop="1"/>
+          </p:cNvPicPr>
+          <p:nvPr>
+            <p:extLst>
+              <p:ext uri="{386F3935-93C4-4BCD-93E2-E3B085C9AB24}">
+                <p16:designElem xmlns:p16="http://schemas.microsoft.com/office/powerpoint/2015/main" val="1"/>
+              </p:ext>
+            </p:extLst>
+          </p:nvPr>
+        </p:nvPicPr>
+        <p:blipFill>
+          <a:blip r:embed="rId2">
+            <a:extLst>
+              <a:ext uri="{28A0092B-C50C-407E-A947-70E740481C1C}">
+                <a14:useLocalDpi xmlns:a14="http://schemas.microsoft.com/office/drawing/2010/main" val="0"/>
+              </a:ext>
+            </a:extLst>
+          </a:blip>
+          <a:stretch>
+            <a:fillRect/>
+          </a:stretch>
+        </p:blipFill>
+        <p:spPr>
+          <a:xfrm>
+            <a:off x="0" y="0"/>
+            <a:ext cx="12192000" cy="1441450"/>
+          </a:xfrm>
+          <a:prstGeom prst="rect">
+            <a:avLst/>
+          </a:prstGeom>
+        </p:spPr>
+      </p:pic>
+      <p:pic>
+        <p:nvPicPr>
+          <p:cNvPr id="10" name="Picture 9">
+            <a:extLst>
+              <a:ext uri="{FF2B5EF4-FFF2-40B4-BE49-F238E27FC236}">
+                <a16:creationId xmlns:a16="http://schemas.microsoft.com/office/drawing/2014/main" id="{BB912AE0-CAD9-4F8F-A2A2-BDF07D4EDD22}"/>
+              </a:ext>
+              <a:ext uri="{C183D7F6-B498-43B3-948B-1728B52AA6E4}">
+                <adec:decorative xmlns:adec="http://schemas.microsoft.com/office/drawing/2017/decorative" val="1"/>
+              </a:ext>
+            </a:extLst>
+          </p:cNvPr>
+          <p:cNvPicPr>
+            <a:picLocks noGrp="1" noRot="1" noChangeAspect="1" noMove="1" noResize="1" noEditPoints="1" noAdjustHandles="1" noChangeArrowheads="1" noChangeShapeType="1" noCrop="1"/>
+          </p:cNvPicPr>
+          <p:nvPr>
+            <p:extLst>
+              <p:ext uri="{386F3935-93C4-4BCD-93E2-E3B085C9AB24}">
+                <p16:designElem xmlns:p16="http://schemas.microsoft.com/office/powerpoint/2015/main" val="1"/>
+              </p:ext>
+            </p:extLst>
+          </p:nvPr>
+        </p:nvPicPr>
+        <p:blipFill>
+          <a:blip r:embed="rId3">
+            <a:extLst>
+              <a:ext uri="{28A0092B-C50C-407E-A947-70E740481C1C}">
+                <a14:useLocalDpi xmlns:a14="http://schemas.microsoft.com/office/drawing/2010/main" val="0"/>
+              </a:ext>
+            </a:extLst>
+          </a:blip>
+          <a:stretch>
+            <a:fillRect/>
+          </a:stretch>
+        </p:blipFill>
+        <p:spPr>
+          <a:xfrm>
+            <a:off x="0" y="4375150"/>
+            <a:ext cx="12192000" cy="2482850"/>
+          </a:xfrm>
+          <a:prstGeom prst="rect">
+            <a:avLst/>
+          </a:prstGeom>
+        </p:spPr>
+      </p:pic>
+      <p:sp>
+        <p:nvSpPr>
+          <p:cNvPr id="12" name="Rectangle 11">
+            <a:extLst>
+              <a:ext uri="{FF2B5EF4-FFF2-40B4-BE49-F238E27FC236}">
+                <a16:creationId xmlns:a16="http://schemas.microsoft.com/office/drawing/2014/main" id="{674220BB-5395-4F54-8045-343633A1BC8A}"/>
+              </a:ext>
+              <a:ext uri="{C183D7F6-B498-43B3-948B-1728B52AA6E4}">
+                <adec:decorative xmlns:adec="http://schemas.microsoft.com/office/drawing/2017/decorative" val="1"/>
+              </a:ext>
+            </a:extLst>
+          </p:cNvPr>
+          <p:cNvSpPr>
+            <a:spLocks noGrp="1" noRot="1" noChangeAspect="1" noMove="1" noResize="1" noEditPoints="1" noAdjustHandles="1" noChangeArrowheads="1" noChangeShapeType="1" noTextEdit="1"/>
+          </p:cNvSpPr>
+          <p:nvPr>
+            <p:extLst>
+              <p:ext uri="{386F3935-93C4-4BCD-93E2-E3B085C9AB24}">
+                <p16:designElem xmlns:p16="http://schemas.microsoft.com/office/powerpoint/2015/main" val="1"/>
+              </p:ext>
+            </p:extLst>
+          </p:nvPr>
+        </p:nvSpPr>
+        <p:spPr>
+          <a:xfrm>
+            <a:off x="7946782" y="-1"/>
+            <a:ext cx="4245218" cy="6858001"/>
+          </a:xfrm>
+          <a:prstGeom prst="rect">
+            <a:avLst/>
+          </a:prstGeom>
+          <a:solidFill>
+            <a:schemeClr val="tx1"/>
+          </a:solidFill>
+          <a:ln>
+            <a:noFill/>
+          </a:ln>
+        </p:spPr>
+        <p:style>
+          <a:lnRef idx="2">
+            <a:schemeClr val="accent1">
+              <a:shade val="50000"/>
+            </a:schemeClr>
+          </a:lnRef>
+          <a:fillRef idx="1">
+            <a:schemeClr val="accent1"/>
+          </a:fillRef>
+          <a:effectRef idx="0">
+            <a:schemeClr val="accent1"/>
+          </a:effectRef>
+          <a:fontRef idx="minor">
+            <a:schemeClr val="lt1"/>
+          </a:fontRef>
+        </p:style>
+        <p:txBody>
+          <a:bodyPr rtlCol="0" anchor="ctr"/>
+          <a:lstStyle/>
+          <a:p>
+            <a:pPr algn="ctr"/>
+            <a:endParaRPr lang="en-US"/>
+          </a:p>
+        </p:txBody>
+      </p:sp>
+      <p:sp>
+        <p:nvSpPr>
+          <p:cNvPr id="2" name="Title 1">
+            <a:extLst>
+              <a:ext uri="{FF2B5EF4-FFF2-40B4-BE49-F238E27FC236}">
+                <a16:creationId xmlns:a16="http://schemas.microsoft.com/office/drawing/2014/main" id="{5C978C8B-C29A-CD3C-A0CF-56AF1DA74E5C}"/>
+              </a:ext>
+            </a:extLst>
+          </p:cNvPr>
+          <p:cNvSpPr>
+            <a:spLocks noGrp="1"/>
+          </p:cNvSpPr>
+          <p:nvPr>
+            <p:ph type="title"/>
+          </p:nvPr>
+        </p:nvSpPr>
+        <p:spPr>
+          <a:xfrm>
+            <a:off x="8266820" y="673240"/>
+            <a:ext cx="3300981" cy="3446373"/>
+          </a:xfrm>
+          <a:noFill/>
+          <a:ln w="19050">
+            <a:noFill/>
+            <a:prstDash val="dash"/>
+          </a:ln>
+        </p:spPr>
+        <p:txBody>
+          <a:bodyPr vert="horz" lIns="91440" tIns="45720" rIns="91440" bIns="45720" rtlCol="0" anchor="b">
+            <a:normAutofit/>
+          </a:bodyPr>
+          <a:lstStyle/>
+          <a:p>
+            <a:pPr algn="l"/>
+            <a:r>
+              <a:rPr lang="en-US" sz="4800">
+                <a:solidFill>
+                  <a:schemeClr val="bg1"/>
+                </a:solidFill>
+              </a:rPr>
+              <a:t>Sensitivity analysis</a:t>
+            </a:r>
+          </a:p>
+        </p:txBody>
+      </p:sp>
+      <p:pic>
+        <p:nvPicPr>
+          <p:cNvPr id="14" name="Picture 13">
+            <a:extLst>
+              <a:ext uri="{FF2B5EF4-FFF2-40B4-BE49-F238E27FC236}">
+                <a16:creationId xmlns:a16="http://schemas.microsoft.com/office/drawing/2014/main" id="{9D892AF3-0287-4CB0-AD2F-775B64C6FDA5}"/>
+              </a:ext>
+              <a:ext uri="{C183D7F6-B498-43B3-948B-1728B52AA6E4}">
+                <adec:decorative xmlns:adec="http://schemas.microsoft.com/office/drawing/2017/decorative" val="1"/>
+              </a:ext>
+            </a:extLst>
+          </p:cNvPr>
+          <p:cNvPicPr>
+            <a:picLocks noGrp="1" noRot="1" noChangeAspect="1" noMove="1" noResize="1" noEditPoints="1" noAdjustHandles="1" noChangeArrowheads="1" noChangeShapeType="1" noCrop="1"/>
+          </p:cNvPicPr>
+          <p:nvPr>
+            <p:extLst>
+              <p:ext uri="{386F3935-93C4-4BCD-93E2-E3B085C9AB24}">
+                <p16:designElem xmlns:p16="http://schemas.microsoft.com/office/powerpoint/2015/main" val="1"/>
+              </p:ext>
+            </p:extLst>
+          </p:nvPr>
+        </p:nvPicPr>
+        <p:blipFill>
+          <a:blip r:embed="rId3">
+            <a:extLst>
+              <a:ext uri="{28A0092B-C50C-407E-A947-70E740481C1C}">
+                <a14:useLocalDpi xmlns:a14="http://schemas.microsoft.com/office/drawing/2010/main" val="0"/>
+              </a:ext>
+            </a:extLst>
+          </a:blip>
+          <a:stretch>
+            <a:fillRect/>
+          </a:stretch>
+        </p:blipFill>
+        <p:spPr>
+          <a:xfrm>
+            <a:off x="0" y="4375150"/>
+            <a:ext cx="12192000" cy="2482850"/>
+          </a:xfrm>
+          <a:prstGeom prst="rect">
+            <a:avLst/>
+          </a:prstGeom>
+        </p:spPr>
+      </p:pic>
+      <p:sp>
+        <p:nvSpPr>
+          <p:cNvPr id="16" name="Rectangle 15">
+            <a:extLst>
+              <a:ext uri="{FF2B5EF4-FFF2-40B4-BE49-F238E27FC236}">
+                <a16:creationId xmlns:a16="http://schemas.microsoft.com/office/drawing/2014/main" id="{D477AA7E-6F59-438B-AE81-F002D625899E}"/>
+              </a:ext>
+              <a:ext uri="{C183D7F6-B498-43B3-948B-1728B52AA6E4}">
+                <adec:decorative xmlns:adec="http://schemas.microsoft.com/office/drawing/2017/decorative" val="1"/>
+              </a:ext>
+            </a:extLst>
+          </p:cNvPr>
+          <p:cNvSpPr>
+            <a:spLocks noGrp="1" noRot="1" noChangeAspect="1" noMove="1" noResize="1" noEditPoints="1" noAdjustHandles="1" noChangeArrowheads="1" noChangeShapeType="1" noTextEdit="1"/>
+          </p:cNvSpPr>
+          <p:nvPr>
+            <p:extLst>
+              <p:ext uri="{386F3935-93C4-4BCD-93E2-E3B085C9AB24}">
+                <p16:designElem xmlns:p16="http://schemas.microsoft.com/office/powerpoint/2015/main" val="1"/>
+              </p:ext>
+            </p:extLst>
+          </p:nvPr>
+        </p:nvSpPr>
+        <p:spPr>
+          <a:xfrm>
+            <a:off x="-1" y="0"/>
+            <a:ext cx="7946781" cy="6858000"/>
+          </a:xfrm>
+          <a:prstGeom prst="rect">
+            <a:avLst/>
+          </a:prstGeom>
+          <a:solidFill>
+            <a:schemeClr val="tx1"/>
+          </a:solidFill>
+          <a:ln>
+            <a:noFill/>
+          </a:ln>
+        </p:spPr>
+        <p:style>
+          <a:lnRef idx="2">
+            <a:schemeClr val="accent1">
+              <a:shade val="50000"/>
+            </a:schemeClr>
+          </a:lnRef>
+          <a:fillRef idx="1">
+            <a:schemeClr val="accent1"/>
+          </a:fillRef>
+          <a:effectRef idx="0">
+            <a:schemeClr val="accent1"/>
+          </a:effectRef>
+          <a:fontRef idx="minor">
+            <a:schemeClr val="lt1"/>
+          </a:fontRef>
+        </p:style>
+        <p:txBody>
+          <a:bodyPr rtlCol="0" anchor="ctr"/>
+          <a:lstStyle/>
+          <a:p>
+            <a:pPr algn="ctr"/>
+            <a:endParaRPr lang="en-US"/>
+          </a:p>
+        </p:txBody>
+      </p:sp>
+      <p:sp useBgFill="1">
+        <p:nvSpPr>
+          <p:cNvPr id="18" name="Rounded Rectangle 11">
+            <a:extLst>
+              <a:ext uri="{FF2B5EF4-FFF2-40B4-BE49-F238E27FC236}">
+                <a16:creationId xmlns:a16="http://schemas.microsoft.com/office/drawing/2014/main" id="{C84439A1-773C-4E21-A179-0417A18640E9}"/>
+              </a:ext>
+              <a:ext uri="{C183D7F6-B498-43B3-948B-1728B52AA6E4}">
+                <adec:decorative xmlns:adec="http://schemas.microsoft.com/office/drawing/2017/decorative" val="1"/>
+              </a:ext>
+            </a:extLst>
+          </p:cNvPr>
+          <p:cNvSpPr>
+            <a:spLocks noGrp="1" noRot="1" noChangeAspect="1" noMove="1" noResize="1" noEditPoints="1" noAdjustHandles="1" noChangeArrowheads="1" noChangeShapeType="1" noTextEdit="1"/>
+          </p:cNvSpPr>
+          <p:nvPr>
+            <p:extLst>
+              <p:ext uri="{386F3935-93C4-4BCD-93E2-E3B085C9AB24}">
+                <p16:designElem xmlns:p16="http://schemas.microsoft.com/office/powerpoint/2015/main" val="1"/>
+              </p:ext>
+            </p:extLst>
+          </p:nvPr>
+        </p:nvSpPr>
+        <p:spPr>
+          <a:xfrm>
+            <a:off x="643338" y="643464"/>
+            <a:ext cx="6638814" cy="5571072"/>
+          </a:xfrm>
+          <a:prstGeom prst="roundRect">
+            <a:avLst>
+              <a:gd name="adj" fmla="val 2403"/>
+            </a:avLst>
+          </a:prstGeom>
+          <a:ln>
+            <a:noFill/>
+          </a:ln>
+          <a:effectLst>
+            <a:innerShdw blurRad="114300">
+              <a:prstClr val="black"/>
+            </a:innerShdw>
+          </a:effectLst>
+        </p:spPr>
+        <p:style>
+          <a:lnRef idx="2">
+            <a:schemeClr val="accent1">
+              <a:shade val="50000"/>
+            </a:schemeClr>
+          </a:lnRef>
+          <a:fillRef idx="1">
+            <a:schemeClr val="accent1"/>
+          </a:fillRef>
+          <a:effectRef idx="0">
+            <a:schemeClr val="accent1"/>
+          </a:effectRef>
+          <a:fontRef idx="minor">
+            <a:schemeClr val="lt1"/>
+          </a:fontRef>
+        </p:style>
+        <p:txBody>
+          <a:bodyPr rtlCol="0" anchor="ctr"/>
+          <a:lstStyle/>
+          <a:p>
+            <a:pPr algn="ctr"/>
+            <a:endParaRPr lang="en-US"/>
+          </a:p>
+        </p:txBody>
+      </p:sp>
+      <p:pic>
+        <p:nvPicPr>
+          <p:cNvPr id="3" name="Picture 2">
+            <a:extLst>
+              <a:ext uri="{FF2B5EF4-FFF2-40B4-BE49-F238E27FC236}">
+                <a16:creationId xmlns:a16="http://schemas.microsoft.com/office/drawing/2014/main" id="{B8707A40-E431-5019-78AC-9198EFC52BA7}"/>
+              </a:ext>
+            </a:extLst>
+          </p:cNvPr>
+          <p:cNvPicPr>
+            <a:picLocks noChangeAspect="1"/>
+          </p:cNvPicPr>
+          <p:nvPr/>
+        </p:nvPicPr>
+        <p:blipFill>
+          <a:blip r:embed="rId4"/>
+          <a:stretch>
+            <a:fillRect/>
+          </a:stretch>
+        </p:blipFill>
+        <p:spPr>
+          <a:xfrm>
+            <a:off x="1293000" y="1428408"/>
+            <a:ext cx="5339490" cy="4001185"/>
+          </a:xfrm>
+          <a:prstGeom prst="rect">
+            <a:avLst/>
+          </a:prstGeom>
+        </p:spPr>
+      </p:pic>
+    </p:spTree>
+    <p:extLst>
+      <p:ext uri="{BB962C8B-B14F-4D97-AF65-F5344CB8AC3E}">
+        <p14:creationId xmlns:p14="http://schemas.microsoft.com/office/powerpoint/2010/main" val="699480773"/>
+      </p:ext>
+    </p:extLst>
+  </p:cSld>
+  <p:clrMapOvr>
+    <a:overrideClrMapping bg1="lt1" tx1="dk1" bg2="lt2" tx2="dk2" accent1="accent1" accent2="accent2" accent3="accent3" accent4="accent4" accent5="accent5" accent6="accent6" hlink="hlink" folHlink="folHlink"/>
+  </p:clrMapOvr>
+</p:sld>
+</file>
+
 <file path=ppt/slides/slide2.xml><?xml version="1.0" encoding="utf-8"?>
 <p:sld xmlns:a="http://schemas.openxmlformats.org/drawingml/2006/main" xmlns:r="http://schemas.openxmlformats.org/officeDocument/2006/relationships" xmlns:p="http://schemas.openxmlformats.org/presentationml/2006/main">
   <p:cSld>
@@ -6397,23 +7066,23 @@
           <a:p>
             <a:r>
               <a:rPr lang="en-US" dirty="0"/>
-              <a:t>A more in depth explanation of how this was calculated can be found on YouTube at: https://</a:t>
-            </a:r>
-            <a:r>
-              <a:rPr lang="en-US" dirty="0" err="1"/>
-              <a:t>www.youtube.com</a:t>
-            </a:r>
+              <a:t>A more in depth explanation of how this was calculated can be found on YouTube at: </a:t>
+            </a:r>
+            <a:r>
+              <a:rPr lang="en-US" dirty="0">
+                <a:hlinkClick r:id="rId2"/>
+              </a:rPr>
+              <a:t>https://www.youtube.com/watch?v=nI3wS8YHofM</a:t>
+            </a:r>
+            <a:endParaRPr lang="en-US" dirty="0"/>
+          </a:p>
+          <a:p>
+            <a:endParaRPr lang="en-US" dirty="0"/>
+          </a:p>
+          <a:p>
             <a:r>
               <a:rPr lang="en-US" dirty="0"/>
-              <a:t>/</a:t>
-            </a:r>
-            <a:r>
-              <a:rPr lang="en-US" dirty="0" err="1"/>
-              <a:t>watch?v</a:t>
-            </a:r>
-            <a:r>
-              <a:rPr lang="en-US" dirty="0"/>
-              <a:t>=nI3wS8YHofM</a:t>
+              <a:t>Please do not make this video public without permission</a:t>
             </a:r>
           </a:p>
           <a:p>
@@ -6733,6 +7402,9 @@
             </a:r>
           </a:p>
           <a:p>
+            <a:endParaRPr lang="en-US" dirty="0"/>
+          </a:p>
+          <a:p>
             <a:r>
               <a:rPr lang="en-US" dirty="0"/>
               <a:t>In an attempt to slow the rate of spread of the simulation down, an adjustment factor was added to the simulation </a:t>
@@ -6746,33 +7418,14 @@
             </a:r>
           </a:p>
           <a:p>
+            <a:pPr lvl="1"/>
+            <a:endParaRPr lang="en-US" dirty="0"/>
+          </a:p>
+          <a:p>
             <a:r>
               <a:rPr lang="en-US" dirty="0"/>
               <a:t>With this adjustment factor, we were expecting the backfire ROS to be closer to 0.02, but instead the new backfire ROS was calculated to be 0.015m/s</a:t>
             </a:r>
-          </a:p>
-          <a:p>
-            <a:r>
-              <a:rPr lang="en-US" dirty="0"/>
-              <a:t>To try to better correct the model, another run was performed this time with a different adjustment factor of 0.93</a:t>
-            </a:r>
-          </a:p>
-          <a:p>
-            <a:r>
-              <a:rPr lang="en-US" dirty="0"/>
-              <a:t>This did increase the backfire ROS, but not as much as we had hoped</a:t>
-            </a:r>
-          </a:p>
-          <a:p>
-            <a:pPr lvl="1"/>
-            <a:r>
-              <a:rPr lang="en-US" dirty="0"/>
-              <a:t>The new backfire ROS was 0.016</a:t>
-            </a:r>
-          </a:p>
-          <a:p>
-            <a:pPr lvl="1"/>
-            <a:endParaRPr lang="en-US" dirty="0"/>
           </a:p>
           <a:p>
             <a:pPr marL="0" indent="0">

--- a/Presentations/Adjustment_Factors.pptx
+++ b/Presentations/Adjustment_Factors.pptx
@@ -6078,7 +6078,7 @@
         <p:spPr>
           <a:xfrm>
             <a:off x="396209" y="1818612"/>
-            <a:ext cx="10942351" cy="3416320"/>
+            <a:ext cx="10942351" cy="3370153"/>
           </a:xfrm>
           <a:prstGeom prst="rect">
             <a:avLst/>
@@ -6092,88 +6092,104 @@
           <a:lstStyle/>
           <a:p>
             <a:r>
-              <a:rPr lang="en-US" dirty="0"/>
+              <a:rPr lang="en-US" sz="1500" dirty="0"/>
               <a:t>This excel sheet can be found on my </a:t>
             </a:r>
             <a:r>
-              <a:rPr lang="en-US" dirty="0" err="1"/>
+              <a:rPr lang="en-US" sz="1500" dirty="0" err="1"/>
               <a:t>github</a:t>
             </a:r>
             <a:r>
-              <a:rPr lang="en-US" dirty="0"/>
+              <a:rPr lang="en-US" sz="1500" dirty="0"/>
               <a:t> at: </a:t>
             </a:r>
             <a:r>
-              <a:rPr lang="en-US" dirty="0">
+              <a:rPr lang="en-US" sz="1500" dirty="0">
                 <a:hlinkClick r:id="rId3"/>
               </a:rPr>
               <a:t>https://github.com/Jeremy-Benik/Hill_Runs/blob/main/ROS_calculations.xlsx</a:t>
             </a:r>
-            <a:endParaRPr lang="en-US" dirty="0"/>
-          </a:p>
-          <a:p>
-            <a:endParaRPr lang="en-US" dirty="0"/>
-          </a:p>
-          <a:p>
-            <a:r>
-              <a:rPr lang="en-US" dirty="0"/>
+            <a:endParaRPr lang="en-US" sz="1500" dirty="0"/>
+          </a:p>
+          <a:p>
+            <a:endParaRPr lang="en-US" sz="1500" dirty="0"/>
+          </a:p>
+          <a:p>
+            <a:r>
+              <a:rPr lang="en-US" sz="1500" dirty="0"/>
               <a:t>The modified </a:t>
             </a:r>
             <a:r>
-              <a:rPr lang="en-US" dirty="0" err="1"/>
+              <a:rPr lang="en-US" sz="1500" dirty="0" err="1"/>
               <a:t>Rothermel</a:t>
             </a:r>
             <a:r>
-              <a:rPr lang="en-US" dirty="0"/>
+              <a:rPr lang="en-US" sz="1500" dirty="0"/>
               <a:t> code can be found at: </a:t>
             </a:r>
             <a:r>
-              <a:rPr lang="en-US" dirty="0">
+              <a:rPr lang="en-US" sz="1500" dirty="0">
                 <a:hlinkClick r:id="rId4"/>
               </a:rPr>
               <a:t>https://github.com/Jeremy-Benik/Hill_Runs/blob/main/Codes/ros_rothermel.m</a:t>
             </a:r>
-            <a:endParaRPr lang="en-US" dirty="0"/>
-          </a:p>
-          <a:p>
-            <a:endParaRPr lang="en-US" dirty="0"/>
-          </a:p>
-          <a:p>
-            <a:r>
-              <a:rPr lang="en-US" dirty="0"/>
+            <a:endParaRPr lang="en-US" sz="1500" dirty="0"/>
+          </a:p>
+          <a:p>
+            <a:endParaRPr lang="en-US" sz="1500" dirty="0"/>
+          </a:p>
+          <a:p>
+            <a:r>
+              <a:rPr lang="en-US" sz="1500" dirty="0"/>
               <a:t>The original </a:t>
             </a:r>
             <a:r>
-              <a:rPr lang="en-US" dirty="0" err="1"/>
+              <a:rPr lang="en-US" sz="1500" dirty="0" err="1"/>
               <a:t>Rothermel</a:t>
             </a:r>
             <a:r>
-              <a:rPr lang="en-US" dirty="0"/>
+              <a:rPr lang="en-US" sz="1500" dirty="0"/>
               <a:t> code can be found at: </a:t>
             </a:r>
             <a:r>
-              <a:rPr lang="en-US" dirty="0">
+              <a:rPr lang="en-US" sz="1500" dirty="0">
                 <a:hlinkClick r:id="rId5"/>
               </a:rPr>
               <a:t>https://github.com/Jeremy-Benik/Hill_Runs/blob/main/Codes/ros_rothermel_og.m</a:t>
             </a:r>
-            <a:endParaRPr lang="en-US" dirty="0"/>
-          </a:p>
-          <a:p>
-            <a:endParaRPr lang="en-US" dirty="0"/>
-          </a:p>
-          <a:p>
-            <a:r>
-              <a:rPr lang="en-US" dirty="0"/>
-              <a:t>The modified fuel code can be found at: </a:t>
-            </a:r>
-            <a:r>
-              <a:rPr lang="en-US" dirty="0">
+            <a:endParaRPr lang="en-US" sz="1500" dirty="0"/>
+          </a:p>
+          <a:p>
+            <a:endParaRPr lang="en-US" sz="1500" dirty="0"/>
+          </a:p>
+          <a:p>
+            <a:r>
+              <a:rPr lang="en-US" sz="1500" dirty="0"/>
+              <a:t>The sensitivity analysis code can be found at: </a:t>
+            </a:r>
+            <a:r>
+              <a:rPr lang="en-US" sz="1500" dirty="0">
                 <a:hlinkClick r:id="rId6"/>
               </a:rPr>
+              <a:t>https://github.com/Jeremy-Benik/Hill_Runs/blob/main/Codes/adjustment_factor_sensitivity.m</a:t>
+            </a:r>
+            <a:endParaRPr lang="en-US" sz="1500" dirty="0"/>
+          </a:p>
+          <a:p>
+            <a:endParaRPr lang="en-US" sz="1500" dirty="0"/>
+          </a:p>
+          <a:p>
+            <a:r>
+              <a:rPr lang="en-US" sz="1500" dirty="0"/>
+              <a:t>The modified fuel code can be found at: </a:t>
+            </a:r>
+            <a:r>
+              <a:rPr lang="en-US" sz="1500" dirty="0">
+                <a:hlinkClick r:id="rId7"/>
+              </a:rPr>
               <a:t>https://github.com/Jeremy-Benik/Hill_Runs/blob/main/Codes/fuels.m</a:t>
             </a:r>
-            <a:endParaRPr lang="en-US" dirty="0"/>
+            <a:endParaRPr lang="en-US" sz="1500" dirty="0"/>
           </a:p>
           <a:p>
             <a:endParaRPr lang="en-US" dirty="0"/>
